--- a/SLIDE-HTQLBHDTDĐ.pptx
+++ b/SLIDE-HTQLBHDTDĐ.pptx
@@ -26,44 +26,44 @@
   <p:notesSz cx="6858000" cy="9144000"/>
   <p:embeddedFontLst>
     <p:embeddedFont>
-      <p:font typeface="Open Sans" panose="020B0604020202020204" charset="0"/>
+      <p:font typeface="Fira Sans Condensed Medium" panose="020B0604020202020204" charset="0"/>
       <p:regular r:id="rId16"/>
       <p:bold r:id="rId17"/>
       <p:italic r:id="rId18"/>
       <p:boldItalic r:id="rId19"/>
     </p:embeddedFont>
     <p:embeddedFont>
-      <p:font typeface="Nunito Light" panose="020B0604020202020204" charset="0"/>
+      <p:font typeface="Fira Sans Extra Condensed Medium" panose="020B0604020202020204" charset="0"/>
       <p:regular r:id="rId20"/>
-      <p:italic r:id="rId21"/>
-    </p:embeddedFont>
-    <p:embeddedFont>
-      <p:font typeface="Maven Pro" panose="020B0604020202020204" charset="0"/>
-      <p:regular r:id="rId22"/>
-      <p:bold r:id="rId23"/>
+      <p:bold r:id="rId21"/>
+      <p:italic r:id="rId22"/>
+      <p:boldItalic r:id="rId23"/>
     </p:embeddedFont>
     <p:embeddedFont>
       <p:font typeface="Share Tech" panose="020B0604020202020204" charset="0"/>
       <p:regular r:id="rId24"/>
     </p:embeddedFont>
     <p:embeddedFont>
-      <p:font typeface="Fira Sans Extra Condensed Medium" panose="020B0604020202020204" charset="0"/>
+      <p:font typeface="Maven Pro" panose="020B0604020202020204" charset="0"/>
       <p:regular r:id="rId25"/>
       <p:bold r:id="rId26"/>
-      <p:italic r:id="rId27"/>
-      <p:boldItalic r:id="rId28"/>
+    </p:embeddedFont>
+    <p:embeddedFont>
+      <p:font typeface="Open Sans" panose="020B0604020202020204" charset="0"/>
+      <p:regular r:id="rId27"/>
+      <p:bold r:id="rId28"/>
+      <p:italic r:id="rId29"/>
+      <p:boldItalic r:id="rId30"/>
     </p:embeddedFont>
     <p:embeddedFont>
       <p:font typeface="Advent Pro SemiBold" panose="020B0604020202020204" charset="0"/>
-      <p:regular r:id="rId29"/>
-      <p:bold r:id="rId30"/>
+      <p:regular r:id="rId31"/>
+      <p:bold r:id="rId32"/>
     </p:embeddedFont>
     <p:embeddedFont>
-      <p:font typeface="Fira Sans Condensed Medium" panose="020B0604020202020204" charset="0"/>
-      <p:regular r:id="rId31"/>
-      <p:bold r:id="rId32"/>
-      <p:italic r:id="rId33"/>
-      <p:boldItalic r:id="rId34"/>
+      <p:font typeface="Nunito Light" panose="020B0604020202020204" charset="0"/>
+      <p:regular r:id="rId33"/>
+      <p:italic r:id="rId34"/>
     </p:embeddedFont>
   </p:embeddedFontLst>
   <p:defaultTextStyle>
@@ -13358,7 +13358,7 @@
                 <a:hlinkClick r:id="rId2">
                   <a:extLst>
                     <a:ext uri="{A12FA001-AC4F-418D-AE19-62706E023703}">
-                      <ahyp:hlinkClr xmlns="" xmlns:ahyp="http://schemas.microsoft.com/office/drawing/2018/hyperlinkcolor" val="tx"/>
+                      <ahyp:hlinkClr xmlns:ahyp="http://schemas.microsoft.com/office/drawing/2018/hyperlinkcolor" xmlns="" val="tx"/>
                     </a:ext>
                   </a:extLst>
                 </a:hlinkClick>
@@ -13392,7 +13392,7 @@
                 <a:hlinkClick r:id="rId3">
                   <a:extLst>
                     <a:ext uri="{A12FA001-AC4F-418D-AE19-62706E023703}">
-                      <ahyp:hlinkClr xmlns="" xmlns:ahyp="http://schemas.microsoft.com/office/drawing/2018/hyperlinkcolor" val="tx"/>
+                      <ahyp:hlinkClr xmlns:ahyp="http://schemas.microsoft.com/office/drawing/2018/hyperlinkcolor" xmlns="" val="tx"/>
                     </a:ext>
                   </a:extLst>
                 </a:hlinkClick>
@@ -13426,7 +13426,7 @@
                 <a:hlinkClick r:id="rId4">
                   <a:extLst>
                     <a:ext uri="{A12FA001-AC4F-418D-AE19-62706E023703}">
-                      <ahyp:hlinkClr xmlns="" xmlns:ahyp="http://schemas.microsoft.com/office/drawing/2018/hyperlinkcolor" val="tx"/>
+                      <ahyp:hlinkClr xmlns:ahyp="http://schemas.microsoft.com/office/drawing/2018/hyperlinkcolor" xmlns="" val="tx"/>
                     </a:ext>
                   </a:extLst>
                 </a:hlinkClick>
@@ -19101,6 +19101,13 @@
   <p:clrMapOvr>
     <a:masterClrMapping/>
   </p:clrMapOvr>
+  <p:timing>
+    <p:tnLst>
+      <p:par>
+        <p:cTn id="1" dur="indefinite" restart="never" nodeType="tmRoot"/>
+      </p:par>
+    </p:tnLst>
+  </p:timing>
 </p:sld>
 </file>
 
@@ -19515,6 +19522,13 @@
   <p:clrMapOvr>
     <a:masterClrMapping/>
   </p:clrMapOvr>
+  <p:timing>
+    <p:tnLst>
+      <p:par>
+        <p:cTn id="1" dur="indefinite" restart="never" nodeType="tmRoot"/>
+      </p:par>
+    </p:tnLst>
+  </p:timing>
 </p:sld>
 </file>
 
@@ -19886,6 +19900,13 @@
   <p:clrMapOvr>
     <a:masterClrMapping/>
   </p:clrMapOvr>
+  <p:timing>
+    <p:tnLst>
+      <p:par>
+        <p:cTn id="1" dur="indefinite" restart="never" nodeType="tmRoot"/>
+      </p:par>
+    </p:tnLst>
+  </p:timing>
 </p:sld>
 </file>
 
@@ -20253,6 +20274,13 @@
   <p:clrMapOvr>
     <a:masterClrMapping/>
   </p:clrMapOvr>
+  <p:timing>
+    <p:tnLst>
+      <p:par>
+        <p:cTn id="1" dur="indefinite" restart="never" nodeType="tmRoot"/>
+      </p:par>
+    </p:tnLst>
+  </p:timing>
 </p:sld>
 </file>
 
@@ -20833,6 +20861,13 @@
   <p:clrMapOvr>
     <a:masterClrMapping/>
   </p:clrMapOvr>
+  <p:timing>
+    <p:tnLst>
+      <p:par>
+        <p:cTn id="1" dur="indefinite" restart="never" nodeType="tmRoot"/>
+      </p:par>
+    </p:tnLst>
+  </p:timing>
 </p:sld>
 </file>
 
@@ -23133,6 +23168,13 @@
   <p:clrMapOvr>
     <a:masterClrMapping/>
   </p:clrMapOvr>
+  <p:timing>
+    <p:tnLst>
+      <p:par>
+        <p:cTn id="1" dur="indefinite" restart="never" nodeType="tmRoot"/>
+      </p:par>
+    </p:tnLst>
+  </p:timing>
 </p:sld>
 </file>
 
@@ -26913,6 +26955,13 @@
   <p:clrMapOvr>
     <a:masterClrMapping/>
   </p:clrMapOvr>
+  <p:timing>
+    <p:tnLst>
+      <p:par>
+        <p:cTn id="1" dur="indefinite" restart="never" nodeType="tmRoot"/>
+      </p:par>
+    </p:tnLst>
+  </p:timing>
 </p:sld>
 </file>
 
@@ -27330,6 +27379,13 @@
   <p:clrMapOvr>
     <a:masterClrMapping/>
   </p:clrMapOvr>
+  <p:timing>
+    <p:tnLst>
+      <p:par>
+        <p:cTn id="1" dur="indefinite" restart="never" nodeType="tmRoot"/>
+      </p:par>
+    </p:tnLst>
+  </p:timing>
 </p:sld>
 </file>
 
@@ -32428,6 +32484,13 @@
   <p:clrMapOvr>
     <a:masterClrMapping/>
   </p:clrMapOvr>
+  <p:timing>
+    <p:tnLst>
+      <p:par>
+        <p:cTn id="1" dur="indefinite" restart="never" nodeType="tmRoot"/>
+      </p:par>
+    </p:tnLst>
+  </p:timing>
 </p:sld>
 </file>
 
@@ -34923,6 +34986,13 @@
   <p:clrMapOvr>
     <a:masterClrMapping/>
   </p:clrMapOvr>
+  <p:timing>
+    <p:tnLst>
+      <p:par>
+        <p:cTn id="1" dur="indefinite" restart="never" nodeType="tmRoot"/>
+      </p:par>
+    </p:tnLst>
+  </p:timing>
 </p:sld>
 </file>
 
@@ -41216,6 +41286,13 @@
   <p:clrMapOvr>
     <a:masterClrMapping/>
   </p:clrMapOvr>
+  <p:timing>
+    <p:tnLst>
+      <p:par>
+        <p:cTn id="1" dur="indefinite" restart="never" nodeType="tmRoot"/>
+      </p:par>
+    </p:tnLst>
+  </p:timing>
 </p:sld>
 </file>
 
@@ -41585,6 +41662,13 @@
   <p:clrMapOvr>
     <a:masterClrMapping/>
   </p:clrMapOvr>
+  <p:timing>
+    <p:tnLst>
+      <p:par>
+        <p:cTn id="1" dur="indefinite" restart="never" nodeType="tmRoot"/>
+      </p:par>
+    </p:tnLst>
+  </p:timing>
 </p:sld>
 </file>
 
@@ -42037,6 +42121,13 @@
   <p:clrMapOvr>
     <a:masterClrMapping/>
   </p:clrMapOvr>
+  <p:timing>
+    <p:tnLst>
+      <p:par>
+        <p:cTn id="1" dur="indefinite" restart="never" nodeType="tmRoot"/>
+      </p:par>
+    </p:tnLst>
+  </p:timing>
 </p:sld>
 </file>
 

--- a/SLIDE-HTQLBHDTDĐ.pptx
+++ b/SLIDE-HTQLBHDTDĐ.pptx
@@ -26,36 +26,36 @@
   <p:notesSz cx="6858000" cy="9144000"/>
   <p:embeddedFontLst>
     <p:embeddedFont>
-      <p:font typeface="Open Sans" panose="020B0604020202020204" charset="0"/>
+      <p:font typeface="Work Sans" panose="020B0604020202020204" charset="0"/>
       <p:regular r:id="rId16"/>
       <p:bold r:id="rId17"/>
       <p:italic r:id="rId18"/>
       <p:boldItalic r:id="rId19"/>
     </p:embeddedFont>
     <p:embeddedFont>
-      <p:font typeface="Share Tech" panose="020B0604020202020204" charset="0"/>
+      <p:font typeface="Work Sans Light" panose="020B0604020202020204" charset="0"/>
       <p:regular r:id="rId20"/>
+      <p:bold r:id="rId21"/>
+      <p:italic r:id="rId22"/>
+      <p:boldItalic r:id="rId23"/>
+    </p:embeddedFont>
+    <p:embeddedFont>
+      <p:font typeface="Open Sans" panose="020B0604020202020204" charset="0"/>
+      <p:regular r:id="rId24"/>
+      <p:bold r:id="rId25"/>
+      <p:italic r:id="rId26"/>
+      <p:boldItalic r:id="rId27"/>
     </p:embeddedFont>
     <p:embeddedFont>
       <p:font typeface="Work Sans Medium" panose="020B0604020202020204" charset="0"/>
-      <p:regular r:id="rId21"/>
-      <p:bold r:id="rId22"/>
-      <p:italic r:id="rId23"/>
-      <p:boldItalic r:id="rId24"/>
+      <p:regular r:id="rId28"/>
+      <p:bold r:id="rId29"/>
+      <p:italic r:id="rId30"/>
+      <p:boldItalic r:id="rId31"/>
     </p:embeddedFont>
     <p:embeddedFont>
-      <p:font typeface="Work Sans" panose="020B0604020202020204" charset="0"/>
-      <p:regular r:id="rId25"/>
-      <p:bold r:id="rId26"/>
-      <p:italic r:id="rId27"/>
-      <p:boldItalic r:id="rId28"/>
-    </p:embeddedFont>
-    <p:embeddedFont>
-      <p:font typeface="Work Sans Light" panose="020B0604020202020204" charset="0"/>
-      <p:regular r:id="rId29"/>
-      <p:bold r:id="rId30"/>
-      <p:italic r:id="rId31"/>
-      <p:boldItalic r:id="rId32"/>
+      <p:font typeface="Share Tech" panose="020B0604020202020204" charset="0"/>
+      <p:regular r:id="rId32"/>
     </p:embeddedFont>
   </p:embeddedFontLst>
   <p:defaultTextStyle>
@@ -287,6 +287,11 @@
       </a:defRPr>
     </a:lvl9pPr>
   </p:defaultTextStyle>
+  <p:extLst>
+    <p:ext uri="{EFAFB233-063F-42B5-8137-9DF3F51BA10A}">
+      <p15:sldGuideLst xmlns:p15="http://schemas.microsoft.com/office/powerpoint/2012/main"/>
+    </p:ext>
+  </p:extLst>
 </p:presentation>
 </file>
 
@@ -10170,43 +10175,26 @@
       </p:sp>
       <p:pic>
         <p:nvPicPr>
-          <p:cNvPr id="9" name="Picture 2" descr="https://lh4.googleusercontent.com/AvagLiTa4ZjxodHQ66xiu4cPowQnEOZtHtr6bPvlWLgaUdrvgIz2ETvYcqBWhcpnvA-LIKB2dwej8eB94ncV9qgOtrhtqRnivm7iEbCbs3yhucWsiGodYeczgsSuLl7OMwnqdG6d"/>
+          <p:cNvPr id="2" name="Picture 1"/>
           <p:cNvPicPr>
-            <a:picLocks noChangeAspect="1" noChangeArrowheads="1"/>
+            <a:picLocks noChangeAspect="1"/>
           </p:cNvPicPr>
           <p:nvPr/>
         </p:nvPicPr>
         <p:blipFill>
-          <a:blip r:embed="rId3">
-            <a:extLst>
-              <a:ext uri="{28A0092B-C50C-407E-A947-70E740481C1C}">
-                <a14:useLocalDpi xmlns:a14="http://schemas.microsoft.com/office/drawing/2010/main" val="0"/>
-              </a:ext>
-            </a:extLst>
-          </a:blip>
-          <a:srcRect/>
+          <a:blip r:embed="rId3"/>
           <a:stretch>
             <a:fillRect/>
           </a:stretch>
         </p:blipFill>
-        <p:spPr bwMode="auto">
+        <p:spPr>
           <a:xfrm>
-            <a:off x="708660" y="1019863"/>
-            <a:ext cx="7738110" cy="3601521"/>
+            <a:off x="1611504" y="1268997"/>
+            <a:ext cx="5589396" cy="3436009"/>
           </a:xfrm>
           <a:prstGeom prst="rect">
             <a:avLst/>
           </a:prstGeom>
-          <a:noFill/>
-          <a:extLst>
-            <a:ext uri="{909E8E84-426E-40DD-AFC4-6F175D3DCCD1}">
-              <a14:hiddenFill xmlns:a14="http://schemas.microsoft.com/office/drawing/2010/main">
-                <a:solidFill>
-                  <a:srgbClr val="FFFFFF"/>
-                </a:solidFill>
-              </a14:hiddenFill>
-            </a:ext>
-          </a:extLst>
         </p:spPr>
       </p:pic>
     </p:spTree>
@@ -10587,14 +10575,6 @@
               </a:rPr>
               <a:t>Do you have any questions?</a:t>
             </a:r>
-            <a:endParaRPr lang="en-US" dirty="0">
-              <a:solidFill>
-                <a:schemeClr val="tx1">
-                  <a:lumMod val="95000"/>
-                  <a:lumOff val="5000"/>
-                </a:schemeClr>
-              </a:solidFill>
-            </a:endParaRPr>
           </a:p>
         </p:txBody>
       </p:sp>
@@ -13314,11 +13294,6 @@
               </a:rPr>
               <a:t>KHẢO SÁT BÀI TOÁN, PHÂN TÍCH THIẾT KẾ HỆ THỐNG</a:t>
             </a:r>
-            <a:endParaRPr lang="en-US" sz="3000" dirty="0">
-              <a:latin typeface="Open Sans" panose="020B0606030504020204" pitchFamily="34" charset="0"/>
-              <a:ea typeface="Open Sans" panose="020B0606030504020204" pitchFamily="34" charset="0"/>
-              <a:cs typeface="Open Sans" panose="020B0606030504020204" pitchFamily="34" charset="0"/>
-            </a:endParaRPr>
           </a:p>
         </p:txBody>
       </p:sp>

--- a/SLIDE-HTQLBHDTDĐ.pptx
+++ b/SLIDE-HTQLBHDTDĐ.pptx
@@ -5,7 +5,7 @@
     <p:sldMasterId id="2147483658" r:id="rId1"/>
   </p:sldMasterIdLst>
   <p:notesMasterIdLst>
-    <p:notesMasterId r:id="rId15"/>
+    <p:notesMasterId r:id="rId13"/>
   </p:notesMasterIdLst>
   <p:sldIdLst>
     <p:sldId id="256" r:id="rId2"/>
@@ -15,47 +15,45 @@
     <p:sldId id="260" r:id="rId6"/>
     <p:sldId id="261" r:id="rId7"/>
     <p:sldId id="262" r:id="rId8"/>
-    <p:sldId id="263" r:id="rId9"/>
-    <p:sldId id="264" r:id="rId10"/>
-    <p:sldId id="265" r:id="rId11"/>
-    <p:sldId id="268" r:id="rId12"/>
-    <p:sldId id="279" r:id="rId13"/>
-    <p:sldId id="278" r:id="rId14"/>
+    <p:sldId id="265" r:id="rId9"/>
+    <p:sldId id="268" r:id="rId10"/>
+    <p:sldId id="279" r:id="rId11"/>
+    <p:sldId id="278" r:id="rId12"/>
   </p:sldIdLst>
   <p:sldSz cx="9144000" cy="5143500" type="screen16x9"/>
   <p:notesSz cx="6858000" cy="9144000"/>
   <p:embeddedFontLst>
     <p:embeddedFont>
       <p:font typeface="Work Sans" panose="020B0604020202020204" charset="0"/>
-      <p:regular r:id="rId16"/>
-      <p:bold r:id="rId17"/>
-      <p:italic r:id="rId18"/>
-      <p:boldItalic r:id="rId19"/>
+      <p:regular r:id="rId14"/>
+      <p:bold r:id="rId15"/>
+      <p:italic r:id="rId16"/>
+      <p:boldItalic r:id="rId17"/>
+    </p:embeddedFont>
+    <p:embeddedFont>
+      <p:font typeface="Share Tech" panose="020B0604020202020204" charset="0"/>
+      <p:regular r:id="rId18"/>
+    </p:embeddedFont>
+    <p:embeddedFont>
+      <p:font typeface="Work Sans Medium" panose="020B0604020202020204" charset="0"/>
+      <p:regular r:id="rId19"/>
+      <p:bold r:id="rId20"/>
+      <p:italic r:id="rId21"/>
+      <p:boldItalic r:id="rId22"/>
+    </p:embeddedFont>
+    <p:embeddedFont>
+      <p:font typeface="Open Sans" panose="020B0604020202020204" charset="0"/>
+      <p:regular r:id="rId23"/>
+      <p:bold r:id="rId24"/>
+      <p:italic r:id="rId25"/>
+      <p:boldItalic r:id="rId26"/>
     </p:embeddedFont>
     <p:embeddedFont>
       <p:font typeface="Work Sans Light" panose="020B0604020202020204" charset="0"/>
-      <p:regular r:id="rId20"/>
-      <p:bold r:id="rId21"/>
-      <p:italic r:id="rId22"/>
-      <p:boldItalic r:id="rId23"/>
-    </p:embeddedFont>
-    <p:embeddedFont>
-      <p:font typeface="Open Sans" panose="020B0604020202020204" charset="0"/>
-      <p:regular r:id="rId24"/>
-      <p:bold r:id="rId25"/>
-      <p:italic r:id="rId26"/>
-      <p:boldItalic r:id="rId27"/>
-    </p:embeddedFont>
-    <p:embeddedFont>
-      <p:font typeface="Work Sans Medium" panose="020B0604020202020204" charset="0"/>
-      <p:regular r:id="rId28"/>
-      <p:bold r:id="rId29"/>
-      <p:italic r:id="rId30"/>
-      <p:boldItalic r:id="rId31"/>
-    </p:embeddedFont>
-    <p:embeddedFont>
-      <p:font typeface="Share Tech" panose="020B0604020202020204" charset="0"/>
-      <p:regular r:id="rId32"/>
+      <p:regular r:id="rId27"/>
+      <p:bold r:id="rId28"/>
+      <p:italic r:id="rId29"/>
+      <p:boldItalic r:id="rId30"/>
     </p:embeddedFont>
   </p:embeddedFontLst>
   <p:defaultTextStyle>
@@ -845,214 +843,6 @@
   <p:cSld>
     <p:spTree>
       <p:nvGrpSpPr>
-        <p:cNvPr id="1" name="Shape 156"/>
-        <p:cNvGrpSpPr/>
-        <p:nvPr/>
-      </p:nvGrpSpPr>
-      <p:grpSpPr>
-        <a:xfrm>
-          <a:off x="0" y="0"/>
-          <a:ext cx="0" cy="0"/>
-          <a:chOff x="0" y="0"/>
-          <a:chExt cx="0" cy="0"/>
-        </a:xfrm>
-      </p:grpSpPr>
-      <p:sp>
-        <p:nvSpPr>
-          <p:cNvPr id="157" name="Google Shape;157;g35f391192_057:notes"/>
-          <p:cNvSpPr>
-            <a:spLocks noGrp="1" noRot="1" noChangeAspect="1"/>
-          </p:cNvSpPr>
-          <p:nvPr>
-            <p:ph type="sldImg" idx="2"/>
-          </p:nvPr>
-        </p:nvSpPr>
-        <p:spPr>
-          <a:xfrm>
-            <a:off x="381000" y="685800"/>
-            <a:ext cx="6096000" cy="3429000"/>
-          </a:xfrm>
-          <a:custGeom>
-            <a:avLst/>
-            <a:gdLst/>
-            <a:ahLst/>
-            <a:cxnLst/>
-            <a:rect l="l" t="t" r="r" b="b"/>
-            <a:pathLst>
-              <a:path w="120000" h="120000" extrusionOk="0">
-                <a:moveTo>
-                  <a:pt x="0" y="0"/>
-                </a:moveTo>
-                <a:lnTo>
-                  <a:pt x="120000" y="0"/>
-                </a:lnTo>
-                <a:lnTo>
-                  <a:pt x="120000" y="120000"/>
-                </a:lnTo>
-                <a:lnTo>
-                  <a:pt x="0" y="120000"/>
-                </a:lnTo>
-                <a:close/>
-              </a:path>
-            </a:pathLst>
-          </a:custGeom>
-        </p:spPr>
-      </p:sp>
-      <p:sp>
-        <p:nvSpPr>
-          <p:cNvPr id="158" name="Google Shape;158;g35f391192_057:notes"/>
-          <p:cNvSpPr txBox="1">
-            <a:spLocks noGrp="1"/>
-          </p:cNvSpPr>
-          <p:nvPr>
-            <p:ph type="body" idx="1"/>
-          </p:nvPr>
-        </p:nvSpPr>
-        <p:spPr>
-          <a:xfrm>
-            <a:off x="685800" y="4343400"/>
-            <a:ext cx="5486400" cy="4114800"/>
-          </a:xfrm>
-          <a:prstGeom prst="rect">
-            <a:avLst/>
-          </a:prstGeom>
-        </p:spPr>
-        <p:txBody>
-          <a:bodyPr spcFirstLastPara="1" wrap="square" lIns="91425" tIns="91425" rIns="91425" bIns="91425" anchor="t" anchorCtr="0">
-            <a:noAutofit/>
-          </a:bodyPr>
-          <a:lstStyle/>
-          <a:p>
-            <a:pPr marL="0" lvl="0" indent="0" algn="l" rtl="0">
-              <a:spcBef>
-                <a:spcPts val="0"/>
-              </a:spcBef>
-              <a:spcAft>
-                <a:spcPts val="0"/>
-              </a:spcAft>
-              <a:buNone/>
-            </a:pPr>
-            <a:endParaRPr/>
-          </a:p>
-        </p:txBody>
-      </p:sp>
-    </p:spTree>
-  </p:cSld>
-  <p:clrMapOvr>
-    <a:masterClrMapping/>
-  </p:clrMapOvr>
-</p:notes>
-</file>
-
-<file path=ppt/notesSlides/notesSlide11.xml><?xml version="1.0" encoding="utf-8"?>
-<p:notes xmlns:a="http://schemas.openxmlformats.org/drawingml/2006/main" xmlns:r="http://schemas.openxmlformats.org/officeDocument/2006/relationships" xmlns:p="http://schemas.openxmlformats.org/presentationml/2006/main" showMasterSp="0" showMasterPhAnim="0">
-  <p:cSld>
-    <p:spTree>
-      <p:nvGrpSpPr>
-        <p:cNvPr id="1" name="Shape 182"/>
-        <p:cNvGrpSpPr/>
-        <p:nvPr/>
-      </p:nvGrpSpPr>
-      <p:grpSpPr>
-        <a:xfrm>
-          <a:off x="0" y="0"/>
-          <a:ext cx="0" cy="0"/>
-          <a:chOff x="0" y="0"/>
-          <a:chExt cx="0" cy="0"/>
-        </a:xfrm>
-      </p:grpSpPr>
-      <p:sp>
-        <p:nvSpPr>
-          <p:cNvPr id="183" name="Google Shape;183;g35f391192_085:notes"/>
-          <p:cNvSpPr>
-            <a:spLocks noGrp="1" noRot="1" noChangeAspect="1"/>
-          </p:cNvSpPr>
-          <p:nvPr>
-            <p:ph type="sldImg" idx="2"/>
-          </p:nvPr>
-        </p:nvSpPr>
-        <p:spPr>
-          <a:xfrm>
-            <a:off x="381000" y="685800"/>
-            <a:ext cx="6096000" cy="3429000"/>
-          </a:xfrm>
-          <a:custGeom>
-            <a:avLst/>
-            <a:gdLst/>
-            <a:ahLst/>
-            <a:cxnLst/>
-            <a:rect l="l" t="t" r="r" b="b"/>
-            <a:pathLst>
-              <a:path w="120000" h="120000" extrusionOk="0">
-                <a:moveTo>
-                  <a:pt x="0" y="0"/>
-                </a:moveTo>
-                <a:lnTo>
-                  <a:pt x="120000" y="0"/>
-                </a:lnTo>
-                <a:lnTo>
-                  <a:pt x="120000" y="120000"/>
-                </a:lnTo>
-                <a:lnTo>
-                  <a:pt x="0" y="120000"/>
-                </a:lnTo>
-                <a:close/>
-              </a:path>
-            </a:pathLst>
-          </a:custGeom>
-        </p:spPr>
-      </p:sp>
-      <p:sp>
-        <p:nvSpPr>
-          <p:cNvPr id="184" name="Google Shape;184;g35f391192_085:notes"/>
-          <p:cNvSpPr txBox="1">
-            <a:spLocks noGrp="1"/>
-          </p:cNvSpPr>
-          <p:nvPr>
-            <p:ph type="body" idx="1"/>
-          </p:nvPr>
-        </p:nvSpPr>
-        <p:spPr>
-          <a:xfrm>
-            <a:off x="685800" y="4343400"/>
-            <a:ext cx="5486400" cy="4114800"/>
-          </a:xfrm>
-          <a:prstGeom prst="rect">
-            <a:avLst/>
-          </a:prstGeom>
-        </p:spPr>
-        <p:txBody>
-          <a:bodyPr spcFirstLastPara="1" wrap="square" lIns="91425" tIns="91425" rIns="91425" bIns="91425" anchor="t" anchorCtr="0">
-            <a:noAutofit/>
-          </a:bodyPr>
-          <a:lstStyle/>
-          <a:p>
-            <a:pPr marL="0" lvl="0" indent="0" algn="l" rtl="0">
-              <a:spcBef>
-                <a:spcPts val="0"/>
-              </a:spcBef>
-              <a:spcAft>
-                <a:spcPts val="0"/>
-              </a:spcAft>
-              <a:buNone/>
-            </a:pPr>
-            <a:endParaRPr/>
-          </a:p>
-        </p:txBody>
-      </p:sp>
-    </p:spTree>
-  </p:cSld>
-  <p:clrMapOvr>
-    <a:masterClrMapping/>
-  </p:clrMapOvr>
-</p:notes>
-</file>
-
-<file path=ppt/notesSlides/notesSlide12.xml><?xml version="1.0" encoding="utf-8"?>
-<p:notes xmlns:a="http://schemas.openxmlformats.org/drawingml/2006/main" xmlns:r="http://schemas.openxmlformats.org/officeDocument/2006/relationships" xmlns:p="http://schemas.openxmlformats.org/presentationml/2006/main" showMasterSp="0" showMasterPhAnim="0">
-  <p:cSld>
-    <p:spTree>
-      <p:nvGrpSpPr>
         <p:cNvPr id="1" name="Shape 343"/>
         <p:cNvGrpSpPr/>
         <p:nvPr/>
@@ -1152,7 +942,7 @@
 </p:notes>
 </file>
 
-<file path=ppt/notesSlides/notesSlide13.xml><?xml version="1.0" encoding="utf-8"?>
+<file path=ppt/notesSlides/notesSlide11.xml><?xml version="1.0" encoding="utf-8"?>
 <p:notes xmlns:a="http://schemas.openxmlformats.org/drawingml/2006/main" xmlns:r="http://schemas.openxmlformats.org/officeDocument/2006/relationships" xmlns:p="http://schemas.openxmlformats.org/presentationml/2006/main" showMasterSp="0" showMasterPhAnim="0">
   <p:cSld>
     <p:spTree>
@@ -1885,7 +1675,7 @@
   <p:cSld>
     <p:spTree>
       <p:nvGrpSpPr>
-        <p:cNvPr id="1" name="Shape 131"/>
+        <p:cNvPr id="1" name="Shape 156"/>
         <p:cNvGrpSpPr/>
         <p:nvPr/>
       </p:nvGrpSpPr>
@@ -1899,7 +1689,7 @@
       </p:grpSpPr>
       <p:sp>
         <p:nvSpPr>
-          <p:cNvPr id="132" name="Google Shape;132;g35f391192_017:notes"/>
+          <p:cNvPr id="157" name="Google Shape;157;g35f391192_057:notes"/>
           <p:cNvSpPr>
             <a:spLocks noGrp="1" noRot="1" noChangeAspect="1"/>
           </p:cNvSpPr>
@@ -1940,7 +1730,7 @@
       </p:sp>
       <p:sp>
         <p:nvSpPr>
-          <p:cNvPr id="133" name="Google Shape;133;g35f391192_017:notes"/>
+          <p:cNvPr id="158" name="Google Shape;158;g35f391192_057:notes"/>
           <p:cNvSpPr txBox="1">
             <a:spLocks noGrp="1"/>
           </p:cNvSpPr>
@@ -1989,7 +1779,7 @@
   <p:cSld>
     <p:spTree>
       <p:nvGrpSpPr>
-        <p:cNvPr id="1" name="Shape 143"/>
+        <p:cNvPr id="1" name="Shape 182"/>
         <p:cNvGrpSpPr/>
         <p:nvPr/>
       </p:nvGrpSpPr>
@@ -2003,7 +1793,7 @@
       </p:grpSpPr>
       <p:sp>
         <p:nvSpPr>
-          <p:cNvPr id="144" name="Google Shape;144;g35f391192_045:notes"/>
+          <p:cNvPr id="183" name="Google Shape;183;g35f391192_085:notes"/>
           <p:cNvSpPr>
             <a:spLocks noGrp="1" noRot="1" noChangeAspect="1"/>
           </p:cNvSpPr>
@@ -2044,7 +1834,7 @@
       </p:sp>
       <p:sp>
         <p:nvSpPr>
-          <p:cNvPr id="145" name="Google Shape;145;g35f391192_045:notes"/>
+          <p:cNvPr id="184" name="Google Shape;184;g35f391192_085:notes"/>
           <p:cNvSpPr txBox="1">
             <a:spLocks noGrp="1"/>
           </p:cNvSpPr>
@@ -3991,668 +3781,6 @@
 </file>
 
 <file path=ppt/slideLayouts/slideLayout6.xml><?xml version="1.0" encoding="utf-8"?>
-<p:sldLayout xmlns:a="http://schemas.openxmlformats.org/drawingml/2006/main" xmlns:r="http://schemas.openxmlformats.org/officeDocument/2006/relationships" xmlns:p="http://schemas.openxmlformats.org/presentationml/2006/main" matchingName="Title + 3 columns">
-  <p:cSld name="TITLE_AND_TWO_COLUMNS_1">
-    <p:spTree>
-      <p:nvGrpSpPr>
-        <p:cNvPr id="1" name="Shape 33"/>
-        <p:cNvGrpSpPr/>
-        <p:nvPr/>
-      </p:nvGrpSpPr>
-      <p:grpSpPr>
-        <a:xfrm>
-          <a:off x="0" y="0"/>
-          <a:ext cx="0" cy="0"/>
-          <a:chOff x="0" y="0"/>
-          <a:chExt cx="0" cy="0"/>
-        </a:xfrm>
-      </p:grpSpPr>
-      <p:sp>
-        <p:nvSpPr>
-          <p:cNvPr id="34" name="Google Shape;34;p7"/>
-          <p:cNvSpPr/>
-          <p:nvPr/>
-        </p:nvSpPr>
-        <p:spPr>
-          <a:xfrm>
-            <a:off x="198600" y="198600"/>
-            <a:ext cx="8746800" cy="4760700"/>
-          </a:xfrm>
-          <a:prstGeom prst="frame">
-            <a:avLst>
-              <a:gd name="adj1" fmla="val 4126"/>
-            </a:avLst>
-          </a:prstGeom>
-          <a:solidFill>
-            <a:srgbClr val="000000"/>
-          </a:solidFill>
-          <a:ln>
-            <a:noFill/>
-          </a:ln>
-        </p:spPr>
-        <p:txBody>
-          <a:bodyPr spcFirstLastPara="1" wrap="square" lIns="91425" tIns="91425" rIns="91425" bIns="91425" anchor="ctr" anchorCtr="0">
-            <a:noAutofit/>
-          </a:bodyPr>
-          <a:lstStyle/>
-          <a:p>
-            <a:pPr marL="0" lvl="0" indent="0" algn="l" rtl="0">
-              <a:spcBef>
-                <a:spcPts val="0"/>
-              </a:spcBef>
-              <a:spcAft>
-                <a:spcPts val="0"/>
-              </a:spcAft>
-              <a:buNone/>
-            </a:pPr>
-            <a:endParaRPr/>
-          </a:p>
-        </p:txBody>
-      </p:sp>
-      <p:sp>
-        <p:nvSpPr>
-          <p:cNvPr id="35" name="Google Shape;35;p7"/>
-          <p:cNvSpPr txBox="1">
-            <a:spLocks noGrp="1"/>
-          </p:cNvSpPr>
-          <p:nvPr>
-            <p:ph type="title"/>
-          </p:nvPr>
-        </p:nvSpPr>
-        <p:spPr>
-          <a:xfrm>
-            <a:off x="869150" y="847600"/>
-            <a:ext cx="5092200" cy="1360200"/>
-          </a:xfrm>
-          <a:prstGeom prst="rect">
-            <a:avLst/>
-          </a:prstGeom>
-        </p:spPr>
-        <p:txBody>
-          <a:bodyPr spcFirstLastPara="1" wrap="square" lIns="91425" tIns="91425" rIns="91425" bIns="91425" anchor="b" anchorCtr="0">
-            <a:noAutofit/>
-          </a:bodyPr>
-          <a:lstStyle>
-            <a:lvl1pPr lvl="0" rtl="0">
-              <a:spcBef>
-                <a:spcPts val="0"/>
-              </a:spcBef>
-              <a:spcAft>
-                <a:spcPts val="0"/>
-              </a:spcAft>
-              <a:buSzPts val="4000"/>
-              <a:buNone/>
-              <a:defRPr/>
-            </a:lvl1pPr>
-            <a:lvl2pPr lvl="1" rtl="0">
-              <a:spcBef>
-                <a:spcPts val="0"/>
-              </a:spcBef>
-              <a:spcAft>
-                <a:spcPts val="0"/>
-              </a:spcAft>
-              <a:buSzPts val="4000"/>
-              <a:buNone/>
-              <a:defRPr/>
-            </a:lvl2pPr>
-            <a:lvl3pPr lvl="2" rtl="0">
-              <a:spcBef>
-                <a:spcPts val="0"/>
-              </a:spcBef>
-              <a:spcAft>
-                <a:spcPts val="0"/>
-              </a:spcAft>
-              <a:buSzPts val="4000"/>
-              <a:buNone/>
-              <a:defRPr/>
-            </a:lvl3pPr>
-            <a:lvl4pPr lvl="3" rtl="0">
-              <a:spcBef>
-                <a:spcPts val="0"/>
-              </a:spcBef>
-              <a:spcAft>
-                <a:spcPts val="0"/>
-              </a:spcAft>
-              <a:buSzPts val="4000"/>
-              <a:buNone/>
-              <a:defRPr/>
-            </a:lvl4pPr>
-            <a:lvl5pPr lvl="4" rtl="0">
-              <a:spcBef>
-                <a:spcPts val="0"/>
-              </a:spcBef>
-              <a:spcAft>
-                <a:spcPts val="0"/>
-              </a:spcAft>
-              <a:buSzPts val="4000"/>
-              <a:buNone/>
-              <a:defRPr/>
-            </a:lvl5pPr>
-            <a:lvl6pPr lvl="5" rtl="0">
-              <a:spcBef>
-                <a:spcPts val="0"/>
-              </a:spcBef>
-              <a:spcAft>
-                <a:spcPts val="0"/>
-              </a:spcAft>
-              <a:buSzPts val="4000"/>
-              <a:buNone/>
-              <a:defRPr/>
-            </a:lvl6pPr>
-            <a:lvl7pPr lvl="6" rtl="0">
-              <a:spcBef>
-                <a:spcPts val="0"/>
-              </a:spcBef>
-              <a:spcAft>
-                <a:spcPts val="0"/>
-              </a:spcAft>
-              <a:buSzPts val="4000"/>
-              <a:buNone/>
-              <a:defRPr/>
-            </a:lvl7pPr>
-            <a:lvl8pPr lvl="7" rtl="0">
-              <a:spcBef>
-                <a:spcPts val="0"/>
-              </a:spcBef>
-              <a:spcAft>
-                <a:spcPts val="0"/>
-              </a:spcAft>
-              <a:buSzPts val="4000"/>
-              <a:buNone/>
-              <a:defRPr/>
-            </a:lvl8pPr>
-            <a:lvl9pPr lvl="8" rtl="0">
-              <a:spcBef>
-                <a:spcPts val="0"/>
-              </a:spcBef>
-              <a:spcAft>
-                <a:spcPts val="0"/>
-              </a:spcAft>
-              <a:buSzPts val="4000"/>
-              <a:buNone/>
-              <a:defRPr/>
-            </a:lvl9pPr>
-          </a:lstStyle>
-          <a:p>
-            <a:endParaRPr/>
-          </a:p>
-        </p:txBody>
-      </p:sp>
-      <p:sp>
-        <p:nvSpPr>
-          <p:cNvPr id="36" name="Google Shape;36;p7"/>
-          <p:cNvSpPr txBox="1">
-            <a:spLocks noGrp="1"/>
-          </p:cNvSpPr>
-          <p:nvPr>
-            <p:ph type="body" idx="1"/>
-          </p:nvPr>
-        </p:nvSpPr>
-        <p:spPr>
-          <a:xfrm>
-            <a:off x="869150" y="2312925"/>
-            <a:ext cx="2366400" cy="2040000"/>
-          </a:xfrm>
-          <a:prstGeom prst="rect">
-            <a:avLst/>
-          </a:prstGeom>
-        </p:spPr>
-        <p:txBody>
-          <a:bodyPr spcFirstLastPara="1" wrap="square" lIns="91425" tIns="91425" rIns="91425" bIns="91425" anchor="t" anchorCtr="0">
-            <a:noAutofit/>
-          </a:bodyPr>
-          <a:lstStyle>
-            <a:lvl1pPr marL="457200" lvl="0" indent="-317500" rtl="0">
-              <a:spcBef>
-                <a:spcPts val="600"/>
-              </a:spcBef>
-              <a:spcAft>
-                <a:spcPts val="0"/>
-              </a:spcAft>
-              <a:buSzPts val="1400"/>
-              <a:buChar char="▪"/>
-              <a:defRPr sz="1400"/>
-            </a:lvl1pPr>
-            <a:lvl2pPr marL="914400" lvl="1" indent="-317500" rtl="0">
-              <a:spcBef>
-                <a:spcPts val="0"/>
-              </a:spcBef>
-              <a:spcAft>
-                <a:spcPts val="0"/>
-              </a:spcAft>
-              <a:buSzPts val="1400"/>
-              <a:buChar char="□"/>
-              <a:defRPr sz="1400"/>
-            </a:lvl2pPr>
-            <a:lvl3pPr marL="1371600" lvl="2" indent="-317500" rtl="0">
-              <a:spcBef>
-                <a:spcPts val="0"/>
-              </a:spcBef>
-              <a:spcAft>
-                <a:spcPts val="0"/>
-              </a:spcAft>
-              <a:buSzPts val="1400"/>
-              <a:buChar char="□"/>
-              <a:defRPr sz="1400"/>
-            </a:lvl3pPr>
-            <a:lvl4pPr marL="1828800" lvl="3" indent="-317500" rtl="0">
-              <a:spcBef>
-                <a:spcPts val="0"/>
-              </a:spcBef>
-              <a:spcAft>
-                <a:spcPts val="0"/>
-              </a:spcAft>
-              <a:buSzPts val="1400"/>
-              <a:buChar char="□"/>
-              <a:defRPr sz="1400"/>
-            </a:lvl4pPr>
-            <a:lvl5pPr marL="2286000" lvl="4" indent="-317500" rtl="0">
-              <a:spcBef>
-                <a:spcPts val="0"/>
-              </a:spcBef>
-              <a:spcAft>
-                <a:spcPts val="0"/>
-              </a:spcAft>
-              <a:buSzPts val="1400"/>
-              <a:buChar char="○"/>
-              <a:defRPr sz="1400"/>
-            </a:lvl5pPr>
-            <a:lvl6pPr marL="2743200" lvl="5" indent="-317500" rtl="0">
-              <a:spcBef>
-                <a:spcPts val="0"/>
-              </a:spcBef>
-              <a:spcAft>
-                <a:spcPts val="0"/>
-              </a:spcAft>
-              <a:buSzPts val="1400"/>
-              <a:buChar char="■"/>
-              <a:defRPr sz="1400"/>
-            </a:lvl6pPr>
-            <a:lvl7pPr marL="3200400" lvl="6" indent="-317500" rtl="0">
-              <a:spcBef>
-                <a:spcPts val="0"/>
-              </a:spcBef>
-              <a:spcAft>
-                <a:spcPts val="0"/>
-              </a:spcAft>
-              <a:buSzPts val="1400"/>
-              <a:buChar char="●"/>
-              <a:defRPr sz="1400"/>
-            </a:lvl7pPr>
-            <a:lvl8pPr marL="3657600" lvl="7" indent="-317500" rtl="0">
-              <a:spcBef>
-                <a:spcPts val="0"/>
-              </a:spcBef>
-              <a:spcAft>
-                <a:spcPts val="0"/>
-              </a:spcAft>
-              <a:buSzPts val="1400"/>
-              <a:buChar char="○"/>
-              <a:defRPr sz="1400"/>
-            </a:lvl8pPr>
-            <a:lvl9pPr marL="4114800" lvl="8" indent="-317500" rtl="0">
-              <a:spcBef>
-                <a:spcPts val="0"/>
-              </a:spcBef>
-              <a:spcAft>
-                <a:spcPts val="0"/>
-              </a:spcAft>
-              <a:buSzPts val="1400"/>
-              <a:buChar char="■"/>
-              <a:defRPr sz="1400"/>
-            </a:lvl9pPr>
-          </a:lstStyle>
-          <a:p>
-            <a:endParaRPr/>
-          </a:p>
-        </p:txBody>
-      </p:sp>
-      <p:sp>
-        <p:nvSpPr>
-          <p:cNvPr id="37" name="Google Shape;37;p7"/>
-          <p:cNvSpPr txBox="1">
-            <a:spLocks noGrp="1"/>
-          </p:cNvSpPr>
-          <p:nvPr>
-            <p:ph type="body" idx="2"/>
-          </p:nvPr>
-        </p:nvSpPr>
-        <p:spPr>
-          <a:xfrm>
-            <a:off x="3356739" y="2312925"/>
-            <a:ext cx="2366400" cy="2040000"/>
-          </a:xfrm>
-          <a:prstGeom prst="rect">
-            <a:avLst/>
-          </a:prstGeom>
-        </p:spPr>
-        <p:txBody>
-          <a:bodyPr spcFirstLastPara="1" wrap="square" lIns="91425" tIns="91425" rIns="91425" bIns="91425" anchor="t" anchorCtr="0">
-            <a:noAutofit/>
-          </a:bodyPr>
-          <a:lstStyle>
-            <a:lvl1pPr marL="457200" lvl="0" indent="-317500" rtl="0">
-              <a:spcBef>
-                <a:spcPts val="600"/>
-              </a:spcBef>
-              <a:spcAft>
-                <a:spcPts val="0"/>
-              </a:spcAft>
-              <a:buSzPts val="1400"/>
-              <a:buChar char="▪"/>
-              <a:defRPr sz="1400"/>
-            </a:lvl1pPr>
-            <a:lvl2pPr marL="914400" lvl="1" indent="-317500" rtl="0">
-              <a:spcBef>
-                <a:spcPts val="0"/>
-              </a:spcBef>
-              <a:spcAft>
-                <a:spcPts val="0"/>
-              </a:spcAft>
-              <a:buSzPts val="1400"/>
-              <a:buChar char="□"/>
-              <a:defRPr sz="1400"/>
-            </a:lvl2pPr>
-            <a:lvl3pPr marL="1371600" lvl="2" indent="-317500" rtl="0">
-              <a:spcBef>
-                <a:spcPts val="0"/>
-              </a:spcBef>
-              <a:spcAft>
-                <a:spcPts val="0"/>
-              </a:spcAft>
-              <a:buSzPts val="1400"/>
-              <a:buChar char="□"/>
-              <a:defRPr sz="1400"/>
-            </a:lvl3pPr>
-            <a:lvl4pPr marL="1828800" lvl="3" indent="-317500" rtl="0">
-              <a:spcBef>
-                <a:spcPts val="0"/>
-              </a:spcBef>
-              <a:spcAft>
-                <a:spcPts val="0"/>
-              </a:spcAft>
-              <a:buSzPts val="1400"/>
-              <a:buChar char="□"/>
-              <a:defRPr sz="1400"/>
-            </a:lvl4pPr>
-            <a:lvl5pPr marL="2286000" lvl="4" indent="-317500" rtl="0">
-              <a:spcBef>
-                <a:spcPts val="0"/>
-              </a:spcBef>
-              <a:spcAft>
-                <a:spcPts val="0"/>
-              </a:spcAft>
-              <a:buSzPts val="1400"/>
-              <a:buChar char="○"/>
-              <a:defRPr sz="1400"/>
-            </a:lvl5pPr>
-            <a:lvl6pPr marL="2743200" lvl="5" indent="-317500" rtl="0">
-              <a:spcBef>
-                <a:spcPts val="0"/>
-              </a:spcBef>
-              <a:spcAft>
-                <a:spcPts val="0"/>
-              </a:spcAft>
-              <a:buSzPts val="1400"/>
-              <a:buChar char="■"/>
-              <a:defRPr sz="1400"/>
-            </a:lvl6pPr>
-            <a:lvl7pPr marL="3200400" lvl="6" indent="-317500" rtl="0">
-              <a:spcBef>
-                <a:spcPts val="0"/>
-              </a:spcBef>
-              <a:spcAft>
-                <a:spcPts val="0"/>
-              </a:spcAft>
-              <a:buSzPts val="1400"/>
-              <a:buChar char="●"/>
-              <a:defRPr sz="1400"/>
-            </a:lvl7pPr>
-            <a:lvl8pPr marL="3657600" lvl="7" indent="-317500" rtl="0">
-              <a:spcBef>
-                <a:spcPts val="0"/>
-              </a:spcBef>
-              <a:spcAft>
-                <a:spcPts val="0"/>
-              </a:spcAft>
-              <a:buSzPts val="1400"/>
-              <a:buChar char="○"/>
-              <a:defRPr sz="1400"/>
-            </a:lvl8pPr>
-            <a:lvl9pPr marL="4114800" lvl="8" indent="-317500" rtl="0">
-              <a:spcBef>
-                <a:spcPts val="0"/>
-              </a:spcBef>
-              <a:spcAft>
-                <a:spcPts val="0"/>
-              </a:spcAft>
-              <a:buSzPts val="1400"/>
-              <a:buChar char="■"/>
-              <a:defRPr sz="1400"/>
-            </a:lvl9pPr>
-          </a:lstStyle>
-          <a:p>
-            <a:endParaRPr/>
-          </a:p>
-        </p:txBody>
-      </p:sp>
-      <p:sp>
-        <p:nvSpPr>
-          <p:cNvPr id="38" name="Google Shape;38;p7"/>
-          <p:cNvSpPr txBox="1">
-            <a:spLocks noGrp="1"/>
-          </p:cNvSpPr>
-          <p:nvPr>
-            <p:ph type="body" idx="3"/>
-          </p:nvPr>
-        </p:nvSpPr>
-        <p:spPr>
-          <a:xfrm>
-            <a:off x="5844329" y="2312925"/>
-            <a:ext cx="2366400" cy="2040000"/>
-          </a:xfrm>
-          <a:prstGeom prst="rect">
-            <a:avLst/>
-          </a:prstGeom>
-        </p:spPr>
-        <p:txBody>
-          <a:bodyPr spcFirstLastPara="1" wrap="square" lIns="91425" tIns="91425" rIns="91425" bIns="91425" anchor="t" anchorCtr="0">
-            <a:noAutofit/>
-          </a:bodyPr>
-          <a:lstStyle>
-            <a:lvl1pPr marL="457200" lvl="0" indent="-317500" rtl="0">
-              <a:spcBef>
-                <a:spcPts val="600"/>
-              </a:spcBef>
-              <a:spcAft>
-                <a:spcPts val="0"/>
-              </a:spcAft>
-              <a:buSzPts val="1400"/>
-              <a:buChar char="▪"/>
-              <a:defRPr sz="1400"/>
-            </a:lvl1pPr>
-            <a:lvl2pPr marL="914400" lvl="1" indent="-317500" rtl="0">
-              <a:spcBef>
-                <a:spcPts val="0"/>
-              </a:spcBef>
-              <a:spcAft>
-                <a:spcPts val="0"/>
-              </a:spcAft>
-              <a:buSzPts val="1400"/>
-              <a:buChar char="□"/>
-              <a:defRPr sz="1400"/>
-            </a:lvl2pPr>
-            <a:lvl3pPr marL="1371600" lvl="2" indent="-317500" rtl="0">
-              <a:spcBef>
-                <a:spcPts val="0"/>
-              </a:spcBef>
-              <a:spcAft>
-                <a:spcPts val="0"/>
-              </a:spcAft>
-              <a:buSzPts val="1400"/>
-              <a:buChar char="□"/>
-              <a:defRPr sz="1400"/>
-            </a:lvl3pPr>
-            <a:lvl4pPr marL="1828800" lvl="3" indent="-317500" rtl="0">
-              <a:spcBef>
-                <a:spcPts val="0"/>
-              </a:spcBef>
-              <a:spcAft>
-                <a:spcPts val="0"/>
-              </a:spcAft>
-              <a:buSzPts val="1400"/>
-              <a:buChar char="□"/>
-              <a:defRPr sz="1400"/>
-            </a:lvl4pPr>
-            <a:lvl5pPr marL="2286000" lvl="4" indent="-317500" rtl="0">
-              <a:spcBef>
-                <a:spcPts val="0"/>
-              </a:spcBef>
-              <a:spcAft>
-                <a:spcPts val="0"/>
-              </a:spcAft>
-              <a:buSzPts val="1400"/>
-              <a:buChar char="○"/>
-              <a:defRPr sz="1400"/>
-            </a:lvl5pPr>
-            <a:lvl6pPr marL="2743200" lvl="5" indent="-317500" rtl="0">
-              <a:spcBef>
-                <a:spcPts val="0"/>
-              </a:spcBef>
-              <a:spcAft>
-                <a:spcPts val="0"/>
-              </a:spcAft>
-              <a:buSzPts val="1400"/>
-              <a:buChar char="■"/>
-              <a:defRPr sz="1400"/>
-            </a:lvl6pPr>
-            <a:lvl7pPr marL="3200400" lvl="6" indent="-317500" rtl="0">
-              <a:spcBef>
-                <a:spcPts val="0"/>
-              </a:spcBef>
-              <a:spcAft>
-                <a:spcPts val="0"/>
-              </a:spcAft>
-              <a:buSzPts val="1400"/>
-              <a:buChar char="●"/>
-              <a:defRPr sz="1400"/>
-            </a:lvl7pPr>
-            <a:lvl8pPr marL="3657600" lvl="7" indent="-317500" rtl="0">
-              <a:spcBef>
-                <a:spcPts val="0"/>
-              </a:spcBef>
-              <a:spcAft>
-                <a:spcPts val="0"/>
-              </a:spcAft>
-              <a:buSzPts val="1400"/>
-              <a:buChar char="○"/>
-              <a:defRPr sz="1400"/>
-            </a:lvl8pPr>
-            <a:lvl9pPr marL="4114800" lvl="8" indent="-317500" rtl="0">
-              <a:spcBef>
-                <a:spcPts val="0"/>
-              </a:spcBef>
-              <a:spcAft>
-                <a:spcPts val="0"/>
-              </a:spcAft>
-              <a:buSzPts val="1400"/>
-              <a:buChar char="■"/>
-              <a:defRPr sz="1400"/>
-            </a:lvl9pPr>
-          </a:lstStyle>
-          <a:p>
-            <a:endParaRPr/>
-          </a:p>
-        </p:txBody>
-      </p:sp>
-      <p:sp>
-        <p:nvSpPr>
-          <p:cNvPr id="39" name="Google Shape;39;p7"/>
-          <p:cNvSpPr txBox="1">
-            <a:spLocks noGrp="1"/>
-          </p:cNvSpPr>
-          <p:nvPr>
-            <p:ph type="sldNum" idx="12"/>
-          </p:nvPr>
-        </p:nvSpPr>
-        <p:spPr>
-          <a:xfrm>
-            <a:off x="8159499" y="4393278"/>
-            <a:ext cx="548700" cy="393600"/>
-          </a:xfrm>
-          <a:prstGeom prst="rect">
-            <a:avLst/>
-          </a:prstGeom>
-        </p:spPr>
-        <p:txBody>
-          <a:bodyPr spcFirstLastPara="1" wrap="square" lIns="91425" tIns="91425" rIns="91425" bIns="91425" anchor="ctr" anchorCtr="0">
-            <a:noAutofit/>
-          </a:bodyPr>
-          <a:lstStyle>
-            <a:lvl1pPr lvl="0">
-              <a:buNone/>
-              <a:defRPr/>
-            </a:lvl1pPr>
-            <a:lvl2pPr lvl="1">
-              <a:buNone/>
-              <a:defRPr/>
-            </a:lvl2pPr>
-            <a:lvl3pPr lvl="2">
-              <a:buNone/>
-              <a:defRPr/>
-            </a:lvl3pPr>
-            <a:lvl4pPr lvl="3">
-              <a:buNone/>
-              <a:defRPr/>
-            </a:lvl4pPr>
-            <a:lvl5pPr lvl="4">
-              <a:buNone/>
-              <a:defRPr/>
-            </a:lvl5pPr>
-            <a:lvl6pPr lvl="5">
-              <a:buNone/>
-              <a:defRPr/>
-            </a:lvl6pPr>
-            <a:lvl7pPr lvl="6">
-              <a:buNone/>
-              <a:defRPr/>
-            </a:lvl7pPr>
-            <a:lvl8pPr lvl="7">
-              <a:buNone/>
-              <a:defRPr/>
-            </a:lvl8pPr>
-            <a:lvl9pPr lvl="8">
-              <a:buNone/>
-              <a:defRPr/>
-            </a:lvl9pPr>
-          </a:lstStyle>
-          <a:p>
-            <a:pPr marL="0" lvl="0" indent="0" algn="r" rtl="0">
-              <a:spcBef>
-                <a:spcPts val="0"/>
-              </a:spcBef>
-              <a:spcAft>
-                <a:spcPts val="0"/>
-              </a:spcAft>
-              <a:buNone/>
-            </a:pPr>
-            <a:fld id="{00000000-1234-1234-1234-123412341234}" type="slidenum">
-              <a:rPr lang="en"/>
-              <a:t>‹#›</a:t>
-            </a:fld>
-            <a:endParaRPr/>
-          </a:p>
-        </p:txBody>
-      </p:sp>
-    </p:spTree>
-  </p:cSld>
-  <p:clrMapOvr>
-    <a:masterClrMapping/>
-  </p:clrMapOvr>
-</p:sldLayout>
-</file>
-
-<file path=ppt/slideLayouts/slideLayout7.xml><?xml version="1.0" encoding="utf-8"?>
 <p:sldLayout xmlns:a="http://schemas.openxmlformats.org/drawingml/2006/main" xmlns:r="http://schemas.openxmlformats.org/officeDocument/2006/relationships" xmlns:p="http://schemas.openxmlformats.org/presentationml/2006/main" matchingName="Title only" type="titleOnly">
   <p:cSld name="TITLE_ONLY">
     <p:spTree>
@@ -4927,7 +4055,7 @@
 </p:sldLayout>
 </file>
 
-<file path=ppt/slideLayouts/slideLayout8.xml><?xml version="1.0" encoding="utf-8"?>
+<file path=ppt/slideLayouts/slideLayout7.xml><?xml version="1.0" encoding="utf-8"?>
 <p:sldLayout xmlns:a="http://schemas.openxmlformats.org/drawingml/2006/main" xmlns:r="http://schemas.openxmlformats.org/officeDocument/2006/relationships" xmlns:p="http://schemas.openxmlformats.org/presentationml/2006/main" matchingName="Blank" type="blank">
   <p:cSld name="BLANK">
     <p:spTree>
@@ -5073,7 +4201,7 @@
 </p:sldLayout>
 </file>
 
-<file path=ppt/slideLayouts/slideLayout9.xml><?xml version="1.0" encoding="utf-8"?>
+<file path=ppt/slideLayouts/slideLayout8.xml><?xml version="1.0" encoding="utf-8"?>
 <p:sldLayout xmlns:a="http://schemas.openxmlformats.org/drawingml/2006/main" xmlns:r="http://schemas.openxmlformats.org/officeDocument/2006/relationships" xmlns:p="http://schemas.openxmlformats.org/presentationml/2006/main" matchingName="Blank reverse">
   <p:cSld name="BLANK_1">
     <p:bg>
@@ -5934,10 +5062,9 @@
     <p:sldLayoutId id="2147483650" r:id="rId3"/>
     <p:sldLayoutId id="2147483651" r:id="rId4"/>
     <p:sldLayoutId id="2147483652" r:id="rId5"/>
-    <p:sldLayoutId id="2147483653" r:id="rId6"/>
-    <p:sldLayoutId id="2147483654" r:id="rId7"/>
-    <p:sldLayoutId id="2147483656" r:id="rId8"/>
-    <p:sldLayoutId id="2147483657" r:id="rId9"/>
+    <p:sldLayoutId id="2147483654" r:id="rId6"/>
+    <p:sldLayoutId id="2147483656" r:id="rId7"/>
+    <p:sldLayoutId id="2147483657" r:id="rId8"/>
   </p:sldLayoutIdLst>
   <p:transition>
     <p:fade thruBlk="1"/>
@@ -8265,1947 +7392,17 @@
   <p:clrMapOvr>
     <a:masterClrMapping/>
   </p:clrMapOvr>
+  <p:timing>
+    <p:tnLst>
+      <p:par>
+        <p:cTn id="1" dur="indefinite" restart="never" nodeType="tmRoot"/>
+      </p:par>
+    </p:tnLst>
+  </p:timing>
 </p:sld>
 </file>
 
 <file path=ppt/slides/slide10.xml><?xml version="1.0" encoding="utf-8"?>
-<p:sld xmlns:a="http://schemas.openxmlformats.org/drawingml/2006/main" xmlns:r="http://schemas.openxmlformats.org/officeDocument/2006/relationships" xmlns:p="http://schemas.openxmlformats.org/presentationml/2006/main">
-  <p:cSld>
-    <p:spTree>
-      <p:nvGrpSpPr>
-        <p:cNvPr id="1" name="Shape 159"/>
-        <p:cNvGrpSpPr/>
-        <p:nvPr/>
-      </p:nvGrpSpPr>
-      <p:grpSpPr>
-        <a:xfrm>
-          <a:off x="0" y="0"/>
-          <a:ext cx="0" cy="0"/>
-          <a:chOff x="0" y="0"/>
-          <a:chExt cx="0" cy="0"/>
-        </a:xfrm>
-      </p:grpSpPr>
-      <p:pic>
-        <p:nvPicPr>
-          <p:cNvPr id="160" name="Google Shape;160;p21"/>
-          <p:cNvPicPr preferRelativeResize="0"/>
-          <p:nvPr/>
-        </p:nvPicPr>
-        <p:blipFill>
-          <a:blip r:embed="rId3">
-            <a:alphaModFix/>
-          </a:blip>
-          <a:stretch>
-            <a:fillRect/>
-          </a:stretch>
-        </p:blipFill>
-        <p:spPr>
-          <a:xfrm>
-            <a:off x="4380075" y="393446"/>
-            <a:ext cx="4368876" cy="4368876"/>
-          </a:xfrm>
-          <a:prstGeom prst="rect">
-            <a:avLst/>
-          </a:prstGeom>
-          <a:noFill/>
-          <a:ln>
-            <a:noFill/>
-          </a:ln>
-        </p:spPr>
-      </p:pic>
-      <p:sp>
-        <p:nvSpPr>
-          <p:cNvPr id="161" name="Google Shape;161;p21"/>
-          <p:cNvSpPr txBox="1">
-            <a:spLocks noGrp="1"/>
-          </p:cNvSpPr>
-          <p:nvPr>
-            <p:ph type="title"/>
-          </p:nvPr>
-        </p:nvSpPr>
-        <p:spPr>
-          <a:xfrm>
-            <a:off x="552893" y="544518"/>
-            <a:ext cx="2232837" cy="846064"/>
-          </a:xfrm>
-          <a:prstGeom prst="rect">
-            <a:avLst/>
-          </a:prstGeom>
-        </p:spPr>
-        <p:txBody>
-          <a:bodyPr spcFirstLastPara="1" wrap="square" lIns="91425" tIns="91425" rIns="91425" bIns="91425" anchor="b" anchorCtr="0">
-            <a:noAutofit/>
-          </a:bodyPr>
-          <a:lstStyle/>
-          <a:p>
-            <a:pPr marL="0" lvl="0" indent="0" algn="l" rtl="0">
-              <a:spcBef>
-                <a:spcPts val="0"/>
-              </a:spcBef>
-              <a:spcAft>
-                <a:spcPts val="0"/>
-              </a:spcAft>
-              <a:buNone/>
-            </a:pPr>
-            <a:r>
-              <a:rPr lang="en" sz="3500" dirty="0" smtClean="0"/>
-              <a:t>CHƯƠNG</a:t>
-            </a:r>
-            <a:r>
-              <a:rPr lang="en" sz="3000" dirty="0" smtClean="0"/>
-              <a:t> </a:t>
-            </a:r>
-            <a:endParaRPr sz="3000" dirty="0"/>
-          </a:p>
-        </p:txBody>
-      </p:sp>
-      <p:sp>
-        <p:nvSpPr>
-          <p:cNvPr id="162" name="Google Shape;162;p21"/>
-          <p:cNvSpPr txBox="1">
-            <a:spLocks noGrp="1"/>
-          </p:cNvSpPr>
-          <p:nvPr>
-            <p:ph type="body" idx="1"/>
-          </p:nvPr>
-        </p:nvSpPr>
-        <p:spPr>
-          <a:xfrm>
-            <a:off x="637953" y="1956324"/>
-            <a:ext cx="3742122" cy="1935191"/>
-          </a:xfrm>
-          <a:prstGeom prst="rect">
-            <a:avLst/>
-          </a:prstGeom>
-        </p:spPr>
-        <p:txBody>
-          <a:bodyPr spcFirstLastPara="1" wrap="square" lIns="91425" tIns="91425" rIns="91425" bIns="91425" anchor="t" anchorCtr="0">
-            <a:noAutofit/>
-          </a:bodyPr>
-          <a:lstStyle/>
-          <a:p>
-            <a:pPr marL="101600" indent="0">
-              <a:buNone/>
-            </a:pPr>
-            <a:r>
-              <a:rPr lang="en-US" sz="2500" b="1" dirty="0">
-                <a:latin typeface="Open Sans" panose="020B0606030504020204" pitchFamily="34" charset="0"/>
-                <a:ea typeface="Open Sans" panose="020B0606030504020204" pitchFamily="34" charset="0"/>
-                <a:cs typeface="Open Sans" panose="020B0606030504020204" pitchFamily="34" charset="0"/>
-              </a:rPr>
-              <a:t>CÀI ĐẶT TRONG </a:t>
-            </a:r>
-            <a:endParaRPr lang="en-US" sz="2500" b="1" dirty="0" smtClean="0">
-              <a:latin typeface="Open Sans" panose="020B0606030504020204" pitchFamily="34" charset="0"/>
-              <a:ea typeface="Open Sans" panose="020B0606030504020204" pitchFamily="34" charset="0"/>
-              <a:cs typeface="Open Sans" panose="020B0606030504020204" pitchFamily="34" charset="0"/>
-            </a:endParaRPr>
-          </a:p>
-          <a:p>
-            <a:pPr marL="101600" indent="0" algn="ctr">
-              <a:buNone/>
-            </a:pPr>
-            <a:r>
-              <a:rPr lang="en-US" sz="2500" b="1" dirty="0" smtClean="0">
-                <a:latin typeface="Open Sans" panose="020B0606030504020204" pitchFamily="34" charset="0"/>
-                <a:ea typeface="Open Sans" panose="020B0606030504020204" pitchFamily="34" charset="0"/>
-                <a:cs typeface="Open Sans" panose="020B0606030504020204" pitchFamily="34" charset="0"/>
-              </a:rPr>
-              <a:t> </a:t>
-            </a:r>
-            <a:r>
-              <a:rPr lang="en-US" sz="2500" dirty="0">
-                <a:latin typeface="Times New Roman" panose="02020603050405020304" pitchFamily="18" charset="0"/>
-                <a:cs typeface="Times New Roman" panose="02020603050405020304" pitchFamily="18" charset="0"/>
-                <a:hlinkClick r:id="rId4"/>
-              </a:rPr>
-              <a:t>SQL Server Management Studio</a:t>
-            </a:r>
-          </a:p>
-        </p:txBody>
-      </p:sp>
-      <p:grpSp>
-        <p:nvGrpSpPr>
-          <p:cNvPr id="163" name="Google Shape;163;p21"/>
-          <p:cNvGrpSpPr/>
-          <p:nvPr/>
-        </p:nvGrpSpPr>
-        <p:grpSpPr>
-          <a:xfrm>
-            <a:off x="7604244" y="711688"/>
-            <a:ext cx="815570" cy="678894"/>
-            <a:chOff x="1244325" y="314425"/>
-            <a:chExt cx="444525" cy="370050"/>
-          </a:xfrm>
-        </p:grpSpPr>
-        <p:sp>
-          <p:nvSpPr>
-            <p:cNvPr id="164" name="Google Shape;164;p21"/>
-            <p:cNvSpPr/>
-            <p:nvPr/>
-          </p:nvSpPr>
-          <p:spPr>
-            <a:xfrm>
-              <a:off x="1388425" y="463425"/>
-              <a:ext cx="143525" cy="143500"/>
-            </a:xfrm>
-            <a:custGeom>
-              <a:avLst/>
-              <a:gdLst/>
-              <a:ahLst/>
-              <a:cxnLst/>
-              <a:rect l="l" t="t" r="r" b="b"/>
-              <a:pathLst>
-                <a:path w="5741" h="5740" extrusionOk="0">
-                  <a:moveTo>
-                    <a:pt x="2809" y="0"/>
-                  </a:moveTo>
-                  <a:lnTo>
-                    <a:pt x="2492" y="49"/>
-                  </a:lnTo>
-                  <a:lnTo>
-                    <a:pt x="2199" y="122"/>
-                  </a:lnTo>
-                  <a:lnTo>
-                    <a:pt x="1906" y="244"/>
-                  </a:lnTo>
-                  <a:lnTo>
-                    <a:pt x="1637" y="366"/>
-                  </a:lnTo>
-                  <a:lnTo>
-                    <a:pt x="1368" y="537"/>
-                  </a:lnTo>
-                  <a:lnTo>
-                    <a:pt x="1149" y="708"/>
-                  </a:lnTo>
-                  <a:lnTo>
-                    <a:pt x="904" y="904"/>
-                  </a:lnTo>
-                  <a:lnTo>
-                    <a:pt x="709" y="1124"/>
-                  </a:lnTo>
-                  <a:lnTo>
-                    <a:pt x="538" y="1368"/>
-                  </a:lnTo>
-                  <a:lnTo>
-                    <a:pt x="367" y="1636"/>
-                  </a:lnTo>
-                  <a:lnTo>
-                    <a:pt x="245" y="1905"/>
-                  </a:lnTo>
-                  <a:lnTo>
-                    <a:pt x="147" y="2198"/>
-                  </a:lnTo>
-                  <a:lnTo>
-                    <a:pt x="74" y="2491"/>
-                  </a:lnTo>
-                  <a:lnTo>
-                    <a:pt x="25" y="2809"/>
-                  </a:lnTo>
-                  <a:lnTo>
-                    <a:pt x="1" y="3126"/>
-                  </a:lnTo>
-                  <a:lnTo>
-                    <a:pt x="25" y="3517"/>
-                  </a:lnTo>
-                  <a:lnTo>
-                    <a:pt x="98" y="3908"/>
-                  </a:lnTo>
-                  <a:lnTo>
-                    <a:pt x="221" y="4274"/>
-                  </a:lnTo>
-                  <a:lnTo>
-                    <a:pt x="392" y="4641"/>
-                  </a:lnTo>
-                  <a:lnTo>
-                    <a:pt x="611" y="4958"/>
-                  </a:lnTo>
-                  <a:lnTo>
-                    <a:pt x="856" y="5251"/>
-                  </a:lnTo>
-                  <a:lnTo>
-                    <a:pt x="1124" y="5520"/>
-                  </a:lnTo>
-                  <a:lnTo>
-                    <a:pt x="1442" y="5740"/>
-                  </a:lnTo>
-                  <a:lnTo>
-                    <a:pt x="1393" y="5422"/>
-                  </a:lnTo>
-                  <a:lnTo>
-                    <a:pt x="1368" y="5080"/>
-                  </a:lnTo>
-                  <a:lnTo>
-                    <a:pt x="1393" y="4689"/>
-                  </a:lnTo>
-                  <a:lnTo>
-                    <a:pt x="1442" y="4323"/>
-                  </a:lnTo>
-                  <a:lnTo>
-                    <a:pt x="1539" y="3957"/>
-                  </a:lnTo>
-                  <a:lnTo>
-                    <a:pt x="1662" y="3639"/>
-                  </a:lnTo>
-                  <a:lnTo>
-                    <a:pt x="1808" y="3297"/>
-                  </a:lnTo>
-                  <a:lnTo>
-                    <a:pt x="2003" y="3004"/>
-                  </a:lnTo>
-                  <a:lnTo>
-                    <a:pt x="2223" y="2711"/>
-                  </a:lnTo>
-                  <a:lnTo>
-                    <a:pt x="2468" y="2442"/>
-                  </a:lnTo>
-                  <a:lnTo>
-                    <a:pt x="2712" y="2198"/>
-                  </a:lnTo>
-                  <a:lnTo>
-                    <a:pt x="3005" y="2003"/>
-                  </a:lnTo>
-                  <a:lnTo>
-                    <a:pt x="3322" y="1807"/>
-                  </a:lnTo>
-                  <a:lnTo>
-                    <a:pt x="3640" y="1661"/>
-                  </a:lnTo>
-                  <a:lnTo>
-                    <a:pt x="3982" y="1514"/>
-                  </a:lnTo>
-                  <a:lnTo>
-                    <a:pt x="4324" y="1441"/>
-                  </a:lnTo>
-                  <a:lnTo>
-                    <a:pt x="4690" y="1368"/>
-                  </a:lnTo>
-                  <a:lnTo>
-                    <a:pt x="5423" y="1368"/>
-                  </a:lnTo>
-                  <a:lnTo>
-                    <a:pt x="5740" y="1417"/>
-                  </a:lnTo>
-                  <a:lnTo>
-                    <a:pt x="5520" y="1124"/>
-                  </a:lnTo>
-                  <a:lnTo>
-                    <a:pt x="5252" y="831"/>
-                  </a:lnTo>
-                  <a:lnTo>
-                    <a:pt x="4959" y="586"/>
-                  </a:lnTo>
-                  <a:lnTo>
-                    <a:pt x="4641" y="391"/>
-                  </a:lnTo>
-                  <a:lnTo>
-                    <a:pt x="4299" y="220"/>
-                  </a:lnTo>
-                  <a:lnTo>
-                    <a:pt x="3933" y="98"/>
-                  </a:lnTo>
-                  <a:lnTo>
-                    <a:pt x="3542" y="25"/>
-                  </a:lnTo>
-                  <a:lnTo>
-                    <a:pt x="3127" y="0"/>
-                  </a:lnTo>
-                  <a:close/>
-                </a:path>
-              </a:pathLst>
-            </a:custGeom>
-            <a:solidFill>
-              <a:srgbClr val="FFFFFF"/>
-            </a:solidFill>
-            <a:ln>
-              <a:noFill/>
-            </a:ln>
-          </p:spPr>
-          <p:txBody>
-            <a:bodyPr spcFirstLastPara="1" wrap="square" lIns="91425" tIns="91425" rIns="91425" bIns="91425" anchor="ctr" anchorCtr="0">
-              <a:noAutofit/>
-            </a:bodyPr>
-            <a:lstStyle/>
-            <a:p>
-              <a:pPr marL="0" lvl="0" indent="0" algn="l" rtl="0">
-                <a:spcBef>
-                  <a:spcPts val="0"/>
-                </a:spcBef>
-                <a:spcAft>
-                  <a:spcPts val="0"/>
-                </a:spcAft>
-                <a:buNone/>
-              </a:pPr>
-              <a:endParaRPr>
-                <a:solidFill>
-                  <a:srgbClr val="FFFFFF"/>
-                </a:solidFill>
-              </a:endParaRPr>
-            </a:p>
-          </p:txBody>
-        </p:sp>
-        <p:sp>
-          <p:nvSpPr>
-            <p:cNvPr id="165" name="Google Shape;165;p21"/>
-            <p:cNvSpPr/>
-            <p:nvPr/>
-          </p:nvSpPr>
-          <p:spPr>
-            <a:xfrm>
-              <a:off x="1244325" y="314425"/>
-              <a:ext cx="444525" cy="370050"/>
-            </a:xfrm>
-            <a:custGeom>
-              <a:avLst/>
-              <a:gdLst/>
-              <a:ahLst/>
-              <a:cxnLst/>
-              <a:rect l="l" t="t" r="r" b="b"/>
-              <a:pathLst>
-                <a:path w="17781" h="14802" extrusionOk="0">
-                  <a:moveTo>
-                    <a:pt x="11748" y="2101"/>
-                  </a:moveTo>
-                  <a:lnTo>
-                    <a:pt x="11846" y="2126"/>
-                  </a:lnTo>
-                  <a:lnTo>
-                    <a:pt x="11919" y="2175"/>
-                  </a:lnTo>
-                  <a:lnTo>
-                    <a:pt x="11968" y="2248"/>
-                  </a:lnTo>
-                  <a:lnTo>
-                    <a:pt x="11993" y="2346"/>
-                  </a:lnTo>
-                  <a:lnTo>
-                    <a:pt x="11968" y="2419"/>
-                  </a:lnTo>
-                  <a:lnTo>
-                    <a:pt x="11919" y="2492"/>
-                  </a:lnTo>
-                  <a:lnTo>
-                    <a:pt x="11846" y="2541"/>
-                  </a:lnTo>
-                  <a:lnTo>
-                    <a:pt x="11748" y="2565"/>
-                  </a:lnTo>
-                  <a:lnTo>
-                    <a:pt x="6033" y="2565"/>
-                  </a:lnTo>
-                  <a:lnTo>
-                    <a:pt x="5936" y="2541"/>
-                  </a:lnTo>
-                  <a:lnTo>
-                    <a:pt x="5862" y="2492"/>
-                  </a:lnTo>
-                  <a:lnTo>
-                    <a:pt x="5814" y="2419"/>
-                  </a:lnTo>
-                  <a:lnTo>
-                    <a:pt x="5789" y="2346"/>
-                  </a:lnTo>
-                  <a:lnTo>
-                    <a:pt x="5814" y="2248"/>
-                  </a:lnTo>
-                  <a:lnTo>
-                    <a:pt x="5862" y="2175"/>
-                  </a:lnTo>
-                  <a:lnTo>
-                    <a:pt x="5936" y="2126"/>
-                  </a:lnTo>
-                  <a:lnTo>
-                    <a:pt x="6033" y="2101"/>
-                  </a:lnTo>
-                  <a:close/>
-                  <a:moveTo>
-                    <a:pt x="15949" y="4519"/>
-                  </a:moveTo>
-                  <a:lnTo>
-                    <a:pt x="16047" y="4568"/>
-                  </a:lnTo>
-                  <a:lnTo>
-                    <a:pt x="16145" y="4592"/>
-                  </a:lnTo>
-                  <a:lnTo>
-                    <a:pt x="16193" y="4666"/>
-                  </a:lnTo>
-                  <a:lnTo>
-                    <a:pt x="16267" y="4739"/>
-                  </a:lnTo>
-                  <a:lnTo>
-                    <a:pt x="16316" y="4812"/>
-                  </a:lnTo>
-                  <a:lnTo>
-                    <a:pt x="16340" y="4910"/>
-                  </a:lnTo>
-                  <a:lnTo>
-                    <a:pt x="16340" y="5008"/>
-                  </a:lnTo>
-                  <a:lnTo>
-                    <a:pt x="16340" y="5789"/>
-                  </a:lnTo>
-                  <a:lnTo>
-                    <a:pt x="16340" y="5887"/>
-                  </a:lnTo>
-                  <a:lnTo>
-                    <a:pt x="16316" y="5985"/>
-                  </a:lnTo>
-                  <a:lnTo>
-                    <a:pt x="16267" y="6058"/>
-                  </a:lnTo>
-                  <a:lnTo>
-                    <a:pt x="16193" y="6131"/>
-                  </a:lnTo>
-                  <a:lnTo>
-                    <a:pt x="16145" y="6204"/>
-                  </a:lnTo>
-                  <a:lnTo>
-                    <a:pt x="16047" y="6229"/>
-                  </a:lnTo>
-                  <a:lnTo>
-                    <a:pt x="15949" y="6278"/>
-                  </a:lnTo>
-                  <a:lnTo>
-                    <a:pt x="14069" y="6278"/>
-                  </a:lnTo>
-                  <a:lnTo>
-                    <a:pt x="13971" y="6229"/>
-                  </a:lnTo>
-                  <a:lnTo>
-                    <a:pt x="13898" y="6204"/>
-                  </a:lnTo>
-                  <a:lnTo>
-                    <a:pt x="13824" y="6131"/>
-                  </a:lnTo>
-                  <a:lnTo>
-                    <a:pt x="13751" y="6058"/>
-                  </a:lnTo>
-                  <a:lnTo>
-                    <a:pt x="13727" y="5985"/>
-                  </a:lnTo>
-                  <a:lnTo>
-                    <a:pt x="13678" y="5887"/>
-                  </a:lnTo>
-                  <a:lnTo>
-                    <a:pt x="13678" y="5789"/>
-                  </a:lnTo>
-                  <a:lnTo>
-                    <a:pt x="13678" y="5008"/>
-                  </a:lnTo>
-                  <a:lnTo>
-                    <a:pt x="13678" y="4910"/>
-                  </a:lnTo>
-                  <a:lnTo>
-                    <a:pt x="13727" y="4812"/>
-                  </a:lnTo>
-                  <a:lnTo>
-                    <a:pt x="13751" y="4739"/>
-                  </a:lnTo>
-                  <a:lnTo>
-                    <a:pt x="13824" y="4666"/>
-                  </a:lnTo>
-                  <a:lnTo>
-                    <a:pt x="13898" y="4592"/>
-                  </a:lnTo>
-                  <a:lnTo>
-                    <a:pt x="13971" y="4568"/>
-                  </a:lnTo>
-                  <a:lnTo>
-                    <a:pt x="14069" y="4519"/>
-                  </a:lnTo>
-                  <a:close/>
-                  <a:moveTo>
-                    <a:pt x="8891" y="5105"/>
-                  </a:moveTo>
-                  <a:lnTo>
-                    <a:pt x="9306" y="5130"/>
-                  </a:lnTo>
-                  <a:lnTo>
-                    <a:pt x="9697" y="5179"/>
-                  </a:lnTo>
-                  <a:lnTo>
-                    <a:pt x="10063" y="5276"/>
-                  </a:lnTo>
-                  <a:lnTo>
-                    <a:pt x="10430" y="5423"/>
-                  </a:lnTo>
-                  <a:lnTo>
-                    <a:pt x="10796" y="5594"/>
-                  </a:lnTo>
-                  <a:lnTo>
-                    <a:pt x="11113" y="5789"/>
-                  </a:lnTo>
-                  <a:lnTo>
-                    <a:pt x="11406" y="6009"/>
-                  </a:lnTo>
-                  <a:lnTo>
-                    <a:pt x="11700" y="6278"/>
-                  </a:lnTo>
-                  <a:lnTo>
-                    <a:pt x="11968" y="6546"/>
-                  </a:lnTo>
-                  <a:lnTo>
-                    <a:pt x="12188" y="6864"/>
-                  </a:lnTo>
-                  <a:lnTo>
-                    <a:pt x="12383" y="7181"/>
-                  </a:lnTo>
-                  <a:lnTo>
-                    <a:pt x="12554" y="7523"/>
-                  </a:lnTo>
-                  <a:lnTo>
-                    <a:pt x="12676" y="7890"/>
-                  </a:lnTo>
-                  <a:lnTo>
-                    <a:pt x="12774" y="8280"/>
-                  </a:lnTo>
-                  <a:lnTo>
-                    <a:pt x="12847" y="8671"/>
-                  </a:lnTo>
-                  <a:lnTo>
-                    <a:pt x="12872" y="9086"/>
-                  </a:lnTo>
-                  <a:lnTo>
-                    <a:pt x="12847" y="9477"/>
-                  </a:lnTo>
-                  <a:lnTo>
-                    <a:pt x="12774" y="9868"/>
-                  </a:lnTo>
-                  <a:lnTo>
-                    <a:pt x="12676" y="10259"/>
-                  </a:lnTo>
-                  <a:lnTo>
-                    <a:pt x="12554" y="10625"/>
-                  </a:lnTo>
-                  <a:lnTo>
-                    <a:pt x="12383" y="10967"/>
-                  </a:lnTo>
-                  <a:lnTo>
-                    <a:pt x="12188" y="11309"/>
-                  </a:lnTo>
-                  <a:lnTo>
-                    <a:pt x="11968" y="11602"/>
-                  </a:lnTo>
-                  <a:lnTo>
-                    <a:pt x="11700" y="11895"/>
-                  </a:lnTo>
-                  <a:lnTo>
-                    <a:pt x="11406" y="12139"/>
-                  </a:lnTo>
-                  <a:lnTo>
-                    <a:pt x="11113" y="12383"/>
-                  </a:lnTo>
-                  <a:lnTo>
-                    <a:pt x="10796" y="12579"/>
-                  </a:lnTo>
-                  <a:lnTo>
-                    <a:pt x="10430" y="12750"/>
-                  </a:lnTo>
-                  <a:lnTo>
-                    <a:pt x="10063" y="12872"/>
-                  </a:lnTo>
-                  <a:lnTo>
-                    <a:pt x="9697" y="12970"/>
-                  </a:lnTo>
-                  <a:lnTo>
-                    <a:pt x="9306" y="13018"/>
-                  </a:lnTo>
-                  <a:lnTo>
-                    <a:pt x="8891" y="13043"/>
-                  </a:lnTo>
-                  <a:lnTo>
-                    <a:pt x="8476" y="13018"/>
-                  </a:lnTo>
-                  <a:lnTo>
-                    <a:pt x="8085" y="12970"/>
-                  </a:lnTo>
-                  <a:lnTo>
-                    <a:pt x="7719" y="12872"/>
-                  </a:lnTo>
-                  <a:lnTo>
-                    <a:pt x="7352" y="12750"/>
-                  </a:lnTo>
-                  <a:lnTo>
-                    <a:pt x="6986" y="12579"/>
-                  </a:lnTo>
-                  <a:lnTo>
-                    <a:pt x="6668" y="12383"/>
-                  </a:lnTo>
-                  <a:lnTo>
-                    <a:pt x="6375" y="12139"/>
-                  </a:lnTo>
-                  <a:lnTo>
-                    <a:pt x="6082" y="11895"/>
-                  </a:lnTo>
-                  <a:lnTo>
-                    <a:pt x="5814" y="11602"/>
-                  </a:lnTo>
-                  <a:lnTo>
-                    <a:pt x="5594" y="11309"/>
-                  </a:lnTo>
-                  <a:lnTo>
-                    <a:pt x="5398" y="10967"/>
-                  </a:lnTo>
-                  <a:lnTo>
-                    <a:pt x="5227" y="10625"/>
-                  </a:lnTo>
-                  <a:lnTo>
-                    <a:pt x="5105" y="10259"/>
-                  </a:lnTo>
-                  <a:lnTo>
-                    <a:pt x="5008" y="9868"/>
-                  </a:lnTo>
-                  <a:lnTo>
-                    <a:pt x="4934" y="9477"/>
-                  </a:lnTo>
-                  <a:lnTo>
-                    <a:pt x="4910" y="9086"/>
-                  </a:lnTo>
-                  <a:lnTo>
-                    <a:pt x="4934" y="8671"/>
-                  </a:lnTo>
-                  <a:lnTo>
-                    <a:pt x="5008" y="8280"/>
-                  </a:lnTo>
-                  <a:lnTo>
-                    <a:pt x="5105" y="7890"/>
-                  </a:lnTo>
-                  <a:lnTo>
-                    <a:pt x="5227" y="7523"/>
-                  </a:lnTo>
-                  <a:lnTo>
-                    <a:pt x="5398" y="7181"/>
-                  </a:lnTo>
-                  <a:lnTo>
-                    <a:pt x="5594" y="6864"/>
-                  </a:lnTo>
-                  <a:lnTo>
-                    <a:pt x="5814" y="6546"/>
-                  </a:lnTo>
-                  <a:lnTo>
-                    <a:pt x="6082" y="6278"/>
-                  </a:lnTo>
-                  <a:lnTo>
-                    <a:pt x="6375" y="6009"/>
-                  </a:lnTo>
-                  <a:lnTo>
-                    <a:pt x="6668" y="5789"/>
-                  </a:lnTo>
-                  <a:lnTo>
-                    <a:pt x="6986" y="5594"/>
-                  </a:lnTo>
-                  <a:lnTo>
-                    <a:pt x="7352" y="5423"/>
-                  </a:lnTo>
-                  <a:lnTo>
-                    <a:pt x="7719" y="5276"/>
-                  </a:lnTo>
-                  <a:lnTo>
-                    <a:pt x="8085" y="5179"/>
-                  </a:lnTo>
-                  <a:lnTo>
-                    <a:pt x="8476" y="5130"/>
-                  </a:lnTo>
-                  <a:lnTo>
-                    <a:pt x="8891" y="5105"/>
-                  </a:lnTo>
-                  <a:close/>
-                  <a:moveTo>
-                    <a:pt x="5301" y="1"/>
-                  </a:moveTo>
-                  <a:lnTo>
-                    <a:pt x="5154" y="50"/>
-                  </a:lnTo>
-                  <a:lnTo>
-                    <a:pt x="5008" y="123"/>
-                  </a:lnTo>
-                  <a:lnTo>
-                    <a:pt x="4861" y="221"/>
-                  </a:lnTo>
-                  <a:lnTo>
-                    <a:pt x="4739" y="318"/>
-                  </a:lnTo>
-                  <a:lnTo>
-                    <a:pt x="4641" y="465"/>
-                  </a:lnTo>
-                  <a:lnTo>
-                    <a:pt x="4568" y="611"/>
-                  </a:lnTo>
-                  <a:lnTo>
-                    <a:pt x="4519" y="758"/>
-                  </a:lnTo>
-                  <a:lnTo>
-                    <a:pt x="4080" y="2565"/>
-                  </a:lnTo>
-                  <a:lnTo>
-                    <a:pt x="3249" y="2565"/>
-                  </a:lnTo>
-                  <a:lnTo>
-                    <a:pt x="3249" y="2468"/>
-                  </a:lnTo>
-                  <a:lnTo>
-                    <a:pt x="3225" y="2370"/>
-                  </a:lnTo>
-                  <a:lnTo>
-                    <a:pt x="3176" y="2297"/>
-                  </a:lnTo>
-                  <a:lnTo>
-                    <a:pt x="3103" y="2223"/>
-                  </a:lnTo>
-                  <a:lnTo>
-                    <a:pt x="3054" y="2150"/>
-                  </a:lnTo>
-                  <a:lnTo>
-                    <a:pt x="2956" y="2126"/>
-                  </a:lnTo>
-                  <a:lnTo>
-                    <a:pt x="2858" y="2077"/>
-                  </a:lnTo>
-                  <a:lnTo>
-                    <a:pt x="1955" y="2077"/>
-                  </a:lnTo>
-                  <a:lnTo>
-                    <a:pt x="1857" y="2126"/>
-                  </a:lnTo>
-                  <a:lnTo>
-                    <a:pt x="1784" y="2150"/>
-                  </a:lnTo>
-                  <a:lnTo>
-                    <a:pt x="1711" y="2223"/>
-                  </a:lnTo>
-                  <a:lnTo>
-                    <a:pt x="1637" y="2297"/>
-                  </a:lnTo>
-                  <a:lnTo>
-                    <a:pt x="1613" y="2370"/>
-                  </a:lnTo>
-                  <a:lnTo>
-                    <a:pt x="1564" y="2468"/>
-                  </a:lnTo>
-                  <a:lnTo>
-                    <a:pt x="1564" y="2565"/>
-                  </a:lnTo>
-                  <a:lnTo>
-                    <a:pt x="782" y="2565"/>
-                  </a:lnTo>
-                  <a:lnTo>
-                    <a:pt x="636" y="2590"/>
-                  </a:lnTo>
-                  <a:lnTo>
-                    <a:pt x="489" y="2639"/>
-                  </a:lnTo>
-                  <a:lnTo>
-                    <a:pt x="343" y="2687"/>
-                  </a:lnTo>
-                  <a:lnTo>
-                    <a:pt x="221" y="2785"/>
-                  </a:lnTo>
-                  <a:lnTo>
-                    <a:pt x="123" y="2907"/>
-                  </a:lnTo>
-                  <a:lnTo>
-                    <a:pt x="74" y="3054"/>
-                  </a:lnTo>
-                  <a:lnTo>
-                    <a:pt x="25" y="3200"/>
-                  </a:lnTo>
-                  <a:lnTo>
-                    <a:pt x="1" y="3347"/>
-                  </a:lnTo>
-                  <a:lnTo>
-                    <a:pt x="1" y="14020"/>
-                  </a:lnTo>
-                  <a:lnTo>
-                    <a:pt x="25" y="14191"/>
-                  </a:lnTo>
-                  <a:lnTo>
-                    <a:pt x="74" y="14337"/>
-                  </a:lnTo>
-                  <a:lnTo>
-                    <a:pt x="123" y="14459"/>
-                  </a:lnTo>
-                  <a:lnTo>
-                    <a:pt x="221" y="14581"/>
-                  </a:lnTo>
-                  <a:lnTo>
-                    <a:pt x="343" y="14679"/>
-                  </a:lnTo>
-                  <a:lnTo>
-                    <a:pt x="489" y="14752"/>
-                  </a:lnTo>
-                  <a:lnTo>
-                    <a:pt x="636" y="14801"/>
-                  </a:lnTo>
-                  <a:lnTo>
-                    <a:pt x="17146" y="14801"/>
-                  </a:lnTo>
-                  <a:lnTo>
-                    <a:pt x="17292" y="14752"/>
-                  </a:lnTo>
-                  <a:lnTo>
-                    <a:pt x="17439" y="14679"/>
-                  </a:lnTo>
-                  <a:lnTo>
-                    <a:pt x="17561" y="14581"/>
-                  </a:lnTo>
-                  <a:lnTo>
-                    <a:pt x="17659" y="14459"/>
-                  </a:lnTo>
-                  <a:lnTo>
-                    <a:pt x="17708" y="14337"/>
-                  </a:lnTo>
-                  <a:lnTo>
-                    <a:pt x="17756" y="14191"/>
-                  </a:lnTo>
-                  <a:lnTo>
-                    <a:pt x="17781" y="14020"/>
-                  </a:lnTo>
-                  <a:lnTo>
-                    <a:pt x="17781" y="3347"/>
-                  </a:lnTo>
-                  <a:lnTo>
-                    <a:pt x="17756" y="3200"/>
-                  </a:lnTo>
-                  <a:lnTo>
-                    <a:pt x="17708" y="3054"/>
-                  </a:lnTo>
-                  <a:lnTo>
-                    <a:pt x="17659" y="2907"/>
-                  </a:lnTo>
-                  <a:lnTo>
-                    <a:pt x="17561" y="2785"/>
-                  </a:lnTo>
-                  <a:lnTo>
-                    <a:pt x="17439" y="2687"/>
-                  </a:lnTo>
-                  <a:lnTo>
-                    <a:pt x="17292" y="2639"/>
-                  </a:lnTo>
-                  <a:lnTo>
-                    <a:pt x="17146" y="2590"/>
-                  </a:lnTo>
-                  <a:lnTo>
-                    <a:pt x="16999" y="2565"/>
-                  </a:lnTo>
-                  <a:lnTo>
-                    <a:pt x="13702" y="2565"/>
-                  </a:lnTo>
-                  <a:lnTo>
-                    <a:pt x="13263" y="758"/>
-                  </a:lnTo>
-                  <a:lnTo>
-                    <a:pt x="13214" y="611"/>
-                  </a:lnTo>
-                  <a:lnTo>
-                    <a:pt x="13141" y="465"/>
-                  </a:lnTo>
-                  <a:lnTo>
-                    <a:pt x="13043" y="318"/>
-                  </a:lnTo>
-                  <a:lnTo>
-                    <a:pt x="12921" y="221"/>
-                  </a:lnTo>
-                  <a:lnTo>
-                    <a:pt x="12774" y="123"/>
-                  </a:lnTo>
-                  <a:lnTo>
-                    <a:pt x="12628" y="50"/>
-                  </a:lnTo>
-                  <a:lnTo>
-                    <a:pt x="12481" y="1"/>
-                  </a:lnTo>
-                  <a:close/>
-                </a:path>
-              </a:pathLst>
-            </a:custGeom>
-            <a:solidFill>
-              <a:srgbClr val="FFFFFF"/>
-            </a:solidFill>
-            <a:ln>
-              <a:noFill/>
-            </a:ln>
-          </p:spPr>
-          <p:txBody>
-            <a:bodyPr spcFirstLastPara="1" wrap="square" lIns="91425" tIns="91425" rIns="91425" bIns="91425" anchor="ctr" anchorCtr="0">
-              <a:noAutofit/>
-            </a:bodyPr>
-            <a:lstStyle/>
-            <a:p>
-              <a:pPr marL="0" lvl="0" indent="0" algn="l" rtl="0">
-                <a:spcBef>
-                  <a:spcPts val="0"/>
-                </a:spcBef>
-                <a:spcAft>
-                  <a:spcPts val="0"/>
-                </a:spcAft>
-                <a:buNone/>
-              </a:pPr>
-              <a:endParaRPr>
-                <a:solidFill>
-                  <a:srgbClr val="FFFFFF"/>
-                </a:solidFill>
-              </a:endParaRPr>
-            </a:p>
-          </p:txBody>
-        </p:sp>
-      </p:grpSp>
-      <p:sp>
-        <p:nvSpPr>
-          <p:cNvPr id="166" name="Google Shape;166;p21"/>
-          <p:cNvSpPr txBox="1">
-            <a:spLocks noGrp="1"/>
-          </p:cNvSpPr>
-          <p:nvPr>
-            <p:ph type="sldNum" idx="12"/>
-          </p:nvPr>
-        </p:nvSpPr>
-        <p:spPr>
-          <a:xfrm>
-            <a:off x="8159499" y="4393278"/>
-            <a:ext cx="548700" cy="393600"/>
-          </a:xfrm>
-          <a:prstGeom prst="rect">
-            <a:avLst/>
-          </a:prstGeom>
-        </p:spPr>
-        <p:txBody>
-          <a:bodyPr spcFirstLastPara="1" wrap="square" lIns="91425" tIns="91425" rIns="91425" bIns="91425" anchor="ctr" anchorCtr="0">
-            <a:noAutofit/>
-          </a:bodyPr>
-          <a:lstStyle/>
-          <a:p>
-            <a:pPr marL="0" lvl="0" indent="0" algn="r" rtl="0">
-              <a:spcBef>
-                <a:spcPts val="0"/>
-              </a:spcBef>
-              <a:spcAft>
-                <a:spcPts val="0"/>
-              </a:spcAft>
-              <a:buNone/>
-            </a:pPr>
-            <a:fld id="{00000000-1234-1234-1234-123412341234}" type="slidenum">
-              <a:rPr lang="en"/>
-              <a:t>10</a:t>
-            </a:fld>
-            <a:endParaRPr/>
-          </a:p>
-        </p:txBody>
-      </p:sp>
-      <p:sp>
-        <p:nvSpPr>
-          <p:cNvPr id="9" name="Google Shape;368;p37"/>
-          <p:cNvSpPr txBox="1"/>
-          <p:nvPr/>
-        </p:nvSpPr>
-        <p:spPr>
-          <a:xfrm>
-            <a:off x="2148075" y="-21224"/>
-            <a:ext cx="2232000" cy="1931400"/>
-          </a:xfrm>
-          <a:prstGeom prst="rect">
-            <a:avLst/>
-          </a:prstGeom>
-          <a:noFill/>
-          <a:ln>
-            <a:noFill/>
-          </a:ln>
-        </p:spPr>
-        <p:txBody>
-          <a:bodyPr spcFirstLastPara="1" wrap="square" lIns="91425" tIns="91425" rIns="91425" bIns="91425" anchor="t" anchorCtr="0">
-            <a:noAutofit/>
-          </a:bodyPr>
-          <a:lstStyle/>
-          <a:p>
-            <a:pPr marL="0" lvl="0" indent="0" algn="r" rtl="0">
-              <a:spcBef>
-                <a:spcPts val="0"/>
-              </a:spcBef>
-              <a:spcAft>
-                <a:spcPts val="0"/>
-              </a:spcAft>
-              <a:buClr>
-                <a:schemeClr val="dk1"/>
-              </a:buClr>
-              <a:buSzPts val="1100"/>
-              <a:buFont typeface="Arial"/>
-              <a:buNone/>
-            </a:pPr>
-            <a:r>
-              <a:rPr lang="en" sz="12000" b="1" dirty="0">
-                <a:solidFill>
-                  <a:schemeClr val="dk1"/>
-                </a:solidFill>
-                <a:latin typeface="Work Sans"/>
-                <a:ea typeface="Work Sans"/>
-                <a:cs typeface="Work Sans"/>
-                <a:sym typeface="Work Sans"/>
-              </a:rPr>
-              <a:t>2</a:t>
-            </a:r>
-            <a:r>
-              <a:rPr lang="en" sz="9600" b="1" dirty="0">
-                <a:solidFill>
-                  <a:schemeClr val="dk1"/>
-                </a:solidFill>
-                <a:latin typeface="Work Sans"/>
-                <a:ea typeface="Work Sans"/>
-                <a:cs typeface="Work Sans"/>
-                <a:sym typeface="Work Sans"/>
-              </a:rPr>
-              <a:t>.</a:t>
-            </a:r>
-            <a:endParaRPr sz="9600" b="1" dirty="0">
-              <a:latin typeface="Work Sans"/>
-              <a:ea typeface="Work Sans"/>
-              <a:cs typeface="Work Sans"/>
-              <a:sym typeface="Work Sans"/>
-            </a:endParaRPr>
-          </a:p>
-        </p:txBody>
-      </p:sp>
-    </p:spTree>
-  </p:cSld>
-  <p:clrMapOvr>
-    <a:masterClrMapping/>
-  </p:clrMapOvr>
-</p:sld>
-</file>
-
-<file path=ppt/slides/slide11.xml><?xml version="1.0" encoding="utf-8"?>
-<p:sld xmlns:a="http://schemas.openxmlformats.org/drawingml/2006/main" xmlns:r="http://schemas.openxmlformats.org/officeDocument/2006/relationships" xmlns:p="http://schemas.openxmlformats.org/presentationml/2006/main">
-  <p:cSld>
-    <p:spTree>
-      <p:nvGrpSpPr>
-        <p:cNvPr id="1" name="Shape 185"/>
-        <p:cNvGrpSpPr/>
-        <p:nvPr/>
-      </p:nvGrpSpPr>
-      <p:grpSpPr>
-        <a:xfrm>
-          <a:off x="0" y="0"/>
-          <a:ext cx="0" cy="0"/>
-          <a:chOff x="0" y="0"/>
-          <a:chExt cx="0" cy="0"/>
-        </a:xfrm>
-      </p:grpSpPr>
-      <p:sp>
-        <p:nvSpPr>
-          <p:cNvPr id="186" name="Google Shape;186;p24"/>
-          <p:cNvSpPr txBox="1">
-            <a:spLocks noGrp="1"/>
-          </p:cNvSpPr>
-          <p:nvPr>
-            <p:ph type="title"/>
-          </p:nvPr>
-        </p:nvSpPr>
-        <p:spPr>
-          <a:xfrm>
-            <a:off x="1750834" y="363181"/>
-            <a:ext cx="5920270" cy="793634"/>
-          </a:xfrm>
-          <a:prstGeom prst="rect">
-            <a:avLst/>
-          </a:prstGeom>
-        </p:spPr>
-        <p:txBody>
-          <a:bodyPr spcFirstLastPara="1" wrap="square" lIns="91425" tIns="91425" rIns="91425" bIns="91425" anchor="b" anchorCtr="0">
-            <a:noAutofit/>
-          </a:bodyPr>
-          <a:lstStyle/>
-          <a:p>
-            <a:pPr marL="0" lvl="0" indent="0" algn="l" rtl="0">
-              <a:spcBef>
-                <a:spcPts val="0"/>
-              </a:spcBef>
-              <a:spcAft>
-                <a:spcPts val="0"/>
-              </a:spcAft>
-              <a:buNone/>
-            </a:pPr>
-            <a:r>
-              <a:rPr lang="en" sz="3500" dirty="0" smtClean="0"/>
-              <a:t>Sơ Đồ thực thể liên kết</a:t>
-            </a:r>
-            <a:endParaRPr sz="3500" dirty="0"/>
-          </a:p>
-        </p:txBody>
-      </p:sp>
-      <p:grpSp>
-        <p:nvGrpSpPr>
-          <p:cNvPr id="188" name="Google Shape;188;p24"/>
-          <p:cNvGrpSpPr/>
-          <p:nvPr/>
-        </p:nvGrpSpPr>
-        <p:grpSpPr>
-          <a:xfrm>
-            <a:off x="7800043" y="448908"/>
-            <a:ext cx="908156" cy="948145"/>
-            <a:chOff x="3294650" y="3652450"/>
-            <a:chExt cx="388350" cy="405450"/>
-          </a:xfrm>
-        </p:grpSpPr>
-        <p:sp>
-          <p:nvSpPr>
-            <p:cNvPr id="189" name="Google Shape;189;p24"/>
-            <p:cNvSpPr/>
-            <p:nvPr/>
-          </p:nvSpPr>
-          <p:spPr>
-            <a:xfrm>
-              <a:off x="3294650" y="3681775"/>
-              <a:ext cx="376150" cy="376125"/>
-            </a:xfrm>
-            <a:custGeom>
-              <a:avLst/>
-              <a:gdLst/>
-              <a:ahLst/>
-              <a:cxnLst/>
-              <a:rect l="l" t="t" r="r" b="b"/>
-              <a:pathLst>
-                <a:path w="15046" h="15045" extrusionOk="0">
-                  <a:moveTo>
-                    <a:pt x="7132" y="0"/>
-                  </a:moveTo>
-                  <a:lnTo>
-                    <a:pt x="6766" y="49"/>
-                  </a:lnTo>
-                  <a:lnTo>
-                    <a:pt x="6375" y="98"/>
-                  </a:lnTo>
-                  <a:lnTo>
-                    <a:pt x="6009" y="147"/>
-                  </a:lnTo>
-                  <a:lnTo>
-                    <a:pt x="5642" y="244"/>
-                  </a:lnTo>
-                  <a:lnTo>
-                    <a:pt x="5276" y="342"/>
-                  </a:lnTo>
-                  <a:lnTo>
-                    <a:pt x="4934" y="464"/>
-                  </a:lnTo>
-                  <a:lnTo>
-                    <a:pt x="4592" y="586"/>
-                  </a:lnTo>
-                  <a:lnTo>
-                    <a:pt x="4250" y="733"/>
-                  </a:lnTo>
-                  <a:lnTo>
-                    <a:pt x="3933" y="904"/>
-                  </a:lnTo>
-                  <a:lnTo>
-                    <a:pt x="3615" y="1099"/>
-                  </a:lnTo>
-                  <a:lnTo>
-                    <a:pt x="3322" y="1295"/>
-                  </a:lnTo>
-                  <a:lnTo>
-                    <a:pt x="3029" y="1490"/>
-                  </a:lnTo>
-                  <a:lnTo>
-                    <a:pt x="2736" y="1710"/>
-                  </a:lnTo>
-                  <a:lnTo>
-                    <a:pt x="2467" y="1954"/>
-                  </a:lnTo>
-                  <a:lnTo>
-                    <a:pt x="2199" y="2198"/>
-                  </a:lnTo>
-                  <a:lnTo>
-                    <a:pt x="1954" y="2467"/>
-                  </a:lnTo>
-                  <a:lnTo>
-                    <a:pt x="1710" y="2736"/>
-                  </a:lnTo>
-                  <a:lnTo>
-                    <a:pt x="1490" y="3029"/>
-                  </a:lnTo>
-                  <a:lnTo>
-                    <a:pt x="1295" y="3322"/>
-                  </a:lnTo>
-                  <a:lnTo>
-                    <a:pt x="1100" y="3615"/>
-                  </a:lnTo>
-                  <a:lnTo>
-                    <a:pt x="904" y="3932"/>
-                  </a:lnTo>
-                  <a:lnTo>
-                    <a:pt x="733" y="4250"/>
-                  </a:lnTo>
-                  <a:lnTo>
-                    <a:pt x="587" y="4592"/>
-                  </a:lnTo>
-                  <a:lnTo>
-                    <a:pt x="465" y="4934"/>
-                  </a:lnTo>
-                  <a:lnTo>
-                    <a:pt x="342" y="5276"/>
-                  </a:lnTo>
-                  <a:lnTo>
-                    <a:pt x="245" y="5642"/>
-                  </a:lnTo>
-                  <a:lnTo>
-                    <a:pt x="147" y="6008"/>
-                  </a:lnTo>
-                  <a:lnTo>
-                    <a:pt x="98" y="6375"/>
-                  </a:lnTo>
-                  <a:lnTo>
-                    <a:pt x="49" y="6765"/>
-                  </a:lnTo>
-                  <a:lnTo>
-                    <a:pt x="0" y="7132"/>
-                  </a:lnTo>
-                  <a:lnTo>
-                    <a:pt x="0" y="7522"/>
-                  </a:lnTo>
-                  <a:lnTo>
-                    <a:pt x="0" y="7913"/>
-                  </a:lnTo>
-                  <a:lnTo>
-                    <a:pt x="49" y="8280"/>
-                  </a:lnTo>
-                  <a:lnTo>
-                    <a:pt x="98" y="8670"/>
-                  </a:lnTo>
-                  <a:lnTo>
-                    <a:pt x="147" y="9037"/>
-                  </a:lnTo>
-                  <a:lnTo>
-                    <a:pt x="245" y="9403"/>
-                  </a:lnTo>
-                  <a:lnTo>
-                    <a:pt x="342" y="9769"/>
-                  </a:lnTo>
-                  <a:lnTo>
-                    <a:pt x="465" y="10111"/>
-                  </a:lnTo>
-                  <a:lnTo>
-                    <a:pt x="587" y="10453"/>
-                  </a:lnTo>
-                  <a:lnTo>
-                    <a:pt x="733" y="10795"/>
-                  </a:lnTo>
-                  <a:lnTo>
-                    <a:pt x="904" y="11113"/>
-                  </a:lnTo>
-                  <a:lnTo>
-                    <a:pt x="1100" y="11430"/>
-                  </a:lnTo>
-                  <a:lnTo>
-                    <a:pt x="1295" y="11723"/>
-                  </a:lnTo>
-                  <a:lnTo>
-                    <a:pt x="1490" y="12016"/>
-                  </a:lnTo>
-                  <a:lnTo>
-                    <a:pt x="1710" y="12309"/>
-                  </a:lnTo>
-                  <a:lnTo>
-                    <a:pt x="1954" y="12578"/>
-                  </a:lnTo>
-                  <a:lnTo>
-                    <a:pt x="2199" y="12847"/>
-                  </a:lnTo>
-                  <a:lnTo>
-                    <a:pt x="2467" y="13091"/>
-                  </a:lnTo>
-                  <a:lnTo>
-                    <a:pt x="2736" y="13335"/>
-                  </a:lnTo>
-                  <a:lnTo>
-                    <a:pt x="3029" y="13555"/>
-                  </a:lnTo>
-                  <a:lnTo>
-                    <a:pt x="3322" y="13750"/>
-                  </a:lnTo>
-                  <a:lnTo>
-                    <a:pt x="3615" y="13946"/>
-                  </a:lnTo>
-                  <a:lnTo>
-                    <a:pt x="3933" y="14141"/>
-                  </a:lnTo>
-                  <a:lnTo>
-                    <a:pt x="4250" y="14312"/>
-                  </a:lnTo>
-                  <a:lnTo>
-                    <a:pt x="4592" y="14459"/>
-                  </a:lnTo>
-                  <a:lnTo>
-                    <a:pt x="4934" y="14581"/>
-                  </a:lnTo>
-                  <a:lnTo>
-                    <a:pt x="5276" y="14703"/>
-                  </a:lnTo>
-                  <a:lnTo>
-                    <a:pt x="5642" y="14801"/>
-                  </a:lnTo>
-                  <a:lnTo>
-                    <a:pt x="6009" y="14898"/>
-                  </a:lnTo>
-                  <a:lnTo>
-                    <a:pt x="6375" y="14947"/>
-                  </a:lnTo>
-                  <a:lnTo>
-                    <a:pt x="6766" y="14996"/>
-                  </a:lnTo>
-                  <a:lnTo>
-                    <a:pt x="7132" y="15045"/>
-                  </a:lnTo>
-                  <a:lnTo>
-                    <a:pt x="7914" y="15045"/>
-                  </a:lnTo>
-                  <a:lnTo>
-                    <a:pt x="8280" y="14996"/>
-                  </a:lnTo>
-                  <a:lnTo>
-                    <a:pt x="8671" y="14947"/>
-                  </a:lnTo>
-                  <a:lnTo>
-                    <a:pt x="9037" y="14898"/>
-                  </a:lnTo>
-                  <a:lnTo>
-                    <a:pt x="9403" y="14801"/>
-                  </a:lnTo>
-                  <a:lnTo>
-                    <a:pt x="9770" y="14703"/>
-                  </a:lnTo>
-                  <a:lnTo>
-                    <a:pt x="10112" y="14581"/>
-                  </a:lnTo>
-                  <a:lnTo>
-                    <a:pt x="10454" y="14459"/>
-                  </a:lnTo>
-                  <a:lnTo>
-                    <a:pt x="10795" y="14312"/>
-                  </a:lnTo>
-                  <a:lnTo>
-                    <a:pt x="11113" y="14141"/>
-                  </a:lnTo>
-                  <a:lnTo>
-                    <a:pt x="11430" y="13946"/>
-                  </a:lnTo>
-                  <a:lnTo>
-                    <a:pt x="11724" y="13750"/>
-                  </a:lnTo>
-                  <a:lnTo>
-                    <a:pt x="12017" y="13555"/>
-                  </a:lnTo>
-                  <a:lnTo>
-                    <a:pt x="12310" y="13335"/>
-                  </a:lnTo>
-                  <a:lnTo>
-                    <a:pt x="12578" y="13091"/>
-                  </a:lnTo>
-                  <a:lnTo>
-                    <a:pt x="12847" y="12847"/>
-                  </a:lnTo>
-                  <a:lnTo>
-                    <a:pt x="13091" y="12578"/>
-                  </a:lnTo>
-                  <a:lnTo>
-                    <a:pt x="13335" y="12309"/>
-                  </a:lnTo>
-                  <a:lnTo>
-                    <a:pt x="13555" y="12016"/>
-                  </a:lnTo>
-                  <a:lnTo>
-                    <a:pt x="13751" y="11723"/>
-                  </a:lnTo>
-                  <a:lnTo>
-                    <a:pt x="13946" y="11430"/>
-                  </a:lnTo>
-                  <a:lnTo>
-                    <a:pt x="14141" y="11113"/>
-                  </a:lnTo>
-                  <a:lnTo>
-                    <a:pt x="14312" y="10795"/>
-                  </a:lnTo>
-                  <a:lnTo>
-                    <a:pt x="14459" y="10453"/>
-                  </a:lnTo>
-                  <a:lnTo>
-                    <a:pt x="14581" y="10111"/>
-                  </a:lnTo>
-                  <a:lnTo>
-                    <a:pt x="14703" y="9769"/>
-                  </a:lnTo>
-                  <a:lnTo>
-                    <a:pt x="14801" y="9403"/>
-                  </a:lnTo>
-                  <a:lnTo>
-                    <a:pt x="14899" y="9037"/>
-                  </a:lnTo>
-                  <a:lnTo>
-                    <a:pt x="14947" y="8670"/>
-                  </a:lnTo>
-                  <a:lnTo>
-                    <a:pt x="14996" y="8280"/>
-                  </a:lnTo>
-                  <a:lnTo>
-                    <a:pt x="15045" y="7913"/>
-                  </a:lnTo>
-                  <a:lnTo>
-                    <a:pt x="15045" y="7522"/>
-                  </a:lnTo>
-                  <a:lnTo>
-                    <a:pt x="7523" y="7522"/>
-                  </a:lnTo>
-                  <a:lnTo>
-                    <a:pt x="7523" y="0"/>
-                  </a:lnTo>
-                  <a:close/>
-                </a:path>
-              </a:pathLst>
-            </a:custGeom>
-            <a:solidFill>
-              <a:srgbClr val="000000"/>
-            </a:solidFill>
-            <a:ln>
-              <a:noFill/>
-            </a:ln>
-          </p:spPr>
-          <p:txBody>
-            <a:bodyPr spcFirstLastPara="1" wrap="square" lIns="91425" tIns="91425" rIns="91425" bIns="91425" anchor="ctr" anchorCtr="0">
-              <a:noAutofit/>
-            </a:bodyPr>
-            <a:lstStyle/>
-            <a:p>
-              <a:pPr marL="0" lvl="0" indent="0" algn="l" rtl="0">
-                <a:spcBef>
-                  <a:spcPts val="0"/>
-                </a:spcBef>
-                <a:spcAft>
-                  <a:spcPts val="0"/>
-                </a:spcAft>
-                <a:buNone/>
-              </a:pPr>
-              <a:endParaRPr/>
-            </a:p>
-          </p:txBody>
-        </p:sp>
-        <p:sp>
-          <p:nvSpPr>
-            <p:cNvPr id="190" name="Google Shape;190;p24"/>
-            <p:cNvSpPr/>
-            <p:nvPr/>
-          </p:nvSpPr>
-          <p:spPr>
-            <a:xfrm>
-              <a:off x="3494925" y="3760525"/>
-              <a:ext cx="188075" cy="97100"/>
-            </a:xfrm>
-            <a:custGeom>
-              <a:avLst/>
-              <a:gdLst/>
-              <a:ahLst/>
-              <a:cxnLst/>
-              <a:rect l="l" t="t" r="r" b="b"/>
-              <a:pathLst>
-                <a:path w="7523" h="3884" extrusionOk="0">
-                  <a:moveTo>
-                    <a:pt x="2491" y="2956"/>
-                  </a:moveTo>
-                  <a:lnTo>
-                    <a:pt x="2491" y="3396"/>
-                  </a:lnTo>
-                  <a:lnTo>
-                    <a:pt x="1759" y="3396"/>
-                  </a:lnTo>
-                  <a:lnTo>
-                    <a:pt x="2491" y="2956"/>
-                  </a:lnTo>
-                  <a:close/>
-                  <a:moveTo>
-                    <a:pt x="3346" y="2443"/>
-                  </a:moveTo>
-                  <a:lnTo>
-                    <a:pt x="3346" y="3396"/>
-                  </a:lnTo>
-                  <a:lnTo>
-                    <a:pt x="2980" y="3396"/>
-                  </a:lnTo>
-                  <a:lnTo>
-                    <a:pt x="2980" y="2663"/>
-                  </a:lnTo>
-                  <a:lnTo>
-                    <a:pt x="3346" y="2443"/>
-                  </a:lnTo>
-                  <a:close/>
-                  <a:moveTo>
-                    <a:pt x="4201" y="1930"/>
-                  </a:moveTo>
-                  <a:lnTo>
-                    <a:pt x="4201" y="3396"/>
-                  </a:lnTo>
-                  <a:lnTo>
-                    <a:pt x="3835" y="3396"/>
-                  </a:lnTo>
-                  <a:lnTo>
-                    <a:pt x="3835" y="2150"/>
-                  </a:lnTo>
-                  <a:lnTo>
-                    <a:pt x="3835" y="2150"/>
-                  </a:lnTo>
-                  <a:lnTo>
-                    <a:pt x="4201" y="1930"/>
-                  </a:lnTo>
-                  <a:close/>
-                  <a:moveTo>
-                    <a:pt x="5056" y="1393"/>
-                  </a:moveTo>
-                  <a:lnTo>
-                    <a:pt x="5056" y="3396"/>
-                  </a:lnTo>
-                  <a:lnTo>
-                    <a:pt x="4689" y="3396"/>
-                  </a:lnTo>
-                  <a:lnTo>
-                    <a:pt x="4689" y="1637"/>
-                  </a:lnTo>
-                  <a:lnTo>
-                    <a:pt x="5056" y="1393"/>
-                  </a:lnTo>
-                  <a:close/>
-                  <a:moveTo>
-                    <a:pt x="5911" y="885"/>
-                  </a:moveTo>
-                  <a:lnTo>
-                    <a:pt x="5911" y="3396"/>
-                  </a:lnTo>
-                  <a:lnTo>
-                    <a:pt x="5544" y="3396"/>
-                  </a:lnTo>
-                  <a:lnTo>
-                    <a:pt x="5544" y="1100"/>
-                  </a:lnTo>
-                  <a:lnTo>
-                    <a:pt x="5911" y="885"/>
-                  </a:lnTo>
-                  <a:close/>
-                  <a:moveTo>
-                    <a:pt x="6399" y="978"/>
-                  </a:moveTo>
-                  <a:lnTo>
-                    <a:pt x="6619" y="1539"/>
-                  </a:lnTo>
-                  <a:lnTo>
-                    <a:pt x="6790" y="2031"/>
-                  </a:lnTo>
-                  <a:lnTo>
-                    <a:pt x="6790" y="3396"/>
-                  </a:lnTo>
-                  <a:lnTo>
-                    <a:pt x="6399" y="3396"/>
-                  </a:lnTo>
-                  <a:lnTo>
-                    <a:pt x="6399" y="978"/>
-                  </a:lnTo>
-                  <a:close/>
-                  <a:moveTo>
-                    <a:pt x="6448" y="1"/>
-                  </a:moveTo>
-                  <a:lnTo>
-                    <a:pt x="0" y="3884"/>
-                  </a:lnTo>
-                  <a:lnTo>
-                    <a:pt x="7523" y="3884"/>
-                  </a:lnTo>
-                  <a:lnTo>
-                    <a:pt x="7498" y="3347"/>
-                  </a:lnTo>
-                  <a:lnTo>
-                    <a:pt x="7449" y="2834"/>
-                  </a:lnTo>
-                  <a:lnTo>
-                    <a:pt x="7352" y="2321"/>
-                  </a:lnTo>
-                  <a:lnTo>
-                    <a:pt x="7229" y="1832"/>
-                  </a:lnTo>
-                  <a:lnTo>
-                    <a:pt x="7083" y="1344"/>
-                  </a:lnTo>
-                  <a:lnTo>
-                    <a:pt x="6912" y="880"/>
-                  </a:lnTo>
-                  <a:lnTo>
-                    <a:pt x="6692" y="440"/>
-                  </a:lnTo>
-                  <a:lnTo>
-                    <a:pt x="6448" y="1"/>
-                  </a:lnTo>
-                  <a:close/>
-                </a:path>
-              </a:pathLst>
-            </a:custGeom>
-            <a:solidFill>
-              <a:srgbClr val="000000"/>
-            </a:solidFill>
-            <a:ln>
-              <a:noFill/>
-            </a:ln>
-          </p:spPr>
-          <p:txBody>
-            <a:bodyPr spcFirstLastPara="1" wrap="square" lIns="91425" tIns="91425" rIns="91425" bIns="91425" anchor="ctr" anchorCtr="0">
-              <a:noAutofit/>
-            </a:bodyPr>
-            <a:lstStyle/>
-            <a:p>
-              <a:pPr marL="0" lvl="0" indent="0" algn="l" rtl="0">
-                <a:spcBef>
-                  <a:spcPts val="0"/>
-                </a:spcBef>
-                <a:spcAft>
-                  <a:spcPts val="0"/>
-                </a:spcAft>
-                <a:buNone/>
-              </a:pPr>
-              <a:endParaRPr/>
-            </a:p>
-          </p:txBody>
-        </p:sp>
-        <p:sp>
-          <p:nvSpPr>
-            <p:cNvPr id="191" name="Google Shape;191;p24"/>
-            <p:cNvSpPr/>
-            <p:nvPr/>
-          </p:nvSpPr>
-          <p:spPr>
-            <a:xfrm>
-              <a:off x="3494925" y="3652450"/>
-              <a:ext cx="161200" cy="188100"/>
-            </a:xfrm>
-            <a:custGeom>
-              <a:avLst/>
-              <a:gdLst/>
-              <a:ahLst/>
-              <a:cxnLst/>
-              <a:rect l="l" t="t" r="r" b="b"/>
-              <a:pathLst>
-                <a:path w="6448" h="7524" extrusionOk="0">
-                  <a:moveTo>
-                    <a:pt x="489" y="514"/>
-                  </a:moveTo>
-                  <a:lnTo>
-                    <a:pt x="879" y="538"/>
-                  </a:lnTo>
-                  <a:lnTo>
-                    <a:pt x="1270" y="611"/>
-                  </a:lnTo>
-                  <a:lnTo>
-                    <a:pt x="1661" y="685"/>
-                  </a:lnTo>
-                  <a:lnTo>
-                    <a:pt x="2052" y="782"/>
-                  </a:lnTo>
-                  <a:lnTo>
-                    <a:pt x="2418" y="929"/>
-                  </a:lnTo>
-                  <a:lnTo>
-                    <a:pt x="2809" y="1075"/>
-                  </a:lnTo>
-                  <a:lnTo>
-                    <a:pt x="3151" y="1246"/>
-                  </a:lnTo>
-                  <a:lnTo>
-                    <a:pt x="3517" y="1417"/>
-                  </a:lnTo>
-                  <a:lnTo>
-                    <a:pt x="3835" y="1637"/>
-                  </a:lnTo>
-                  <a:lnTo>
-                    <a:pt x="4152" y="1857"/>
-                  </a:lnTo>
-                  <a:lnTo>
-                    <a:pt x="4445" y="2077"/>
-                  </a:lnTo>
-                  <a:lnTo>
-                    <a:pt x="4738" y="2321"/>
-                  </a:lnTo>
-                  <a:lnTo>
-                    <a:pt x="5031" y="2590"/>
-                  </a:lnTo>
-                  <a:lnTo>
-                    <a:pt x="5276" y="2883"/>
-                  </a:lnTo>
-                  <a:lnTo>
-                    <a:pt x="5520" y="3176"/>
-                  </a:lnTo>
-                  <a:lnTo>
-                    <a:pt x="5764" y="3493"/>
-                  </a:lnTo>
-                  <a:lnTo>
-                    <a:pt x="489" y="6668"/>
-                  </a:lnTo>
-                  <a:lnTo>
-                    <a:pt x="489" y="514"/>
-                  </a:lnTo>
-                  <a:close/>
-                  <a:moveTo>
-                    <a:pt x="0" y="1"/>
-                  </a:moveTo>
-                  <a:lnTo>
-                    <a:pt x="0" y="7523"/>
-                  </a:lnTo>
-                  <a:lnTo>
-                    <a:pt x="6448" y="3640"/>
-                  </a:lnTo>
-                  <a:lnTo>
-                    <a:pt x="6179" y="3249"/>
-                  </a:lnTo>
-                  <a:lnTo>
-                    <a:pt x="5911" y="2858"/>
-                  </a:lnTo>
-                  <a:lnTo>
-                    <a:pt x="5593" y="2492"/>
-                  </a:lnTo>
-                  <a:lnTo>
-                    <a:pt x="5276" y="2150"/>
-                  </a:lnTo>
-                  <a:lnTo>
-                    <a:pt x="4909" y="1833"/>
-                  </a:lnTo>
-                  <a:lnTo>
-                    <a:pt x="4543" y="1540"/>
-                  </a:lnTo>
-                  <a:lnTo>
-                    <a:pt x="4152" y="1246"/>
-                  </a:lnTo>
-                  <a:lnTo>
-                    <a:pt x="3761" y="1002"/>
-                  </a:lnTo>
-                  <a:lnTo>
-                    <a:pt x="3322" y="782"/>
-                  </a:lnTo>
-                  <a:lnTo>
-                    <a:pt x="2882" y="587"/>
-                  </a:lnTo>
-                  <a:lnTo>
-                    <a:pt x="2443" y="416"/>
-                  </a:lnTo>
-                  <a:lnTo>
-                    <a:pt x="1978" y="270"/>
-                  </a:lnTo>
-                  <a:lnTo>
-                    <a:pt x="1490" y="147"/>
-                  </a:lnTo>
-                  <a:lnTo>
-                    <a:pt x="1002" y="74"/>
-                  </a:lnTo>
-                  <a:lnTo>
-                    <a:pt x="513" y="25"/>
-                  </a:lnTo>
-                  <a:lnTo>
-                    <a:pt x="0" y="1"/>
-                  </a:lnTo>
-                  <a:close/>
-                </a:path>
-              </a:pathLst>
-            </a:custGeom>
-            <a:solidFill>
-              <a:srgbClr val="000000"/>
-            </a:solidFill>
-            <a:ln>
-              <a:noFill/>
-            </a:ln>
-          </p:spPr>
-          <p:txBody>
-            <a:bodyPr spcFirstLastPara="1" wrap="square" lIns="91425" tIns="91425" rIns="91425" bIns="91425" anchor="ctr" anchorCtr="0">
-              <a:noAutofit/>
-            </a:bodyPr>
-            <a:lstStyle/>
-            <a:p>
-              <a:pPr marL="0" lvl="0" indent="0" algn="l" rtl="0">
-                <a:spcBef>
-                  <a:spcPts val="0"/>
-                </a:spcBef>
-                <a:spcAft>
-                  <a:spcPts val="0"/>
-                </a:spcAft>
-                <a:buNone/>
-              </a:pPr>
-              <a:endParaRPr/>
-            </a:p>
-          </p:txBody>
-        </p:sp>
-      </p:grpSp>
-      <p:sp>
-        <p:nvSpPr>
-          <p:cNvPr id="192" name="Google Shape;192;p24"/>
-          <p:cNvSpPr txBox="1">
-            <a:spLocks noGrp="1"/>
-          </p:cNvSpPr>
-          <p:nvPr>
-            <p:ph type="sldNum" idx="12"/>
-          </p:nvPr>
-        </p:nvSpPr>
-        <p:spPr>
-          <a:xfrm>
-            <a:off x="8159499" y="4393278"/>
-            <a:ext cx="548700" cy="393600"/>
-          </a:xfrm>
-          <a:prstGeom prst="rect">
-            <a:avLst/>
-          </a:prstGeom>
-        </p:spPr>
-        <p:txBody>
-          <a:bodyPr spcFirstLastPara="1" wrap="square" lIns="91425" tIns="91425" rIns="91425" bIns="91425" anchor="ctr" anchorCtr="0">
-            <a:noAutofit/>
-          </a:bodyPr>
-          <a:lstStyle/>
-          <a:p>
-            <a:pPr marL="0" lvl="0" indent="0" algn="r" rtl="0">
-              <a:spcBef>
-                <a:spcPts val="0"/>
-              </a:spcBef>
-              <a:spcAft>
-                <a:spcPts val="0"/>
-              </a:spcAft>
-              <a:buNone/>
-            </a:pPr>
-            <a:fld id="{00000000-1234-1234-1234-123412341234}" type="slidenum">
-              <a:rPr lang="en"/>
-              <a:t>11</a:t>
-            </a:fld>
-            <a:endParaRPr/>
-          </a:p>
-        </p:txBody>
-      </p:sp>
-      <p:pic>
-        <p:nvPicPr>
-          <p:cNvPr id="2" name="Picture 1"/>
-          <p:cNvPicPr>
-            <a:picLocks noChangeAspect="1"/>
-          </p:cNvPicPr>
-          <p:nvPr/>
-        </p:nvPicPr>
-        <p:blipFill>
-          <a:blip r:embed="rId3"/>
-          <a:stretch>
-            <a:fillRect/>
-          </a:stretch>
-        </p:blipFill>
-        <p:spPr>
-          <a:xfrm>
-            <a:off x="1611504" y="1268997"/>
-            <a:ext cx="5589396" cy="3436009"/>
-          </a:xfrm>
-          <a:prstGeom prst="rect">
-            <a:avLst/>
-          </a:prstGeom>
-        </p:spPr>
-      </p:pic>
-    </p:spTree>
-  </p:cSld>
-  <p:clrMapOvr>
-    <a:masterClrMapping/>
-  </p:clrMapOvr>
-</p:sld>
-</file>
-
-<file path=ppt/slides/slide12.xml><?xml version="1.0" encoding="utf-8"?>
 <p:sld xmlns:a="http://schemas.openxmlformats.org/drawingml/2006/main" xmlns:r="http://schemas.openxmlformats.org/officeDocument/2006/relationships" xmlns:p="http://schemas.openxmlformats.org/presentationml/2006/main">
   <p:cSld>
     <p:spTree>
@@ -10364,7 +7561,7 @@
             </a:pPr>
             <a:fld id="{00000000-1234-1234-1234-123412341234}" type="slidenum">
               <a:rPr lang="en"/>
-              <a:t>12</a:t>
+              <a:t>10</a:t>
             </a:fld>
             <a:endParaRPr/>
           </a:p>
@@ -10474,7 +7671,7 @@
 </p:sld>
 </file>
 
-<file path=ppt/slides/slide13.xml><?xml version="1.0" encoding="utf-8"?>
+<file path=ppt/slides/slide11.xml><?xml version="1.0" encoding="utf-8"?>
 <p:sld xmlns:a="http://schemas.openxmlformats.org/drawingml/2006/main" xmlns:r="http://schemas.openxmlformats.org/officeDocument/2006/relationships" xmlns:p="http://schemas.openxmlformats.org/presentationml/2006/main">
   <p:cSld>
     <p:spTree>
@@ -11437,7 +8634,7 @@
             </a:pPr>
             <a:fld id="{00000000-1234-1234-1234-123412341234}" type="slidenum">
               <a:rPr lang="en"/>
-              <a:t>13</a:t>
+              <a:t>11</a:t>
             </a:fld>
             <a:endParaRPr/>
           </a:p>
@@ -12811,6 +10008,13 @@
   <p:clrMapOvr>
     <a:masterClrMapping/>
   </p:clrMapOvr>
+  <p:timing>
+    <p:tnLst>
+      <p:par>
+        <p:cTn id="1" dur="indefinite" restart="never" nodeType="tmRoot"/>
+      </p:par>
+    </p:tnLst>
+  </p:timing>
 </p:sld>
 </file>
 
@@ -13198,6 +10402,13 @@
   <p:clrMapOvr>
     <a:masterClrMapping/>
   </p:clrMapOvr>
+  <p:timing>
+    <p:tnLst>
+      <p:par>
+        <p:cTn id="1" dur="indefinite" restart="never" nodeType="tmRoot"/>
+      </p:par>
+    </p:tnLst>
+  </p:timing>
 </p:sld>
 </file>
 
@@ -13374,6 +10585,13 @@
   <p:clrMapOvr>
     <a:masterClrMapping/>
   </p:clrMapOvr>
+  <p:timing>
+    <p:tnLst>
+      <p:par>
+        <p:cTn id="1" dur="indefinite" restart="never" nodeType="tmRoot"/>
+      </p:par>
+    </p:tnLst>
+  </p:timing>
 </p:sld>
 </file>
 
@@ -13406,8 +10624,8 @@
         </p:nvSpPr>
         <p:spPr>
           <a:xfrm>
-            <a:off x="2296014" y="1425031"/>
-            <a:ext cx="5617001" cy="3062177"/>
+            <a:off x="2296014" y="581891"/>
+            <a:ext cx="5617001" cy="3905317"/>
           </a:xfrm>
           <a:prstGeom prst="rect">
             <a:avLst/>
@@ -13438,60 +10656,226 @@
             </a:r>
           </a:p>
           <a:p>
-            <a:pPr lvl="0" indent="-457200" rtl="0">
-              <a:spcBef>
-                <a:spcPts val="600"/>
-              </a:spcBef>
-              <a:spcAft>
-                <a:spcPts val="0"/>
-              </a:spcAft>
-              <a:buAutoNum type="arabicPeriod"/>
+            <a:pPr marL="0" lvl="0" indent="0">
+              <a:buNone/>
             </a:pPr>
             <a:r>
-              <a:rPr lang="en-US" sz="2500" dirty="0" smtClean="0"/>
-              <a:t>Khảo sát thực tế</a:t>
+              <a:rPr lang="vi-VN" sz="1600" i="0" dirty="0">
+                <a:latin typeface="+mj-lt"/>
+              </a:rPr>
+              <a:t>Cửa hàng mua bán điện thoại di động </a:t>
+            </a:r>
+            <a:r>
+              <a:rPr lang="vi-VN" sz="1600" i="0" dirty="0" smtClean="0">
+                <a:latin typeface="+mj-lt"/>
+              </a:rPr>
+              <a:t>muốn </a:t>
+            </a:r>
+            <a:r>
+              <a:rPr lang="vi-VN" sz="1600" i="0" dirty="0">
+                <a:latin typeface="+mj-lt"/>
+              </a:rPr>
+              <a:t>xây dựng một trang web </a:t>
+            </a:r>
+            <a:r>
+              <a:rPr lang="vi-VN" sz="1600" i="0" dirty="0" smtClean="0">
+                <a:latin typeface="+mj-lt"/>
+              </a:rPr>
+              <a:t>bán</a:t>
+            </a:r>
+            <a:r>
+              <a:rPr lang="en-US" sz="1600" i="0" dirty="0" smtClean="0">
+                <a:latin typeface="+mj-lt"/>
+              </a:rPr>
+              <a:t> </a:t>
+            </a:r>
+            <a:r>
+              <a:rPr lang="vi-VN" sz="1600" i="0" dirty="0" smtClean="0">
+                <a:latin typeface="+mj-lt"/>
+              </a:rPr>
+              <a:t>điện </a:t>
+            </a:r>
+            <a:r>
+              <a:rPr lang="vi-VN" sz="1600" i="0" dirty="0">
+                <a:latin typeface="+mj-lt"/>
+              </a:rPr>
+              <a:t>thoại di động trên mạng với một số chức năng cơ bản </a:t>
+            </a:r>
+            <a:r>
+              <a:rPr lang="vi-VN" sz="1600" i="0" dirty="0" smtClean="0">
+                <a:latin typeface="+mj-lt"/>
+              </a:rPr>
+              <a:t>nh</a:t>
+            </a:r>
+            <a:r>
+              <a:rPr lang="en-US" sz="1600" i="0" dirty="0" smtClean="0">
+                <a:latin typeface="Times New Roman" panose="02020603050405020304" pitchFamily="18" charset="0"/>
+                <a:cs typeface="Times New Roman" panose="02020603050405020304" pitchFamily="18" charset="0"/>
+              </a:rPr>
+              <a:t>ất</a:t>
+            </a:r>
+            <a:r>
+              <a:rPr lang="vi-VN" sz="1600" i="0" dirty="0" smtClean="0">
+                <a:latin typeface="+mj-lt"/>
+              </a:rPr>
+              <a:t>:</a:t>
+            </a:r>
+            <a:r>
+              <a:rPr lang="vi-VN" sz="1600" i="0" dirty="0">
+                <a:latin typeface="+mj-lt"/>
+              </a:rPr>
+              <a:t/>
+            </a:r>
+            <a:br>
+              <a:rPr lang="vi-VN" sz="1600" i="0" dirty="0">
+                <a:latin typeface="+mj-lt"/>
+              </a:rPr>
+            </a:br>
+            <a:r>
+              <a:rPr lang="vi-VN" sz="1600" i="0" dirty="0">
+                <a:latin typeface="+mj-lt"/>
+              </a:rPr>
+              <a:t>- Giới thiệu </a:t>
+            </a:r>
+            <a:r>
+              <a:rPr lang="vi-VN" sz="1600" i="0" dirty="0" smtClean="0">
+                <a:latin typeface="+mj-lt"/>
+              </a:rPr>
+              <a:t>về </a:t>
+            </a:r>
+            <a:r>
+              <a:rPr lang="vi-VN" sz="1600" i="0" dirty="0">
+                <a:latin typeface="+mj-lt"/>
+              </a:rPr>
+              <a:t>các mẫu điện thoại.</a:t>
+            </a:r>
+            <a:br>
+              <a:rPr lang="vi-VN" sz="1600" i="0" dirty="0">
+                <a:latin typeface="+mj-lt"/>
+              </a:rPr>
+            </a:br>
+            <a:r>
+              <a:rPr lang="vi-VN" sz="1600" i="0" dirty="0">
+                <a:latin typeface="+mj-lt"/>
+              </a:rPr>
+              <a:t>- Các thông tin có liên quan và giá đi kèm</a:t>
+            </a:r>
+            <a:r>
+              <a:rPr lang="vi-VN" sz="1600" i="0" dirty="0" smtClean="0">
+                <a:latin typeface="+mj-lt"/>
+              </a:rPr>
+              <a:t>.</a:t>
+            </a:r>
+            <a:r>
+              <a:rPr lang="vi-VN" sz="1600" i="0" dirty="0">
+                <a:latin typeface="+mj-lt"/>
+              </a:rPr>
+              <a:t/>
+            </a:r>
+            <a:br>
+              <a:rPr lang="vi-VN" sz="1600" i="0" dirty="0">
+                <a:latin typeface="+mj-lt"/>
+              </a:rPr>
+            </a:br>
+            <a:r>
+              <a:rPr lang="vi-VN" sz="1600" i="0" dirty="0">
+                <a:latin typeface="+mj-lt"/>
+              </a:rPr>
+              <a:t>- Một số chức năng tìm </a:t>
+            </a:r>
+            <a:r>
+              <a:rPr lang="vi-VN" sz="1600" i="0" dirty="0" smtClean="0">
+                <a:latin typeface="+mj-lt"/>
+              </a:rPr>
+              <a:t>kiếm</a:t>
+            </a:r>
+            <a:r>
+              <a:rPr lang="en-US" sz="1600" i="0" dirty="0" smtClean="0">
+                <a:latin typeface="+mj-lt"/>
+              </a:rPr>
+              <a:t>, </a:t>
+            </a:r>
+            <a:r>
+              <a:rPr lang="en-US" sz="1600" i="0" dirty="0" smtClean="0">
+                <a:latin typeface="Times New Roman" panose="02020603050405020304" pitchFamily="18" charset="0"/>
+                <a:cs typeface="Times New Roman" panose="02020603050405020304" pitchFamily="18" charset="0"/>
+              </a:rPr>
+              <a:t>thêm, sửa, xóa</a:t>
             </a:r>
           </a:p>
           <a:p>
-            <a:pPr lvl="0" indent="-457200" rtl="0">
-              <a:spcBef>
-                <a:spcPts val="600"/>
-              </a:spcBef>
-              <a:spcAft>
-                <a:spcPts val="0"/>
-              </a:spcAft>
-              <a:buAutoNum type="arabicPeriod"/>
+            <a:pPr marL="0" lvl="0" indent="0">
+              <a:buNone/>
             </a:pPr>
             <a:r>
-              <a:rPr lang="en-US" sz="2500" dirty="0" smtClean="0"/>
-              <a:t>Đánh giá hiện trạng</a:t>
+              <a:rPr lang="en-US" sz="1600" i="0" dirty="0" smtClean="0">
+                <a:latin typeface="Times New Roman" panose="02020603050405020304" pitchFamily="18" charset="0"/>
+                <a:cs typeface="Times New Roman" panose="02020603050405020304" pitchFamily="18" charset="0"/>
+              </a:rPr>
+              <a:t>Với </a:t>
             </a:r>
-          </a:p>
-          <a:p>
-            <a:pPr lvl="0" indent="-457200" rtl="0">
-              <a:spcBef>
-                <a:spcPts val="600"/>
-              </a:spcBef>
-              <a:spcAft>
-                <a:spcPts val="0"/>
-              </a:spcAft>
-              <a:buAutoNum type="arabicPeriod"/>
-            </a:pPr>
             <a:r>
-              <a:rPr lang="en-US" sz="2500" dirty="0" smtClean="0"/>
-              <a:t>Hướng giải quyết </a:t>
+              <a:rPr lang="en-US" sz="1600" i="0" dirty="0">
+                <a:latin typeface="Times New Roman" panose="02020603050405020304" pitchFamily="18" charset="0"/>
+                <a:cs typeface="Times New Roman" panose="02020603050405020304" pitchFamily="18" charset="0"/>
+              </a:rPr>
+              <a:t>website này, </a:t>
             </a:r>
-          </a:p>
-          <a:p>
-            <a:pPr marL="0" lvl="0" indent="0" algn="l" rtl="0">
-              <a:spcBef>
-                <a:spcPts val="600"/>
-              </a:spcBef>
-              <a:spcAft>
-                <a:spcPts val="0"/>
-              </a:spcAft>
-              <a:buNone/>
-            </a:pPr>
+            <a:r>
+              <a:rPr lang="en-US" sz="1600" i="0" dirty="0" smtClean="0">
+                <a:latin typeface="Times New Roman" panose="02020603050405020304" pitchFamily="18" charset="0"/>
+                <a:cs typeface="Times New Roman" panose="02020603050405020304" pitchFamily="18" charset="0"/>
+              </a:rPr>
+              <a:t>người mua </a:t>
+            </a:r>
+            <a:r>
+              <a:rPr lang="en-US" sz="1600" i="0" dirty="0">
+                <a:latin typeface="Times New Roman" panose="02020603050405020304" pitchFamily="18" charset="0"/>
+                <a:cs typeface="Times New Roman" panose="02020603050405020304" pitchFamily="18" charset="0"/>
+              </a:rPr>
+              <a:t>thay vì phải đến trực tiếp cửa hàng thì họ có thể lên mạng </a:t>
+            </a:r>
+            <a:r>
+              <a:rPr lang="en-US" sz="1600" i="0" dirty="0" smtClean="0">
+                <a:latin typeface="Times New Roman" panose="02020603050405020304" pitchFamily="18" charset="0"/>
+                <a:cs typeface="Times New Roman" panose="02020603050405020304" pitchFamily="18" charset="0"/>
+              </a:rPr>
+              <a:t>để xem </a:t>
+            </a:r>
+            <a:r>
+              <a:rPr lang="en-US" sz="1600" i="0" dirty="0">
+                <a:latin typeface="Times New Roman" panose="02020603050405020304" pitchFamily="18" charset="0"/>
+                <a:cs typeface="Times New Roman" panose="02020603050405020304" pitchFamily="18" charset="0"/>
+              </a:rPr>
+              <a:t>thông tin sản phẩm và đặt mua hàng.</a:t>
+            </a:r>
+            <a:r>
+              <a:rPr lang="en-US" sz="1600" dirty="0">
+                <a:latin typeface="Times New Roman" panose="02020603050405020304" pitchFamily="18" charset="0"/>
+                <a:cs typeface="Times New Roman" panose="02020603050405020304" pitchFamily="18" charset="0"/>
+              </a:rPr>
+              <a:t> </a:t>
+            </a:r>
+            <a:r>
+              <a:rPr lang="en-US" sz="1600" dirty="0"/>
+              <a:t/>
+            </a:r>
+            <a:br>
+              <a:rPr lang="en-US" sz="1600" dirty="0"/>
+            </a:br>
+            <a:r>
+              <a:rPr lang="vi-VN" sz="1200" dirty="0" smtClean="0">
+                <a:latin typeface="+mj-lt"/>
+              </a:rPr>
+              <a:t> </a:t>
+            </a:r>
+            <a:r>
+              <a:rPr lang="vi-VN" sz="2000" dirty="0"/>
+              <a:t/>
+            </a:r>
+            <a:br>
+              <a:rPr lang="vi-VN" sz="2000" dirty="0"/>
+            </a:br>
             <a:endParaRPr sz="2000" dirty="0"/>
           </a:p>
         </p:txBody>
@@ -13538,35 +10922,18 @@
           </a:p>
         </p:txBody>
       </p:sp>
-      <p:pic>
-        <p:nvPicPr>
-          <p:cNvPr id="4" name="Picture 3"/>
-          <p:cNvPicPr>
-            <a:picLocks noChangeAspect="1"/>
-          </p:cNvPicPr>
-          <p:nvPr/>
-        </p:nvPicPr>
-        <p:blipFill>
-          <a:blip r:embed="rId3"/>
-          <a:stretch>
-            <a:fillRect/>
-          </a:stretch>
-        </p:blipFill>
-        <p:spPr>
-          <a:xfrm>
-            <a:off x="5368641" y="3506615"/>
-            <a:ext cx="469433" cy="469433"/>
-          </a:xfrm>
-          <a:prstGeom prst="rect">
-            <a:avLst/>
-          </a:prstGeom>
-        </p:spPr>
-      </p:pic>
     </p:spTree>
   </p:cSld>
   <p:clrMapOvr>
     <a:masterClrMapping/>
   </p:clrMapOvr>
+  <p:timing>
+    <p:tnLst>
+      <p:par>
+        <p:cTn id="1" dur="indefinite" restart="never" nodeType="tmRoot"/>
+      </p:par>
+    </p:tnLst>
+  </p:timing>
 </p:sld>
 </file>
 
@@ -14282,6 +11649,13 @@
   <p:clrMapOvr>
     <a:masterClrMapping/>
   </p:clrMapOvr>
+  <p:timing>
+    <p:tnLst>
+      <p:par>
+        <p:cTn id="1" dur="indefinite" restart="never" nodeType="tmRoot"/>
+      </p:par>
+    </p:tnLst>
+  </p:timing>
 </p:sld>
 </file>
 
@@ -14637,7 +12011,7 @@
                 <a:ea typeface="Open Sans" panose="020B0606030504020204" pitchFamily="34" charset="0"/>
                 <a:cs typeface="Open Sans" panose="020B0606030504020204" pitchFamily="34" charset="0"/>
               </a:rPr>
-              <a:t>hàng: gồm </a:t>
+              <a:t>hàng </a:t>
             </a:r>
             <a:r>
               <a:rPr lang="en-US" sz="1200" dirty="0">
@@ -14680,18 +12054,7 @@
                 <a:ea typeface="Open Sans" panose="020B0606030504020204" pitchFamily="34" charset="0"/>
                 <a:cs typeface="Open Sans" panose="020B0606030504020204" pitchFamily="34" charset="0"/>
               </a:rPr>
-              <a:t>- Tác vụ gồm: Đổi </a:t>
-            </a:r>
-            <a:r>
-              <a:rPr lang="en-US" sz="1200" dirty="0">
-                <a:solidFill>
-                  <a:schemeClr val="bg1"/>
-                </a:solidFill>
-                <a:latin typeface="Open Sans" panose="020B0606030504020204" pitchFamily="34" charset="0"/>
-                <a:ea typeface="Open Sans" panose="020B0606030504020204" pitchFamily="34" charset="0"/>
-                <a:cs typeface="Open Sans" panose="020B0606030504020204" pitchFamily="34" charset="0"/>
-              </a:rPr>
-              <a:t>mật </a:t>
+              <a:t>- Tác vụ gồm: </a:t>
             </a:r>
             <a:r>
               <a:rPr lang="en-US" sz="1200" dirty="0" smtClean="0">
@@ -14702,7 +12065,29 @@
                 <a:ea typeface="Open Sans" panose="020B0606030504020204" pitchFamily="34" charset="0"/>
                 <a:cs typeface="Open Sans" panose="020B0606030504020204" pitchFamily="34" charset="0"/>
               </a:rPr>
-              <a:t>khẩu và Đăng </a:t>
+              <a:t>Đăng nhập </a:t>
+            </a:r>
+            <a:r>
+              <a:rPr lang="en-US" sz="1200" dirty="0" smtClean="0">
+                <a:solidFill>
+                  <a:schemeClr val="bg1"/>
+                </a:solidFill>
+                <a:latin typeface="Open Sans" panose="020B0606030504020204" pitchFamily="34" charset="0"/>
+                <a:ea typeface="Open Sans" panose="020B0606030504020204" pitchFamily="34" charset="0"/>
+                <a:cs typeface="Open Sans" panose="020B0606030504020204" pitchFamily="34" charset="0"/>
+              </a:rPr>
+              <a:t>và </a:t>
+            </a:r>
+            <a:r>
+              <a:rPr lang="en-US" sz="1200" dirty="0" smtClean="0">
+                <a:solidFill>
+                  <a:schemeClr val="bg1"/>
+                </a:solidFill>
+                <a:latin typeface="Open Sans" panose="020B0606030504020204" pitchFamily="34" charset="0"/>
+                <a:ea typeface="Open Sans" panose="020B0606030504020204" pitchFamily="34" charset="0"/>
+                <a:cs typeface="Open Sans" panose="020B0606030504020204" pitchFamily="34" charset="0"/>
+              </a:rPr>
+              <a:t>Đăng </a:t>
             </a:r>
             <a:r>
               <a:rPr lang="en-US" sz="1200" dirty="0">
@@ -14729,7 +12114,40 @@
                 <a:ea typeface="Open Sans" panose="020B0606030504020204" pitchFamily="34" charset="0"/>
                 <a:cs typeface="Open Sans" panose="020B0606030504020204" pitchFamily="34" charset="0"/>
               </a:rPr>
-              <a:t>Chức năng quản lý đơn hàng cho phép nhân viên có thể chỉnh sửa và quản lý tài khoản cá </a:t>
+              <a:t>Chức năng quản lý đơn hàng cho phép </a:t>
+            </a:r>
+            <a:r>
+              <a:rPr lang="en-US" sz="1200" dirty="0" smtClean="0">
+                <a:solidFill>
+                  <a:schemeClr val="bg1"/>
+                </a:solidFill>
+                <a:latin typeface="Open Sans" panose="020B0606030504020204" pitchFamily="34" charset="0"/>
+                <a:ea typeface="Open Sans" panose="020B0606030504020204" pitchFamily="34" charset="0"/>
+                <a:cs typeface="Open Sans" panose="020B0606030504020204" pitchFamily="34" charset="0"/>
+              </a:rPr>
+              <a:t>Admin</a:t>
+            </a:r>
+            <a:r>
+              <a:rPr lang="en-US" sz="1200" dirty="0" smtClean="0">
+                <a:solidFill>
+                  <a:schemeClr val="bg1"/>
+                </a:solidFill>
+                <a:latin typeface="Open Sans" panose="020B0606030504020204" pitchFamily="34" charset="0"/>
+                <a:ea typeface="Open Sans" panose="020B0606030504020204" pitchFamily="34" charset="0"/>
+                <a:cs typeface="Open Sans" panose="020B0606030504020204" pitchFamily="34" charset="0"/>
+              </a:rPr>
+              <a:t> </a:t>
+            </a:r>
+            <a:r>
+              <a:rPr lang="en-US" sz="1200" dirty="0">
+                <a:solidFill>
+                  <a:schemeClr val="bg1"/>
+                </a:solidFill>
+                <a:latin typeface="Open Sans" panose="020B0606030504020204" pitchFamily="34" charset="0"/>
+                <a:ea typeface="Open Sans" panose="020B0606030504020204" pitchFamily="34" charset="0"/>
+                <a:cs typeface="Open Sans" panose="020B0606030504020204" pitchFamily="34" charset="0"/>
+              </a:rPr>
+              <a:t>có thể chỉnh sửa và quản lý tài khoản cá </a:t>
             </a:r>
             <a:r>
               <a:rPr lang="en-US" sz="1200" dirty="0" smtClean="0">
@@ -18309,6 +15727,13 @@
   <p:clrMapOvr>
     <a:masterClrMapping/>
   </p:clrMapOvr>
+  <p:timing>
+    <p:tnLst>
+      <p:par>
+        <p:cTn id="1" dur="indefinite" restart="never" nodeType="tmRoot"/>
+      </p:par>
+    </p:tnLst>
+  </p:timing>
 </p:sld>
 </file>
 
@@ -18317,7 +15742,1111 @@
   <p:cSld>
     <p:spTree>
       <p:nvGrpSpPr>
-        <p:cNvPr id="1" name="Shape 134"/>
+        <p:cNvPr id="1" name="Shape 159"/>
+        <p:cNvGrpSpPr/>
+        <p:nvPr/>
+      </p:nvGrpSpPr>
+      <p:grpSpPr>
+        <a:xfrm>
+          <a:off x="0" y="0"/>
+          <a:ext cx="0" cy="0"/>
+          <a:chOff x="0" y="0"/>
+          <a:chExt cx="0" cy="0"/>
+        </a:xfrm>
+      </p:grpSpPr>
+      <p:pic>
+        <p:nvPicPr>
+          <p:cNvPr id="160" name="Google Shape;160;p21"/>
+          <p:cNvPicPr preferRelativeResize="0"/>
+          <p:nvPr/>
+        </p:nvPicPr>
+        <p:blipFill>
+          <a:blip r:embed="rId3">
+            <a:alphaModFix/>
+          </a:blip>
+          <a:stretch>
+            <a:fillRect/>
+          </a:stretch>
+        </p:blipFill>
+        <p:spPr>
+          <a:xfrm>
+            <a:off x="4380075" y="393446"/>
+            <a:ext cx="4368876" cy="4368876"/>
+          </a:xfrm>
+          <a:prstGeom prst="rect">
+            <a:avLst/>
+          </a:prstGeom>
+          <a:noFill/>
+          <a:ln>
+            <a:noFill/>
+          </a:ln>
+        </p:spPr>
+      </p:pic>
+      <p:sp>
+        <p:nvSpPr>
+          <p:cNvPr id="161" name="Google Shape;161;p21"/>
+          <p:cNvSpPr txBox="1">
+            <a:spLocks noGrp="1"/>
+          </p:cNvSpPr>
+          <p:nvPr>
+            <p:ph type="title"/>
+          </p:nvPr>
+        </p:nvSpPr>
+        <p:spPr>
+          <a:xfrm>
+            <a:off x="552893" y="544518"/>
+            <a:ext cx="2232837" cy="846064"/>
+          </a:xfrm>
+          <a:prstGeom prst="rect">
+            <a:avLst/>
+          </a:prstGeom>
+        </p:spPr>
+        <p:txBody>
+          <a:bodyPr spcFirstLastPara="1" wrap="square" lIns="91425" tIns="91425" rIns="91425" bIns="91425" anchor="b" anchorCtr="0">
+            <a:noAutofit/>
+          </a:bodyPr>
+          <a:lstStyle/>
+          <a:p>
+            <a:pPr marL="0" lvl="0" indent="0" algn="l" rtl="0">
+              <a:spcBef>
+                <a:spcPts val="0"/>
+              </a:spcBef>
+              <a:spcAft>
+                <a:spcPts val="0"/>
+              </a:spcAft>
+              <a:buNone/>
+            </a:pPr>
+            <a:r>
+              <a:rPr lang="en" sz="3500" dirty="0" smtClean="0"/>
+              <a:t>CHƯƠNG</a:t>
+            </a:r>
+            <a:r>
+              <a:rPr lang="en" sz="3000" dirty="0" smtClean="0"/>
+              <a:t> </a:t>
+            </a:r>
+            <a:endParaRPr sz="3000" dirty="0"/>
+          </a:p>
+        </p:txBody>
+      </p:sp>
+      <p:sp>
+        <p:nvSpPr>
+          <p:cNvPr id="162" name="Google Shape;162;p21"/>
+          <p:cNvSpPr txBox="1">
+            <a:spLocks noGrp="1"/>
+          </p:cNvSpPr>
+          <p:nvPr>
+            <p:ph type="body" idx="1"/>
+          </p:nvPr>
+        </p:nvSpPr>
+        <p:spPr>
+          <a:xfrm>
+            <a:off x="637953" y="1956324"/>
+            <a:ext cx="3742122" cy="1935191"/>
+          </a:xfrm>
+          <a:prstGeom prst="rect">
+            <a:avLst/>
+          </a:prstGeom>
+        </p:spPr>
+        <p:txBody>
+          <a:bodyPr spcFirstLastPara="1" wrap="square" lIns="91425" tIns="91425" rIns="91425" bIns="91425" anchor="t" anchorCtr="0">
+            <a:noAutofit/>
+          </a:bodyPr>
+          <a:lstStyle/>
+          <a:p>
+            <a:pPr marL="101600" indent="0">
+              <a:buNone/>
+            </a:pPr>
+            <a:r>
+              <a:rPr lang="en-US" sz="2500" b="1" dirty="0">
+                <a:latin typeface="Open Sans" panose="020B0606030504020204" pitchFamily="34" charset="0"/>
+                <a:ea typeface="Open Sans" panose="020B0606030504020204" pitchFamily="34" charset="0"/>
+                <a:cs typeface="Open Sans" panose="020B0606030504020204" pitchFamily="34" charset="0"/>
+              </a:rPr>
+              <a:t>CÀI ĐẶT TRONG </a:t>
+            </a:r>
+            <a:endParaRPr lang="en-US" sz="2500" b="1" dirty="0" smtClean="0">
+              <a:latin typeface="Open Sans" panose="020B0606030504020204" pitchFamily="34" charset="0"/>
+              <a:ea typeface="Open Sans" panose="020B0606030504020204" pitchFamily="34" charset="0"/>
+              <a:cs typeface="Open Sans" panose="020B0606030504020204" pitchFamily="34" charset="0"/>
+            </a:endParaRPr>
+          </a:p>
+          <a:p>
+            <a:pPr marL="101600" indent="0" algn="ctr">
+              <a:buNone/>
+            </a:pPr>
+            <a:r>
+              <a:rPr lang="en-US" sz="2500" b="1" dirty="0" smtClean="0">
+                <a:latin typeface="Open Sans" panose="020B0606030504020204" pitchFamily="34" charset="0"/>
+                <a:ea typeface="Open Sans" panose="020B0606030504020204" pitchFamily="34" charset="0"/>
+                <a:cs typeface="Open Sans" panose="020B0606030504020204" pitchFamily="34" charset="0"/>
+              </a:rPr>
+              <a:t> </a:t>
+            </a:r>
+            <a:r>
+              <a:rPr lang="en-US" sz="2500" dirty="0">
+                <a:latin typeface="Times New Roman" panose="02020603050405020304" pitchFamily="18" charset="0"/>
+                <a:cs typeface="Times New Roman" panose="02020603050405020304" pitchFamily="18" charset="0"/>
+                <a:hlinkClick r:id="rId4"/>
+              </a:rPr>
+              <a:t>SQL Server Management Studio</a:t>
+            </a:r>
+          </a:p>
+        </p:txBody>
+      </p:sp>
+      <p:grpSp>
+        <p:nvGrpSpPr>
+          <p:cNvPr id="163" name="Google Shape;163;p21"/>
+          <p:cNvGrpSpPr/>
+          <p:nvPr/>
+        </p:nvGrpSpPr>
+        <p:grpSpPr>
+          <a:xfrm>
+            <a:off x="7604244" y="711688"/>
+            <a:ext cx="815570" cy="678894"/>
+            <a:chOff x="1244325" y="314425"/>
+            <a:chExt cx="444525" cy="370050"/>
+          </a:xfrm>
+        </p:grpSpPr>
+        <p:sp>
+          <p:nvSpPr>
+            <p:cNvPr id="164" name="Google Shape;164;p21"/>
+            <p:cNvSpPr/>
+            <p:nvPr/>
+          </p:nvSpPr>
+          <p:spPr>
+            <a:xfrm>
+              <a:off x="1388425" y="463425"/>
+              <a:ext cx="143525" cy="143500"/>
+            </a:xfrm>
+            <a:custGeom>
+              <a:avLst/>
+              <a:gdLst/>
+              <a:ahLst/>
+              <a:cxnLst/>
+              <a:rect l="l" t="t" r="r" b="b"/>
+              <a:pathLst>
+                <a:path w="5741" h="5740" extrusionOk="0">
+                  <a:moveTo>
+                    <a:pt x="2809" y="0"/>
+                  </a:moveTo>
+                  <a:lnTo>
+                    <a:pt x="2492" y="49"/>
+                  </a:lnTo>
+                  <a:lnTo>
+                    <a:pt x="2199" y="122"/>
+                  </a:lnTo>
+                  <a:lnTo>
+                    <a:pt x="1906" y="244"/>
+                  </a:lnTo>
+                  <a:lnTo>
+                    <a:pt x="1637" y="366"/>
+                  </a:lnTo>
+                  <a:lnTo>
+                    <a:pt x="1368" y="537"/>
+                  </a:lnTo>
+                  <a:lnTo>
+                    <a:pt x="1149" y="708"/>
+                  </a:lnTo>
+                  <a:lnTo>
+                    <a:pt x="904" y="904"/>
+                  </a:lnTo>
+                  <a:lnTo>
+                    <a:pt x="709" y="1124"/>
+                  </a:lnTo>
+                  <a:lnTo>
+                    <a:pt x="538" y="1368"/>
+                  </a:lnTo>
+                  <a:lnTo>
+                    <a:pt x="367" y="1636"/>
+                  </a:lnTo>
+                  <a:lnTo>
+                    <a:pt x="245" y="1905"/>
+                  </a:lnTo>
+                  <a:lnTo>
+                    <a:pt x="147" y="2198"/>
+                  </a:lnTo>
+                  <a:lnTo>
+                    <a:pt x="74" y="2491"/>
+                  </a:lnTo>
+                  <a:lnTo>
+                    <a:pt x="25" y="2809"/>
+                  </a:lnTo>
+                  <a:lnTo>
+                    <a:pt x="1" y="3126"/>
+                  </a:lnTo>
+                  <a:lnTo>
+                    <a:pt x="25" y="3517"/>
+                  </a:lnTo>
+                  <a:lnTo>
+                    <a:pt x="98" y="3908"/>
+                  </a:lnTo>
+                  <a:lnTo>
+                    <a:pt x="221" y="4274"/>
+                  </a:lnTo>
+                  <a:lnTo>
+                    <a:pt x="392" y="4641"/>
+                  </a:lnTo>
+                  <a:lnTo>
+                    <a:pt x="611" y="4958"/>
+                  </a:lnTo>
+                  <a:lnTo>
+                    <a:pt x="856" y="5251"/>
+                  </a:lnTo>
+                  <a:lnTo>
+                    <a:pt x="1124" y="5520"/>
+                  </a:lnTo>
+                  <a:lnTo>
+                    <a:pt x="1442" y="5740"/>
+                  </a:lnTo>
+                  <a:lnTo>
+                    <a:pt x="1393" y="5422"/>
+                  </a:lnTo>
+                  <a:lnTo>
+                    <a:pt x="1368" y="5080"/>
+                  </a:lnTo>
+                  <a:lnTo>
+                    <a:pt x="1393" y="4689"/>
+                  </a:lnTo>
+                  <a:lnTo>
+                    <a:pt x="1442" y="4323"/>
+                  </a:lnTo>
+                  <a:lnTo>
+                    <a:pt x="1539" y="3957"/>
+                  </a:lnTo>
+                  <a:lnTo>
+                    <a:pt x="1662" y="3639"/>
+                  </a:lnTo>
+                  <a:lnTo>
+                    <a:pt x="1808" y="3297"/>
+                  </a:lnTo>
+                  <a:lnTo>
+                    <a:pt x="2003" y="3004"/>
+                  </a:lnTo>
+                  <a:lnTo>
+                    <a:pt x="2223" y="2711"/>
+                  </a:lnTo>
+                  <a:lnTo>
+                    <a:pt x="2468" y="2442"/>
+                  </a:lnTo>
+                  <a:lnTo>
+                    <a:pt x="2712" y="2198"/>
+                  </a:lnTo>
+                  <a:lnTo>
+                    <a:pt x="3005" y="2003"/>
+                  </a:lnTo>
+                  <a:lnTo>
+                    <a:pt x="3322" y="1807"/>
+                  </a:lnTo>
+                  <a:lnTo>
+                    <a:pt x="3640" y="1661"/>
+                  </a:lnTo>
+                  <a:lnTo>
+                    <a:pt x="3982" y="1514"/>
+                  </a:lnTo>
+                  <a:lnTo>
+                    <a:pt x="4324" y="1441"/>
+                  </a:lnTo>
+                  <a:lnTo>
+                    <a:pt x="4690" y="1368"/>
+                  </a:lnTo>
+                  <a:lnTo>
+                    <a:pt x="5423" y="1368"/>
+                  </a:lnTo>
+                  <a:lnTo>
+                    <a:pt x="5740" y="1417"/>
+                  </a:lnTo>
+                  <a:lnTo>
+                    <a:pt x="5520" y="1124"/>
+                  </a:lnTo>
+                  <a:lnTo>
+                    <a:pt x="5252" y="831"/>
+                  </a:lnTo>
+                  <a:lnTo>
+                    <a:pt x="4959" y="586"/>
+                  </a:lnTo>
+                  <a:lnTo>
+                    <a:pt x="4641" y="391"/>
+                  </a:lnTo>
+                  <a:lnTo>
+                    <a:pt x="4299" y="220"/>
+                  </a:lnTo>
+                  <a:lnTo>
+                    <a:pt x="3933" y="98"/>
+                  </a:lnTo>
+                  <a:lnTo>
+                    <a:pt x="3542" y="25"/>
+                  </a:lnTo>
+                  <a:lnTo>
+                    <a:pt x="3127" y="0"/>
+                  </a:lnTo>
+                  <a:close/>
+                </a:path>
+              </a:pathLst>
+            </a:custGeom>
+            <a:solidFill>
+              <a:srgbClr val="FFFFFF"/>
+            </a:solidFill>
+            <a:ln>
+              <a:noFill/>
+            </a:ln>
+          </p:spPr>
+          <p:txBody>
+            <a:bodyPr spcFirstLastPara="1" wrap="square" lIns="91425" tIns="91425" rIns="91425" bIns="91425" anchor="ctr" anchorCtr="0">
+              <a:noAutofit/>
+            </a:bodyPr>
+            <a:lstStyle/>
+            <a:p>
+              <a:pPr marL="0" lvl="0" indent="0" algn="l" rtl="0">
+                <a:spcBef>
+                  <a:spcPts val="0"/>
+                </a:spcBef>
+                <a:spcAft>
+                  <a:spcPts val="0"/>
+                </a:spcAft>
+                <a:buNone/>
+              </a:pPr>
+              <a:endParaRPr>
+                <a:solidFill>
+                  <a:srgbClr val="FFFFFF"/>
+                </a:solidFill>
+              </a:endParaRPr>
+            </a:p>
+          </p:txBody>
+        </p:sp>
+        <p:sp>
+          <p:nvSpPr>
+            <p:cNvPr id="165" name="Google Shape;165;p21"/>
+            <p:cNvSpPr/>
+            <p:nvPr/>
+          </p:nvSpPr>
+          <p:spPr>
+            <a:xfrm>
+              <a:off x="1244325" y="314425"/>
+              <a:ext cx="444525" cy="370050"/>
+            </a:xfrm>
+            <a:custGeom>
+              <a:avLst/>
+              <a:gdLst/>
+              <a:ahLst/>
+              <a:cxnLst/>
+              <a:rect l="l" t="t" r="r" b="b"/>
+              <a:pathLst>
+                <a:path w="17781" h="14802" extrusionOk="0">
+                  <a:moveTo>
+                    <a:pt x="11748" y="2101"/>
+                  </a:moveTo>
+                  <a:lnTo>
+                    <a:pt x="11846" y="2126"/>
+                  </a:lnTo>
+                  <a:lnTo>
+                    <a:pt x="11919" y="2175"/>
+                  </a:lnTo>
+                  <a:lnTo>
+                    <a:pt x="11968" y="2248"/>
+                  </a:lnTo>
+                  <a:lnTo>
+                    <a:pt x="11993" y="2346"/>
+                  </a:lnTo>
+                  <a:lnTo>
+                    <a:pt x="11968" y="2419"/>
+                  </a:lnTo>
+                  <a:lnTo>
+                    <a:pt x="11919" y="2492"/>
+                  </a:lnTo>
+                  <a:lnTo>
+                    <a:pt x="11846" y="2541"/>
+                  </a:lnTo>
+                  <a:lnTo>
+                    <a:pt x="11748" y="2565"/>
+                  </a:lnTo>
+                  <a:lnTo>
+                    <a:pt x="6033" y="2565"/>
+                  </a:lnTo>
+                  <a:lnTo>
+                    <a:pt x="5936" y="2541"/>
+                  </a:lnTo>
+                  <a:lnTo>
+                    <a:pt x="5862" y="2492"/>
+                  </a:lnTo>
+                  <a:lnTo>
+                    <a:pt x="5814" y="2419"/>
+                  </a:lnTo>
+                  <a:lnTo>
+                    <a:pt x="5789" y="2346"/>
+                  </a:lnTo>
+                  <a:lnTo>
+                    <a:pt x="5814" y="2248"/>
+                  </a:lnTo>
+                  <a:lnTo>
+                    <a:pt x="5862" y="2175"/>
+                  </a:lnTo>
+                  <a:lnTo>
+                    <a:pt x="5936" y="2126"/>
+                  </a:lnTo>
+                  <a:lnTo>
+                    <a:pt x="6033" y="2101"/>
+                  </a:lnTo>
+                  <a:close/>
+                  <a:moveTo>
+                    <a:pt x="15949" y="4519"/>
+                  </a:moveTo>
+                  <a:lnTo>
+                    <a:pt x="16047" y="4568"/>
+                  </a:lnTo>
+                  <a:lnTo>
+                    <a:pt x="16145" y="4592"/>
+                  </a:lnTo>
+                  <a:lnTo>
+                    <a:pt x="16193" y="4666"/>
+                  </a:lnTo>
+                  <a:lnTo>
+                    <a:pt x="16267" y="4739"/>
+                  </a:lnTo>
+                  <a:lnTo>
+                    <a:pt x="16316" y="4812"/>
+                  </a:lnTo>
+                  <a:lnTo>
+                    <a:pt x="16340" y="4910"/>
+                  </a:lnTo>
+                  <a:lnTo>
+                    <a:pt x="16340" y="5008"/>
+                  </a:lnTo>
+                  <a:lnTo>
+                    <a:pt x="16340" y="5789"/>
+                  </a:lnTo>
+                  <a:lnTo>
+                    <a:pt x="16340" y="5887"/>
+                  </a:lnTo>
+                  <a:lnTo>
+                    <a:pt x="16316" y="5985"/>
+                  </a:lnTo>
+                  <a:lnTo>
+                    <a:pt x="16267" y="6058"/>
+                  </a:lnTo>
+                  <a:lnTo>
+                    <a:pt x="16193" y="6131"/>
+                  </a:lnTo>
+                  <a:lnTo>
+                    <a:pt x="16145" y="6204"/>
+                  </a:lnTo>
+                  <a:lnTo>
+                    <a:pt x="16047" y="6229"/>
+                  </a:lnTo>
+                  <a:lnTo>
+                    <a:pt x="15949" y="6278"/>
+                  </a:lnTo>
+                  <a:lnTo>
+                    <a:pt x="14069" y="6278"/>
+                  </a:lnTo>
+                  <a:lnTo>
+                    <a:pt x="13971" y="6229"/>
+                  </a:lnTo>
+                  <a:lnTo>
+                    <a:pt x="13898" y="6204"/>
+                  </a:lnTo>
+                  <a:lnTo>
+                    <a:pt x="13824" y="6131"/>
+                  </a:lnTo>
+                  <a:lnTo>
+                    <a:pt x="13751" y="6058"/>
+                  </a:lnTo>
+                  <a:lnTo>
+                    <a:pt x="13727" y="5985"/>
+                  </a:lnTo>
+                  <a:lnTo>
+                    <a:pt x="13678" y="5887"/>
+                  </a:lnTo>
+                  <a:lnTo>
+                    <a:pt x="13678" y="5789"/>
+                  </a:lnTo>
+                  <a:lnTo>
+                    <a:pt x="13678" y="5008"/>
+                  </a:lnTo>
+                  <a:lnTo>
+                    <a:pt x="13678" y="4910"/>
+                  </a:lnTo>
+                  <a:lnTo>
+                    <a:pt x="13727" y="4812"/>
+                  </a:lnTo>
+                  <a:lnTo>
+                    <a:pt x="13751" y="4739"/>
+                  </a:lnTo>
+                  <a:lnTo>
+                    <a:pt x="13824" y="4666"/>
+                  </a:lnTo>
+                  <a:lnTo>
+                    <a:pt x="13898" y="4592"/>
+                  </a:lnTo>
+                  <a:lnTo>
+                    <a:pt x="13971" y="4568"/>
+                  </a:lnTo>
+                  <a:lnTo>
+                    <a:pt x="14069" y="4519"/>
+                  </a:lnTo>
+                  <a:close/>
+                  <a:moveTo>
+                    <a:pt x="8891" y="5105"/>
+                  </a:moveTo>
+                  <a:lnTo>
+                    <a:pt x="9306" y="5130"/>
+                  </a:lnTo>
+                  <a:lnTo>
+                    <a:pt x="9697" y="5179"/>
+                  </a:lnTo>
+                  <a:lnTo>
+                    <a:pt x="10063" y="5276"/>
+                  </a:lnTo>
+                  <a:lnTo>
+                    <a:pt x="10430" y="5423"/>
+                  </a:lnTo>
+                  <a:lnTo>
+                    <a:pt x="10796" y="5594"/>
+                  </a:lnTo>
+                  <a:lnTo>
+                    <a:pt x="11113" y="5789"/>
+                  </a:lnTo>
+                  <a:lnTo>
+                    <a:pt x="11406" y="6009"/>
+                  </a:lnTo>
+                  <a:lnTo>
+                    <a:pt x="11700" y="6278"/>
+                  </a:lnTo>
+                  <a:lnTo>
+                    <a:pt x="11968" y="6546"/>
+                  </a:lnTo>
+                  <a:lnTo>
+                    <a:pt x="12188" y="6864"/>
+                  </a:lnTo>
+                  <a:lnTo>
+                    <a:pt x="12383" y="7181"/>
+                  </a:lnTo>
+                  <a:lnTo>
+                    <a:pt x="12554" y="7523"/>
+                  </a:lnTo>
+                  <a:lnTo>
+                    <a:pt x="12676" y="7890"/>
+                  </a:lnTo>
+                  <a:lnTo>
+                    <a:pt x="12774" y="8280"/>
+                  </a:lnTo>
+                  <a:lnTo>
+                    <a:pt x="12847" y="8671"/>
+                  </a:lnTo>
+                  <a:lnTo>
+                    <a:pt x="12872" y="9086"/>
+                  </a:lnTo>
+                  <a:lnTo>
+                    <a:pt x="12847" y="9477"/>
+                  </a:lnTo>
+                  <a:lnTo>
+                    <a:pt x="12774" y="9868"/>
+                  </a:lnTo>
+                  <a:lnTo>
+                    <a:pt x="12676" y="10259"/>
+                  </a:lnTo>
+                  <a:lnTo>
+                    <a:pt x="12554" y="10625"/>
+                  </a:lnTo>
+                  <a:lnTo>
+                    <a:pt x="12383" y="10967"/>
+                  </a:lnTo>
+                  <a:lnTo>
+                    <a:pt x="12188" y="11309"/>
+                  </a:lnTo>
+                  <a:lnTo>
+                    <a:pt x="11968" y="11602"/>
+                  </a:lnTo>
+                  <a:lnTo>
+                    <a:pt x="11700" y="11895"/>
+                  </a:lnTo>
+                  <a:lnTo>
+                    <a:pt x="11406" y="12139"/>
+                  </a:lnTo>
+                  <a:lnTo>
+                    <a:pt x="11113" y="12383"/>
+                  </a:lnTo>
+                  <a:lnTo>
+                    <a:pt x="10796" y="12579"/>
+                  </a:lnTo>
+                  <a:lnTo>
+                    <a:pt x="10430" y="12750"/>
+                  </a:lnTo>
+                  <a:lnTo>
+                    <a:pt x="10063" y="12872"/>
+                  </a:lnTo>
+                  <a:lnTo>
+                    <a:pt x="9697" y="12970"/>
+                  </a:lnTo>
+                  <a:lnTo>
+                    <a:pt x="9306" y="13018"/>
+                  </a:lnTo>
+                  <a:lnTo>
+                    <a:pt x="8891" y="13043"/>
+                  </a:lnTo>
+                  <a:lnTo>
+                    <a:pt x="8476" y="13018"/>
+                  </a:lnTo>
+                  <a:lnTo>
+                    <a:pt x="8085" y="12970"/>
+                  </a:lnTo>
+                  <a:lnTo>
+                    <a:pt x="7719" y="12872"/>
+                  </a:lnTo>
+                  <a:lnTo>
+                    <a:pt x="7352" y="12750"/>
+                  </a:lnTo>
+                  <a:lnTo>
+                    <a:pt x="6986" y="12579"/>
+                  </a:lnTo>
+                  <a:lnTo>
+                    <a:pt x="6668" y="12383"/>
+                  </a:lnTo>
+                  <a:lnTo>
+                    <a:pt x="6375" y="12139"/>
+                  </a:lnTo>
+                  <a:lnTo>
+                    <a:pt x="6082" y="11895"/>
+                  </a:lnTo>
+                  <a:lnTo>
+                    <a:pt x="5814" y="11602"/>
+                  </a:lnTo>
+                  <a:lnTo>
+                    <a:pt x="5594" y="11309"/>
+                  </a:lnTo>
+                  <a:lnTo>
+                    <a:pt x="5398" y="10967"/>
+                  </a:lnTo>
+                  <a:lnTo>
+                    <a:pt x="5227" y="10625"/>
+                  </a:lnTo>
+                  <a:lnTo>
+                    <a:pt x="5105" y="10259"/>
+                  </a:lnTo>
+                  <a:lnTo>
+                    <a:pt x="5008" y="9868"/>
+                  </a:lnTo>
+                  <a:lnTo>
+                    <a:pt x="4934" y="9477"/>
+                  </a:lnTo>
+                  <a:lnTo>
+                    <a:pt x="4910" y="9086"/>
+                  </a:lnTo>
+                  <a:lnTo>
+                    <a:pt x="4934" y="8671"/>
+                  </a:lnTo>
+                  <a:lnTo>
+                    <a:pt x="5008" y="8280"/>
+                  </a:lnTo>
+                  <a:lnTo>
+                    <a:pt x="5105" y="7890"/>
+                  </a:lnTo>
+                  <a:lnTo>
+                    <a:pt x="5227" y="7523"/>
+                  </a:lnTo>
+                  <a:lnTo>
+                    <a:pt x="5398" y="7181"/>
+                  </a:lnTo>
+                  <a:lnTo>
+                    <a:pt x="5594" y="6864"/>
+                  </a:lnTo>
+                  <a:lnTo>
+                    <a:pt x="5814" y="6546"/>
+                  </a:lnTo>
+                  <a:lnTo>
+                    <a:pt x="6082" y="6278"/>
+                  </a:lnTo>
+                  <a:lnTo>
+                    <a:pt x="6375" y="6009"/>
+                  </a:lnTo>
+                  <a:lnTo>
+                    <a:pt x="6668" y="5789"/>
+                  </a:lnTo>
+                  <a:lnTo>
+                    <a:pt x="6986" y="5594"/>
+                  </a:lnTo>
+                  <a:lnTo>
+                    <a:pt x="7352" y="5423"/>
+                  </a:lnTo>
+                  <a:lnTo>
+                    <a:pt x="7719" y="5276"/>
+                  </a:lnTo>
+                  <a:lnTo>
+                    <a:pt x="8085" y="5179"/>
+                  </a:lnTo>
+                  <a:lnTo>
+                    <a:pt x="8476" y="5130"/>
+                  </a:lnTo>
+                  <a:lnTo>
+                    <a:pt x="8891" y="5105"/>
+                  </a:lnTo>
+                  <a:close/>
+                  <a:moveTo>
+                    <a:pt x="5301" y="1"/>
+                  </a:moveTo>
+                  <a:lnTo>
+                    <a:pt x="5154" y="50"/>
+                  </a:lnTo>
+                  <a:lnTo>
+                    <a:pt x="5008" y="123"/>
+                  </a:lnTo>
+                  <a:lnTo>
+                    <a:pt x="4861" y="221"/>
+                  </a:lnTo>
+                  <a:lnTo>
+                    <a:pt x="4739" y="318"/>
+                  </a:lnTo>
+                  <a:lnTo>
+                    <a:pt x="4641" y="465"/>
+                  </a:lnTo>
+                  <a:lnTo>
+                    <a:pt x="4568" y="611"/>
+                  </a:lnTo>
+                  <a:lnTo>
+                    <a:pt x="4519" y="758"/>
+                  </a:lnTo>
+                  <a:lnTo>
+                    <a:pt x="4080" y="2565"/>
+                  </a:lnTo>
+                  <a:lnTo>
+                    <a:pt x="3249" y="2565"/>
+                  </a:lnTo>
+                  <a:lnTo>
+                    <a:pt x="3249" y="2468"/>
+                  </a:lnTo>
+                  <a:lnTo>
+                    <a:pt x="3225" y="2370"/>
+                  </a:lnTo>
+                  <a:lnTo>
+                    <a:pt x="3176" y="2297"/>
+                  </a:lnTo>
+                  <a:lnTo>
+                    <a:pt x="3103" y="2223"/>
+                  </a:lnTo>
+                  <a:lnTo>
+                    <a:pt x="3054" y="2150"/>
+                  </a:lnTo>
+                  <a:lnTo>
+                    <a:pt x="2956" y="2126"/>
+                  </a:lnTo>
+                  <a:lnTo>
+                    <a:pt x="2858" y="2077"/>
+                  </a:lnTo>
+                  <a:lnTo>
+                    <a:pt x="1955" y="2077"/>
+                  </a:lnTo>
+                  <a:lnTo>
+                    <a:pt x="1857" y="2126"/>
+                  </a:lnTo>
+                  <a:lnTo>
+                    <a:pt x="1784" y="2150"/>
+                  </a:lnTo>
+                  <a:lnTo>
+                    <a:pt x="1711" y="2223"/>
+                  </a:lnTo>
+                  <a:lnTo>
+                    <a:pt x="1637" y="2297"/>
+                  </a:lnTo>
+                  <a:lnTo>
+                    <a:pt x="1613" y="2370"/>
+                  </a:lnTo>
+                  <a:lnTo>
+                    <a:pt x="1564" y="2468"/>
+                  </a:lnTo>
+                  <a:lnTo>
+                    <a:pt x="1564" y="2565"/>
+                  </a:lnTo>
+                  <a:lnTo>
+                    <a:pt x="782" y="2565"/>
+                  </a:lnTo>
+                  <a:lnTo>
+                    <a:pt x="636" y="2590"/>
+                  </a:lnTo>
+                  <a:lnTo>
+                    <a:pt x="489" y="2639"/>
+                  </a:lnTo>
+                  <a:lnTo>
+                    <a:pt x="343" y="2687"/>
+                  </a:lnTo>
+                  <a:lnTo>
+                    <a:pt x="221" y="2785"/>
+                  </a:lnTo>
+                  <a:lnTo>
+                    <a:pt x="123" y="2907"/>
+                  </a:lnTo>
+                  <a:lnTo>
+                    <a:pt x="74" y="3054"/>
+                  </a:lnTo>
+                  <a:lnTo>
+                    <a:pt x="25" y="3200"/>
+                  </a:lnTo>
+                  <a:lnTo>
+                    <a:pt x="1" y="3347"/>
+                  </a:lnTo>
+                  <a:lnTo>
+                    <a:pt x="1" y="14020"/>
+                  </a:lnTo>
+                  <a:lnTo>
+                    <a:pt x="25" y="14191"/>
+                  </a:lnTo>
+                  <a:lnTo>
+                    <a:pt x="74" y="14337"/>
+                  </a:lnTo>
+                  <a:lnTo>
+                    <a:pt x="123" y="14459"/>
+                  </a:lnTo>
+                  <a:lnTo>
+                    <a:pt x="221" y="14581"/>
+                  </a:lnTo>
+                  <a:lnTo>
+                    <a:pt x="343" y="14679"/>
+                  </a:lnTo>
+                  <a:lnTo>
+                    <a:pt x="489" y="14752"/>
+                  </a:lnTo>
+                  <a:lnTo>
+                    <a:pt x="636" y="14801"/>
+                  </a:lnTo>
+                  <a:lnTo>
+                    <a:pt x="17146" y="14801"/>
+                  </a:lnTo>
+                  <a:lnTo>
+                    <a:pt x="17292" y="14752"/>
+                  </a:lnTo>
+                  <a:lnTo>
+                    <a:pt x="17439" y="14679"/>
+                  </a:lnTo>
+                  <a:lnTo>
+                    <a:pt x="17561" y="14581"/>
+                  </a:lnTo>
+                  <a:lnTo>
+                    <a:pt x="17659" y="14459"/>
+                  </a:lnTo>
+                  <a:lnTo>
+                    <a:pt x="17708" y="14337"/>
+                  </a:lnTo>
+                  <a:lnTo>
+                    <a:pt x="17756" y="14191"/>
+                  </a:lnTo>
+                  <a:lnTo>
+                    <a:pt x="17781" y="14020"/>
+                  </a:lnTo>
+                  <a:lnTo>
+                    <a:pt x="17781" y="3347"/>
+                  </a:lnTo>
+                  <a:lnTo>
+                    <a:pt x="17756" y="3200"/>
+                  </a:lnTo>
+                  <a:lnTo>
+                    <a:pt x="17708" y="3054"/>
+                  </a:lnTo>
+                  <a:lnTo>
+                    <a:pt x="17659" y="2907"/>
+                  </a:lnTo>
+                  <a:lnTo>
+                    <a:pt x="17561" y="2785"/>
+                  </a:lnTo>
+                  <a:lnTo>
+                    <a:pt x="17439" y="2687"/>
+                  </a:lnTo>
+                  <a:lnTo>
+                    <a:pt x="17292" y="2639"/>
+                  </a:lnTo>
+                  <a:lnTo>
+                    <a:pt x="17146" y="2590"/>
+                  </a:lnTo>
+                  <a:lnTo>
+                    <a:pt x="16999" y="2565"/>
+                  </a:lnTo>
+                  <a:lnTo>
+                    <a:pt x="13702" y="2565"/>
+                  </a:lnTo>
+                  <a:lnTo>
+                    <a:pt x="13263" y="758"/>
+                  </a:lnTo>
+                  <a:lnTo>
+                    <a:pt x="13214" y="611"/>
+                  </a:lnTo>
+                  <a:lnTo>
+                    <a:pt x="13141" y="465"/>
+                  </a:lnTo>
+                  <a:lnTo>
+                    <a:pt x="13043" y="318"/>
+                  </a:lnTo>
+                  <a:lnTo>
+                    <a:pt x="12921" y="221"/>
+                  </a:lnTo>
+                  <a:lnTo>
+                    <a:pt x="12774" y="123"/>
+                  </a:lnTo>
+                  <a:lnTo>
+                    <a:pt x="12628" y="50"/>
+                  </a:lnTo>
+                  <a:lnTo>
+                    <a:pt x="12481" y="1"/>
+                  </a:lnTo>
+                  <a:close/>
+                </a:path>
+              </a:pathLst>
+            </a:custGeom>
+            <a:solidFill>
+              <a:srgbClr val="FFFFFF"/>
+            </a:solidFill>
+            <a:ln>
+              <a:noFill/>
+            </a:ln>
+          </p:spPr>
+          <p:txBody>
+            <a:bodyPr spcFirstLastPara="1" wrap="square" lIns="91425" tIns="91425" rIns="91425" bIns="91425" anchor="ctr" anchorCtr="0">
+              <a:noAutofit/>
+            </a:bodyPr>
+            <a:lstStyle/>
+            <a:p>
+              <a:pPr marL="0" lvl="0" indent="0" algn="l" rtl="0">
+                <a:spcBef>
+                  <a:spcPts val="0"/>
+                </a:spcBef>
+                <a:spcAft>
+                  <a:spcPts val="0"/>
+                </a:spcAft>
+                <a:buNone/>
+              </a:pPr>
+              <a:endParaRPr>
+                <a:solidFill>
+                  <a:srgbClr val="FFFFFF"/>
+                </a:solidFill>
+              </a:endParaRPr>
+            </a:p>
+          </p:txBody>
+        </p:sp>
+      </p:grpSp>
+      <p:sp>
+        <p:nvSpPr>
+          <p:cNvPr id="166" name="Google Shape;166;p21"/>
+          <p:cNvSpPr txBox="1">
+            <a:spLocks noGrp="1"/>
+          </p:cNvSpPr>
+          <p:nvPr>
+            <p:ph type="sldNum" idx="12"/>
+          </p:nvPr>
+        </p:nvSpPr>
+        <p:spPr>
+          <a:xfrm>
+            <a:off x="8159499" y="4393278"/>
+            <a:ext cx="548700" cy="393600"/>
+          </a:xfrm>
+          <a:prstGeom prst="rect">
+            <a:avLst/>
+          </a:prstGeom>
+        </p:spPr>
+        <p:txBody>
+          <a:bodyPr spcFirstLastPara="1" wrap="square" lIns="91425" tIns="91425" rIns="91425" bIns="91425" anchor="ctr" anchorCtr="0">
+            <a:noAutofit/>
+          </a:bodyPr>
+          <a:lstStyle/>
+          <a:p>
+            <a:pPr marL="0" lvl="0" indent="0" algn="r" rtl="0">
+              <a:spcBef>
+                <a:spcPts val="0"/>
+              </a:spcBef>
+              <a:spcAft>
+                <a:spcPts val="0"/>
+              </a:spcAft>
+              <a:buNone/>
+            </a:pPr>
+            <a:fld id="{00000000-1234-1234-1234-123412341234}" type="slidenum">
+              <a:rPr lang="en"/>
+              <a:t>8</a:t>
+            </a:fld>
+            <a:endParaRPr/>
+          </a:p>
+        </p:txBody>
+      </p:sp>
+      <p:sp>
+        <p:nvSpPr>
+          <p:cNvPr id="9" name="Google Shape;368;p37"/>
+          <p:cNvSpPr txBox="1"/>
+          <p:nvPr/>
+        </p:nvSpPr>
+        <p:spPr>
+          <a:xfrm>
+            <a:off x="2148075" y="-21224"/>
+            <a:ext cx="2232000" cy="1931400"/>
+          </a:xfrm>
+          <a:prstGeom prst="rect">
+            <a:avLst/>
+          </a:prstGeom>
+          <a:noFill/>
+          <a:ln>
+            <a:noFill/>
+          </a:ln>
+        </p:spPr>
+        <p:txBody>
+          <a:bodyPr spcFirstLastPara="1" wrap="square" lIns="91425" tIns="91425" rIns="91425" bIns="91425" anchor="t" anchorCtr="0">
+            <a:noAutofit/>
+          </a:bodyPr>
+          <a:lstStyle/>
+          <a:p>
+            <a:pPr marL="0" lvl="0" indent="0" algn="r" rtl="0">
+              <a:spcBef>
+                <a:spcPts val="0"/>
+              </a:spcBef>
+              <a:spcAft>
+                <a:spcPts val="0"/>
+              </a:spcAft>
+              <a:buClr>
+                <a:schemeClr val="dk1"/>
+              </a:buClr>
+              <a:buSzPts val="1100"/>
+              <a:buFont typeface="Arial"/>
+              <a:buNone/>
+            </a:pPr>
+            <a:r>
+              <a:rPr lang="en" sz="12000" b="1" dirty="0">
+                <a:solidFill>
+                  <a:schemeClr val="dk1"/>
+                </a:solidFill>
+                <a:latin typeface="Work Sans"/>
+                <a:ea typeface="Work Sans"/>
+                <a:cs typeface="Work Sans"/>
+                <a:sym typeface="Work Sans"/>
+              </a:rPr>
+              <a:t>2</a:t>
+            </a:r>
+            <a:r>
+              <a:rPr lang="en" sz="9600" b="1" dirty="0">
+                <a:solidFill>
+                  <a:schemeClr val="dk1"/>
+                </a:solidFill>
+                <a:latin typeface="Work Sans"/>
+                <a:ea typeface="Work Sans"/>
+                <a:cs typeface="Work Sans"/>
+                <a:sym typeface="Work Sans"/>
+              </a:rPr>
+              <a:t>.</a:t>
+            </a:r>
+            <a:endParaRPr sz="9600" b="1" dirty="0">
+              <a:latin typeface="Work Sans"/>
+              <a:ea typeface="Work Sans"/>
+              <a:cs typeface="Work Sans"/>
+              <a:sym typeface="Work Sans"/>
+            </a:endParaRPr>
+          </a:p>
+        </p:txBody>
+      </p:sp>
+    </p:spTree>
+  </p:cSld>
+  <p:clrMapOvr>
+    <a:masterClrMapping/>
+  </p:clrMapOvr>
+</p:sld>
+</file>
+
+<file path=ppt/slides/slide9.xml><?xml version="1.0" encoding="utf-8"?>
+<p:sld xmlns:a="http://schemas.openxmlformats.org/drawingml/2006/main" xmlns:r="http://schemas.openxmlformats.org/officeDocument/2006/relationships" xmlns:p="http://schemas.openxmlformats.org/presentationml/2006/main">
+  <p:cSld>
+    <p:spTree>
+      <p:nvGrpSpPr>
+        <p:cNvPr id="1" name="Shape 185"/>
         <p:cNvGrpSpPr/>
         <p:nvPr/>
       </p:nvGrpSpPr>
@@ -18331,54 +16860,7 @@
       </p:grpSpPr>
       <p:sp>
         <p:nvSpPr>
-          <p:cNvPr id="135" name="Google Shape;135;p19"/>
-          <p:cNvSpPr txBox="1">
-            <a:spLocks noGrp="1"/>
-          </p:cNvSpPr>
-          <p:nvPr>
-            <p:ph type="body" idx="1"/>
-          </p:nvPr>
-        </p:nvSpPr>
-        <p:spPr>
-          <a:xfrm>
-            <a:off x="528908" y="1337780"/>
-            <a:ext cx="3594600" cy="554709"/>
-          </a:xfrm>
-          <a:prstGeom prst="rect">
-            <a:avLst/>
-          </a:prstGeom>
-        </p:spPr>
-        <p:txBody>
-          <a:bodyPr spcFirstLastPara="1" wrap="square" lIns="91425" tIns="91425" rIns="91425" bIns="91425" anchor="t" anchorCtr="0">
-            <a:noAutofit/>
-          </a:bodyPr>
-          <a:lstStyle/>
-          <a:p>
-            <a:pPr marL="0" lvl="0" indent="0" algn="ctr" rtl="0">
-              <a:spcBef>
-                <a:spcPts val="600"/>
-              </a:spcBef>
-              <a:spcAft>
-                <a:spcPts val="0"/>
-              </a:spcAft>
-              <a:buNone/>
-            </a:pPr>
-            <a:r>
-              <a:rPr lang="en-US" b="1" dirty="0" smtClean="0">
-                <a:latin typeface="Work Sans"/>
-                <a:ea typeface="Work Sans"/>
-                <a:cs typeface="Work Sans"/>
-                <a:sym typeface="Work Sans"/>
-              </a:rPr>
-              <a:t>2.1 Biểu đồ mức khung cảnh</a:t>
-            </a:r>
-            <a:endParaRPr dirty="0"/>
-          </a:p>
-        </p:txBody>
-      </p:sp>
-      <p:sp>
-        <p:nvSpPr>
-          <p:cNvPr id="136" name="Google Shape;136;p19"/>
+          <p:cNvPr id="186" name="Google Shape;186;p24"/>
           <p:cNvSpPr txBox="1">
             <a:spLocks noGrp="1"/>
           </p:cNvSpPr>
@@ -18388,8 +16870,8 @@
         </p:nvSpPr>
         <p:spPr>
           <a:xfrm>
-            <a:off x="1772130" y="426238"/>
-            <a:ext cx="5092200" cy="878730"/>
+            <a:off x="1750834" y="363181"/>
+            <a:ext cx="5920270" cy="793634"/>
           </a:xfrm>
           <a:prstGeom prst="rect">
             <a:avLst/>
@@ -18401,7 +16883,7 @@
           </a:bodyPr>
           <a:lstStyle/>
           <a:p>
-            <a:pPr marL="0" lvl="0" indent="0" algn="ctr" rtl="0">
+            <a:pPr marL="0" lvl="0" indent="0" algn="l" rtl="0">
               <a:spcBef>
                 <a:spcPts val="0"/>
               </a:spcBef>
@@ -18411,84 +16893,37 @@
               <a:buNone/>
             </a:pPr>
             <a:r>
-              <a:rPr lang="en" sz="4500" dirty="0" smtClean="0"/>
-              <a:t>BIỂU ĐỒ</a:t>
+              <a:rPr lang="en" sz="3500" dirty="0" smtClean="0"/>
+              <a:t>Sơ Đồ thực thể liên kết</a:t>
             </a:r>
-            <a:endParaRPr sz="4500" dirty="0"/>
-          </a:p>
-        </p:txBody>
-      </p:sp>
-      <p:sp>
-        <p:nvSpPr>
-          <p:cNvPr id="137" name="Google Shape;137;p19"/>
-          <p:cNvSpPr txBox="1">
-            <a:spLocks noGrp="1"/>
-          </p:cNvSpPr>
-          <p:nvPr>
-            <p:ph type="body" idx="2"/>
-          </p:nvPr>
-        </p:nvSpPr>
-        <p:spPr>
-          <a:xfrm>
-            <a:off x="4512953" y="1337780"/>
-            <a:ext cx="3594600" cy="554709"/>
-          </a:xfrm>
-          <a:prstGeom prst="rect">
-            <a:avLst/>
-          </a:prstGeom>
-        </p:spPr>
-        <p:txBody>
-          <a:bodyPr spcFirstLastPara="1" wrap="square" lIns="91425" tIns="91425" rIns="91425" bIns="91425" anchor="t" anchorCtr="0">
-            <a:noAutofit/>
-          </a:bodyPr>
-          <a:lstStyle/>
-          <a:p>
-            <a:pPr marL="0" lvl="0" indent="0" algn="ctr" rtl="0">
-              <a:spcBef>
-                <a:spcPts val="600"/>
-              </a:spcBef>
-              <a:spcAft>
-                <a:spcPts val="0"/>
-              </a:spcAft>
-              <a:buNone/>
-            </a:pPr>
-            <a:r>
-              <a:rPr lang="en-US" b="1" dirty="0" smtClean="0">
-                <a:latin typeface="Work Sans"/>
-                <a:ea typeface="Work Sans"/>
-                <a:cs typeface="Work Sans"/>
-                <a:sym typeface="Work Sans"/>
-              </a:rPr>
-              <a:t>2.2 Biểu đồ mức đỉnh</a:t>
-            </a:r>
-            <a:endParaRPr dirty="0"/>
+            <a:endParaRPr sz="3500" dirty="0"/>
           </a:p>
         </p:txBody>
       </p:sp>
       <p:grpSp>
         <p:nvGrpSpPr>
-          <p:cNvPr id="138" name="Google Shape;138;p19"/>
+          <p:cNvPr id="188" name="Google Shape;188;p24"/>
           <p:cNvGrpSpPr/>
           <p:nvPr/>
         </p:nvGrpSpPr>
         <p:grpSpPr>
           <a:xfrm>
-            <a:off x="7804765" y="459316"/>
-            <a:ext cx="903434" cy="903434"/>
-            <a:chOff x="2594325" y="1627175"/>
-            <a:chExt cx="440850" cy="440850"/>
+            <a:off x="7800043" y="448908"/>
+            <a:ext cx="908156" cy="948145"/>
+            <a:chOff x="3294650" y="3652450"/>
+            <a:chExt cx="388350" cy="405450"/>
           </a:xfrm>
         </p:grpSpPr>
         <p:sp>
           <p:nvSpPr>
-            <p:cNvPr id="139" name="Google Shape;139;p19"/>
+            <p:cNvPr id="189" name="Google Shape;189;p24"/>
             <p:cNvSpPr/>
             <p:nvPr/>
           </p:nvSpPr>
           <p:spPr>
             <a:xfrm>
-              <a:off x="2594325" y="1890950"/>
-              <a:ext cx="177075" cy="177075"/>
+              <a:off x="3294650" y="3681775"/>
+              <a:ext cx="376150" cy="376125"/>
             </a:xfrm>
             <a:custGeom>
               <a:avLst/>
@@ -18497,24 +16932,297 @@
               <a:cxnLst/>
               <a:rect l="l" t="t" r="r" b="b"/>
               <a:pathLst>
-                <a:path w="7083" h="7083" extrusionOk="0">
+                <a:path w="15046" h="15045" extrusionOk="0">
                   <a:moveTo>
-                    <a:pt x="5544" y="0"/>
+                    <a:pt x="7132" y="0"/>
                   </a:moveTo>
                   <a:lnTo>
-                    <a:pt x="538" y="5984"/>
-                  </a:lnTo>
-                  <a:lnTo>
-                    <a:pt x="0" y="7083"/>
-                  </a:lnTo>
-                  <a:lnTo>
-                    <a:pt x="1099" y="6546"/>
-                  </a:lnTo>
-                  <a:lnTo>
-                    <a:pt x="7083" y="1539"/>
-                  </a:lnTo>
-                  <a:lnTo>
-                    <a:pt x="5544" y="0"/>
+                    <a:pt x="6766" y="49"/>
+                  </a:lnTo>
+                  <a:lnTo>
+                    <a:pt x="6375" y="98"/>
+                  </a:lnTo>
+                  <a:lnTo>
+                    <a:pt x="6009" y="147"/>
+                  </a:lnTo>
+                  <a:lnTo>
+                    <a:pt x="5642" y="244"/>
+                  </a:lnTo>
+                  <a:lnTo>
+                    <a:pt x="5276" y="342"/>
+                  </a:lnTo>
+                  <a:lnTo>
+                    <a:pt x="4934" y="464"/>
+                  </a:lnTo>
+                  <a:lnTo>
+                    <a:pt x="4592" y="586"/>
+                  </a:lnTo>
+                  <a:lnTo>
+                    <a:pt x="4250" y="733"/>
+                  </a:lnTo>
+                  <a:lnTo>
+                    <a:pt x="3933" y="904"/>
+                  </a:lnTo>
+                  <a:lnTo>
+                    <a:pt x="3615" y="1099"/>
+                  </a:lnTo>
+                  <a:lnTo>
+                    <a:pt x="3322" y="1295"/>
+                  </a:lnTo>
+                  <a:lnTo>
+                    <a:pt x="3029" y="1490"/>
+                  </a:lnTo>
+                  <a:lnTo>
+                    <a:pt x="2736" y="1710"/>
+                  </a:lnTo>
+                  <a:lnTo>
+                    <a:pt x="2467" y="1954"/>
+                  </a:lnTo>
+                  <a:lnTo>
+                    <a:pt x="2199" y="2198"/>
+                  </a:lnTo>
+                  <a:lnTo>
+                    <a:pt x="1954" y="2467"/>
+                  </a:lnTo>
+                  <a:lnTo>
+                    <a:pt x="1710" y="2736"/>
+                  </a:lnTo>
+                  <a:lnTo>
+                    <a:pt x="1490" y="3029"/>
+                  </a:lnTo>
+                  <a:lnTo>
+                    <a:pt x="1295" y="3322"/>
+                  </a:lnTo>
+                  <a:lnTo>
+                    <a:pt x="1100" y="3615"/>
+                  </a:lnTo>
+                  <a:lnTo>
+                    <a:pt x="904" y="3932"/>
+                  </a:lnTo>
+                  <a:lnTo>
+                    <a:pt x="733" y="4250"/>
+                  </a:lnTo>
+                  <a:lnTo>
+                    <a:pt x="587" y="4592"/>
+                  </a:lnTo>
+                  <a:lnTo>
+                    <a:pt x="465" y="4934"/>
+                  </a:lnTo>
+                  <a:lnTo>
+                    <a:pt x="342" y="5276"/>
+                  </a:lnTo>
+                  <a:lnTo>
+                    <a:pt x="245" y="5642"/>
+                  </a:lnTo>
+                  <a:lnTo>
+                    <a:pt x="147" y="6008"/>
+                  </a:lnTo>
+                  <a:lnTo>
+                    <a:pt x="98" y="6375"/>
+                  </a:lnTo>
+                  <a:lnTo>
+                    <a:pt x="49" y="6765"/>
+                  </a:lnTo>
+                  <a:lnTo>
+                    <a:pt x="0" y="7132"/>
+                  </a:lnTo>
+                  <a:lnTo>
+                    <a:pt x="0" y="7522"/>
+                  </a:lnTo>
+                  <a:lnTo>
+                    <a:pt x="0" y="7913"/>
+                  </a:lnTo>
+                  <a:lnTo>
+                    <a:pt x="49" y="8280"/>
+                  </a:lnTo>
+                  <a:lnTo>
+                    <a:pt x="98" y="8670"/>
+                  </a:lnTo>
+                  <a:lnTo>
+                    <a:pt x="147" y="9037"/>
+                  </a:lnTo>
+                  <a:lnTo>
+                    <a:pt x="245" y="9403"/>
+                  </a:lnTo>
+                  <a:lnTo>
+                    <a:pt x="342" y="9769"/>
+                  </a:lnTo>
+                  <a:lnTo>
+                    <a:pt x="465" y="10111"/>
+                  </a:lnTo>
+                  <a:lnTo>
+                    <a:pt x="587" y="10453"/>
+                  </a:lnTo>
+                  <a:lnTo>
+                    <a:pt x="733" y="10795"/>
+                  </a:lnTo>
+                  <a:lnTo>
+                    <a:pt x="904" y="11113"/>
+                  </a:lnTo>
+                  <a:lnTo>
+                    <a:pt x="1100" y="11430"/>
+                  </a:lnTo>
+                  <a:lnTo>
+                    <a:pt x="1295" y="11723"/>
+                  </a:lnTo>
+                  <a:lnTo>
+                    <a:pt x="1490" y="12016"/>
+                  </a:lnTo>
+                  <a:lnTo>
+                    <a:pt x="1710" y="12309"/>
+                  </a:lnTo>
+                  <a:lnTo>
+                    <a:pt x="1954" y="12578"/>
+                  </a:lnTo>
+                  <a:lnTo>
+                    <a:pt x="2199" y="12847"/>
+                  </a:lnTo>
+                  <a:lnTo>
+                    <a:pt x="2467" y="13091"/>
+                  </a:lnTo>
+                  <a:lnTo>
+                    <a:pt x="2736" y="13335"/>
+                  </a:lnTo>
+                  <a:lnTo>
+                    <a:pt x="3029" y="13555"/>
+                  </a:lnTo>
+                  <a:lnTo>
+                    <a:pt x="3322" y="13750"/>
+                  </a:lnTo>
+                  <a:lnTo>
+                    <a:pt x="3615" y="13946"/>
+                  </a:lnTo>
+                  <a:lnTo>
+                    <a:pt x="3933" y="14141"/>
+                  </a:lnTo>
+                  <a:lnTo>
+                    <a:pt x="4250" y="14312"/>
+                  </a:lnTo>
+                  <a:lnTo>
+                    <a:pt x="4592" y="14459"/>
+                  </a:lnTo>
+                  <a:lnTo>
+                    <a:pt x="4934" y="14581"/>
+                  </a:lnTo>
+                  <a:lnTo>
+                    <a:pt x="5276" y="14703"/>
+                  </a:lnTo>
+                  <a:lnTo>
+                    <a:pt x="5642" y="14801"/>
+                  </a:lnTo>
+                  <a:lnTo>
+                    <a:pt x="6009" y="14898"/>
+                  </a:lnTo>
+                  <a:lnTo>
+                    <a:pt x="6375" y="14947"/>
+                  </a:lnTo>
+                  <a:lnTo>
+                    <a:pt x="6766" y="14996"/>
+                  </a:lnTo>
+                  <a:lnTo>
+                    <a:pt x="7132" y="15045"/>
+                  </a:lnTo>
+                  <a:lnTo>
+                    <a:pt x="7914" y="15045"/>
+                  </a:lnTo>
+                  <a:lnTo>
+                    <a:pt x="8280" y="14996"/>
+                  </a:lnTo>
+                  <a:lnTo>
+                    <a:pt x="8671" y="14947"/>
+                  </a:lnTo>
+                  <a:lnTo>
+                    <a:pt x="9037" y="14898"/>
+                  </a:lnTo>
+                  <a:lnTo>
+                    <a:pt x="9403" y="14801"/>
+                  </a:lnTo>
+                  <a:lnTo>
+                    <a:pt x="9770" y="14703"/>
+                  </a:lnTo>
+                  <a:lnTo>
+                    <a:pt x="10112" y="14581"/>
+                  </a:lnTo>
+                  <a:lnTo>
+                    <a:pt x="10454" y="14459"/>
+                  </a:lnTo>
+                  <a:lnTo>
+                    <a:pt x="10795" y="14312"/>
+                  </a:lnTo>
+                  <a:lnTo>
+                    <a:pt x="11113" y="14141"/>
+                  </a:lnTo>
+                  <a:lnTo>
+                    <a:pt x="11430" y="13946"/>
+                  </a:lnTo>
+                  <a:lnTo>
+                    <a:pt x="11724" y="13750"/>
+                  </a:lnTo>
+                  <a:lnTo>
+                    <a:pt x="12017" y="13555"/>
+                  </a:lnTo>
+                  <a:lnTo>
+                    <a:pt x="12310" y="13335"/>
+                  </a:lnTo>
+                  <a:lnTo>
+                    <a:pt x="12578" y="13091"/>
+                  </a:lnTo>
+                  <a:lnTo>
+                    <a:pt x="12847" y="12847"/>
+                  </a:lnTo>
+                  <a:lnTo>
+                    <a:pt x="13091" y="12578"/>
+                  </a:lnTo>
+                  <a:lnTo>
+                    <a:pt x="13335" y="12309"/>
+                  </a:lnTo>
+                  <a:lnTo>
+                    <a:pt x="13555" y="12016"/>
+                  </a:lnTo>
+                  <a:lnTo>
+                    <a:pt x="13751" y="11723"/>
+                  </a:lnTo>
+                  <a:lnTo>
+                    <a:pt x="13946" y="11430"/>
+                  </a:lnTo>
+                  <a:lnTo>
+                    <a:pt x="14141" y="11113"/>
+                  </a:lnTo>
+                  <a:lnTo>
+                    <a:pt x="14312" y="10795"/>
+                  </a:lnTo>
+                  <a:lnTo>
+                    <a:pt x="14459" y="10453"/>
+                  </a:lnTo>
+                  <a:lnTo>
+                    <a:pt x="14581" y="10111"/>
+                  </a:lnTo>
+                  <a:lnTo>
+                    <a:pt x="14703" y="9769"/>
+                  </a:lnTo>
+                  <a:lnTo>
+                    <a:pt x="14801" y="9403"/>
+                  </a:lnTo>
+                  <a:lnTo>
+                    <a:pt x="14899" y="9037"/>
+                  </a:lnTo>
+                  <a:lnTo>
+                    <a:pt x="14947" y="8670"/>
+                  </a:lnTo>
+                  <a:lnTo>
+                    <a:pt x="14996" y="8280"/>
+                  </a:lnTo>
+                  <a:lnTo>
+                    <a:pt x="15045" y="7913"/>
+                  </a:lnTo>
+                  <a:lnTo>
+                    <a:pt x="15045" y="7522"/>
+                  </a:lnTo>
+                  <a:lnTo>
+                    <a:pt x="7523" y="7522"/>
+                  </a:lnTo>
+                  <a:lnTo>
+                    <a:pt x="7523" y="0"/>
                   </a:lnTo>
                   <a:close/>
                 </a:path>
@@ -18548,14 +17256,14 @@
         </p:sp>
         <p:sp>
           <p:nvSpPr>
-            <p:cNvPr id="140" name="Google Shape;140;p19"/>
+            <p:cNvPr id="190" name="Google Shape;190;p24"/>
             <p:cNvSpPr/>
             <p:nvPr/>
           </p:nvSpPr>
           <p:spPr>
             <a:xfrm>
-              <a:off x="2858700" y="1627175"/>
-              <a:ext cx="176475" cy="176475"/>
+              <a:off x="3494925" y="3760525"/>
+              <a:ext cx="188075" cy="97100"/>
             </a:xfrm>
             <a:custGeom>
               <a:avLst/>
@@ -18564,117 +17272,138 @@
               <a:cxnLst/>
               <a:rect l="l" t="t" r="r" b="b"/>
               <a:pathLst>
-                <a:path w="7059" h="7059" extrusionOk="0">
+                <a:path w="7523" h="3884" extrusionOk="0">
                   <a:moveTo>
-                    <a:pt x="904" y="1"/>
+                    <a:pt x="2491" y="2956"/>
                   </a:moveTo>
                   <a:lnTo>
-                    <a:pt x="782" y="25"/>
-                  </a:lnTo>
-                  <a:lnTo>
-                    <a:pt x="684" y="98"/>
-                  </a:lnTo>
-                  <a:lnTo>
-                    <a:pt x="611" y="147"/>
-                  </a:lnTo>
-                  <a:lnTo>
-                    <a:pt x="489" y="294"/>
-                  </a:lnTo>
-                  <a:lnTo>
-                    <a:pt x="367" y="440"/>
-                  </a:lnTo>
-                  <a:lnTo>
-                    <a:pt x="294" y="587"/>
-                  </a:lnTo>
-                  <a:lnTo>
-                    <a:pt x="196" y="733"/>
-                  </a:lnTo>
-                  <a:lnTo>
-                    <a:pt x="74" y="1051"/>
-                  </a:lnTo>
-                  <a:lnTo>
-                    <a:pt x="0" y="1393"/>
-                  </a:lnTo>
-                  <a:lnTo>
-                    <a:pt x="0" y="1735"/>
-                  </a:lnTo>
-                  <a:lnTo>
-                    <a:pt x="25" y="2052"/>
-                  </a:lnTo>
-                  <a:lnTo>
-                    <a:pt x="123" y="2394"/>
-                  </a:lnTo>
-                  <a:lnTo>
-                    <a:pt x="269" y="2711"/>
-                  </a:lnTo>
-                  <a:lnTo>
-                    <a:pt x="4348" y="6790"/>
-                  </a:lnTo>
-                  <a:lnTo>
-                    <a:pt x="4665" y="6937"/>
-                  </a:lnTo>
-                  <a:lnTo>
-                    <a:pt x="5007" y="7034"/>
-                  </a:lnTo>
-                  <a:lnTo>
-                    <a:pt x="5325" y="7059"/>
-                  </a:lnTo>
-                  <a:lnTo>
-                    <a:pt x="5667" y="7059"/>
-                  </a:lnTo>
-                  <a:lnTo>
-                    <a:pt x="6008" y="6986"/>
-                  </a:lnTo>
-                  <a:lnTo>
-                    <a:pt x="6326" y="6863"/>
-                  </a:lnTo>
-                  <a:lnTo>
-                    <a:pt x="6473" y="6766"/>
-                  </a:lnTo>
-                  <a:lnTo>
-                    <a:pt x="6619" y="6692"/>
-                  </a:lnTo>
-                  <a:lnTo>
-                    <a:pt x="6766" y="6570"/>
-                  </a:lnTo>
-                  <a:lnTo>
-                    <a:pt x="6912" y="6448"/>
-                  </a:lnTo>
-                  <a:lnTo>
-                    <a:pt x="6961" y="6375"/>
-                  </a:lnTo>
-                  <a:lnTo>
-                    <a:pt x="7034" y="6277"/>
-                  </a:lnTo>
-                  <a:lnTo>
-                    <a:pt x="7059" y="6155"/>
-                  </a:lnTo>
-                  <a:lnTo>
-                    <a:pt x="7059" y="6057"/>
-                  </a:lnTo>
-                  <a:lnTo>
-                    <a:pt x="7059" y="5960"/>
-                  </a:lnTo>
-                  <a:lnTo>
-                    <a:pt x="7034" y="5862"/>
-                  </a:lnTo>
-                  <a:lnTo>
-                    <a:pt x="6961" y="5764"/>
-                  </a:lnTo>
-                  <a:lnTo>
-                    <a:pt x="6912" y="5667"/>
-                  </a:lnTo>
-                  <a:lnTo>
-                    <a:pt x="1393" y="147"/>
-                  </a:lnTo>
-                  <a:lnTo>
-                    <a:pt x="1295" y="98"/>
-                  </a:lnTo>
-                  <a:lnTo>
-                    <a:pt x="1197" y="25"/>
-                  </a:lnTo>
-                  <a:lnTo>
-                    <a:pt x="1099" y="1"/>
+                    <a:pt x="2491" y="3396"/>
+                  </a:lnTo>
+                  <a:lnTo>
+                    <a:pt x="1759" y="3396"/>
+                  </a:lnTo>
+                  <a:lnTo>
+                    <a:pt x="2491" y="2956"/>
+                  </a:lnTo>
+                  <a:close/>
+                  <a:moveTo>
+                    <a:pt x="3346" y="2443"/>
+                  </a:moveTo>
+                  <a:lnTo>
+                    <a:pt x="3346" y="3396"/>
+                  </a:lnTo>
+                  <a:lnTo>
+                    <a:pt x="2980" y="3396"/>
+                  </a:lnTo>
+                  <a:lnTo>
+                    <a:pt x="2980" y="2663"/>
+                  </a:lnTo>
+                  <a:lnTo>
+                    <a:pt x="3346" y="2443"/>
+                  </a:lnTo>
+                  <a:close/>
+                  <a:moveTo>
+                    <a:pt x="4201" y="1930"/>
+                  </a:moveTo>
+                  <a:lnTo>
+                    <a:pt x="4201" y="3396"/>
+                  </a:lnTo>
+                  <a:lnTo>
+                    <a:pt x="3835" y="3396"/>
+                  </a:lnTo>
+                  <a:lnTo>
+                    <a:pt x="3835" y="2150"/>
+                  </a:lnTo>
+                  <a:lnTo>
+                    <a:pt x="3835" y="2150"/>
+                  </a:lnTo>
+                  <a:lnTo>
+                    <a:pt x="4201" y="1930"/>
+                  </a:lnTo>
+                  <a:close/>
+                  <a:moveTo>
+                    <a:pt x="5056" y="1393"/>
+                  </a:moveTo>
+                  <a:lnTo>
+                    <a:pt x="5056" y="3396"/>
+                  </a:lnTo>
+                  <a:lnTo>
+                    <a:pt x="4689" y="3396"/>
+                  </a:lnTo>
+                  <a:lnTo>
+                    <a:pt x="4689" y="1637"/>
+                  </a:lnTo>
+                  <a:lnTo>
+                    <a:pt x="5056" y="1393"/>
+                  </a:lnTo>
+                  <a:close/>
+                  <a:moveTo>
+                    <a:pt x="5911" y="885"/>
+                  </a:moveTo>
+                  <a:lnTo>
+                    <a:pt x="5911" y="3396"/>
+                  </a:lnTo>
+                  <a:lnTo>
+                    <a:pt x="5544" y="3396"/>
+                  </a:lnTo>
+                  <a:lnTo>
+                    <a:pt x="5544" y="1100"/>
+                  </a:lnTo>
+                  <a:lnTo>
+                    <a:pt x="5911" y="885"/>
+                  </a:lnTo>
+                  <a:close/>
+                  <a:moveTo>
+                    <a:pt x="6399" y="978"/>
+                  </a:moveTo>
+                  <a:lnTo>
+                    <a:pt x="6619" y="1539"/>
+                  </a:lnTo>
+                  <a:lnTo>
+                    <a:pt x="6790" y="2031"/>
+                  </a:lnTo>
+                  <a:lnTo>
+                    <a:pt x="6790" y="3396"/>
+                  </a:lnTo>
+                  <a:lnTo>
+                    <a:pt x="6399" y="3396"/>
+                  </a:lnTo>
+                  <a:lnTo>
+                    <a:pt x="6399" y="978"/>
+                  </a:lnTo>
+                  <a:close/>
+                  <a:moveTo>
+                    <a:pt x="6448" y="1"/>
+                  </a:moveTo>
+                  <a:lnTo>
+                    <a:pt x="0" y="3884"/>
+                  </a:lnTo>
+                  <a:lnTo>
+                    <a:pt x="7523" y="3884"/>
+                  </a:lnTo>
+                  <a:lnTo>
+                    <a:pt x="7498" y="3347"/>
+                  </a:lnTo>
+                  <a:lnTo>
+                    <a:pt x="7449" y="2834"/>
+                  </a:lnTo>
+                  <a:lnTo>
+                    <a:pt x="7352" y="2321"/>
+                  </a:lnTo>
+                  <a:lnTo>
+                    <a:pt x="7229" y="1832"/>
+                  </a:lnTo>
+                  <a:lnTo>
+                    <a:pt x="7083" y="1344"/>
+                  </a:lnTo>
+                  <a:lnTo>
+                    <a:pt x="6912" y="880"/>
+                  </a:lnTo>
+                  <a:lnTo>
+                    <a:pt x="6692" y="440"/>
+                  </a:lnTo>
+                  <a:lnTo>
+                    <a:pt x="6448" y="1"/>
                   </a:lnTo>
                   <a:close/>
                 </a:path>
@@ -18708,14 +17437,14 @@
         </p:sp>
         <p:sp>
           <p:nvSpPr>
-            <p:cNvPr id="141" name="Google Shape;141;p19"/>
+            <p:cNvPr id="191" name="Google Shape;191;p24"/>
             <p:cNvSpPr/>
             <p:nvPr/>
           </p:nvSpPr>
           <p:spPr>
             <a:xfrm>
-              <a:off x="2663325" y="1702275"/>
-              <a:ext cx="296750" cy="296775"/>
+              <a:off x="3494925" y="3652450"/>
+              <a:ext cx="161200" cy="188100"/>
             </a:xfrm>
             <a:custGeom>
               <a:avLst/>
@@ -18724,217 +17453,121 @@
               <a:cxnLst/>
               <a:rect l="l" t="t" r="r" b="b"/>
               <a:pathLst>
-                <a:path w="11870" h="11871" extrusionOk="0">
+                <a:path w="6448" h="7524" extrusionOk="0">
                   <a:moveTo>
-                    <a:pt x="7718" y="1295"/>
+                    <a:pt x="489" y="514"/>
                   </a:moveTo>
                   <a:lnTo>
-                    <a:pt x="7815" y="1319"/>
-                  </a:lnTo>
-                  <a:lnTo>
-                    <a:pt x="7889" y="1368"/>
-                  </a:lnTo>
-                  <a:lnTo>
-                    <a:pt x="7938" y="1442"/>
-                  </a:lnTo>
-                  <a:lnTo>
-                    <a:pt x="7938" y="1515"/>
-                  </a:lnTo>
-                  <a:lnTo>
-                    <a:pt x="7938" y="1588"/>
-                  </a:lnTo>
-                  <a:lnTo>
-                    <a:pt x="7889" y="1661"/>
-                  </a:lnTo>
-                  <a:lnTo>
-                    <a:pt x="5862" y="3664"/>
-                  </a:lnTo>
-                  <a:lnTo>
-                    <a:pt x="5788" y="3713"/>
-                  </a:lnTo>
-                  <a:lnTo>
-                    <a:pt x="5715" y="3737"/>
-                  </a:lnTo>
-                  <a:lnTo>
-                    <a:pt x="5642" y="3713"/>
-                  </a:lnTo>
-                  <a:lnTo>
-                    <a:pt x="5569" y="3664"/>
-                  </a:lnTo>
-                  <a:lnTo>
-                    <a:pt x="5520" y="3591"/>
-                  </a:lnTo>
-                  <a:lnTo>
-                    <a:pt x="5495" y="3517"/>
-                  </a:lnTo>
-                  <a:lnTo>
-                    <a:pt x="5520" y="3444"/>
-                  </a:lnTo>
-                  <a:lnTo>
-                    <a:pt x="5569" y="3371"/>
-                  </a:lnTo>
-                  <a:lnTo>
-                    <a:pt x="7571" y="1368"/>
-                  </a:lnTo>
-                  <a:lnTo>
-                    <a:pt x="7644" y="1319"/>
-                  </a:lnTo>
-                  <a:lnTo>
-                    <a:pt x="7718" y="1295"/>
+                    <a:pt x="879" y="538"/>
+                  </a:lnTo>
+                  <a:lnTo>
+                    <a:pt x="1270" y="611"/>
+                  </a:lnTo>
+                  <a:lnTo>
+                    <a:pt x="1661" y="685"/>
+                  </a:lnTo>
+                  <a:lnTo>
+                    <a:pt x="2052" y="782"/>
+                  </a:lnTo>
+                  <a:lnTo>
+                    <a:pt x="2418" y="929"/>
+                  </a:lnTo>
+                  <a:lnTo>
+                    <a:pt x="2809" y="1075"/>
+                  </a:lnTo>
+                  <a:lnTo>
+                    <a:pt x="3151" y="1246"/>
+                  </a:lnTo>
+                  <a:lnTo>
+                    <a:pt x="3517" y="1417"/>
+                  </a:lnTo>
+                  <a:lnTo>
+                    <a:pt x="3835" y="1637"/>
+                  </a:lnTo>
+                  <a:lnTo>
+                    <a:pt x="4152" y="1857"/>
+                  </a:lnTo>
+                  <a:lnTo>
+                    <a:pt x="4445" y="2077"/>
+                  </a:lnTo>
+                  <a:lnTo>
+                    <a:pt x="4738" y="2321"/>
+                  </a:lnTo>
+                  <a:lnTo>
+                    <a:pt x="5031" y="2590"/>
+                  </a:lnTo>
+                  <a:lnTo>
+                    <a:pt x="5276" y="2883"/>
+                  </a:lnTo>
+                  <a:lnTo>
+                    <a:pt x="5520" y="3176"/>
+                  </a:lnTo>
+                  <a:lnTo>
+                    <a:pt x="5764" y="3493"/>
+                  </a:lnTo>
+                  <a:lnTo>
+                    <a:pt x="489" y="6668"/>
+                  </a:lnTo>
+                  <a:lnTo>
+                    <a:pt x="489" y="514"/>
                   </a:lnTo>
                   <a:close/>
                   <a:moveTo>
-                    <a:pt x="7767" y="1"/>
+                    <a:pt x="0" y="1"/>
                   </a:moveTo>
                   <a:lnTo>
-                    <a:pt x="4885" y="2907"/>
-                  </a:lnTo>
-                  <a:lnTo>
-                    <a:pt x="4640" y="2809"/>
-                  </a:lnTo>
-                  <a:lnTo>
-                    <a:pt x="4396" y="2712"/>
-                  </a:lnTo>
-                  <a:lnTo>
-                    <a:pt x="4103" y="2614"/>
-                  </a:lnTo>
-                  <a:lnTo>
-                    <a:pt x="3810" y="2565"/>
-                  </a:lnTo>
-                  <a:lnTo>
-                    <a:pt x="3493" y="2492"/>
-                  </a:lnTo>
-                  <a:lnTo>
-                    <a:pt x="3175" y="2443"/>
-                  </a:lnTo>
-                  <a:lnTo>
-                    <a:pt x="2858" y="2418"/>
-                  </a:lnTo>
-                  <a:lnTo>
-                    <a:pt x="2247" y="2418"/>
-                  </a:lnTo>
-                  <a:lnTo>
-                    <a:pt x="1954" y="2443"/>
-                  </a:lnTo>
-                  <a:lnTo>
-                    <a:pt x="1636" y="2492"/>
-                  </a:lnTo>
-                  <a:lnTo>
-                    <a:pt x="1319" y="2565"/>
-                  </a:lnTo>
-                  <a:lnTo>
-                    <a:pt x="1001" y="2687"/>
-                  </a:lnTo>
-                  <a:lnTo>
-                    <a:pt x="708" y="2809"/>
-                  </a:lnTo>
-                  <a:lnTo>
-                    <a:pt x="415" y="3005"/>
-                  </a:lnTo>
-                  <a:lnTo>
-                    <a:pt x="147" y="3224"/>
-                  </a:lnTo>
-                  <a:lnTo>
-                    <a:pt x="73" y="3298"/>
-                  </a:lnTo>
-                  <a:lnTo>
-                    <a:pt x="24" y="3395"/>
-                  </a:lnTo>
-                  <a:lnTo>
-                    <a:pt x="0" y="3493"/>
-                  </a:lnTo>
-                  <a:lnTo>
-                    <a:pt x="0" y="3615"/>
-                  </a:lnTo>
-                  <a:lnTo>
-                    <a:pt x="0" y="3713"/>
-                  </a:lnTo>
-                  <a:lnTo>
-                    <a:pt x="24" y="3811"/>
-                  </a:lnTo>
-                  <a:lnTo>
-                    <a:pt x="73" y="3908"/>
-                  </a:lnTo>
-                  <a:lnTo>
-                    <a:pt x="147" y="4006"/>
-                  </a:lnTo>
-                  <a:lnTo>
-                    <a:pt x="7864" y="11724"/>
-                  </a:lnTo>
-                  <a:lnTo>
-                    <a:pt x="7962" y="11797"/>
-                  </a:lnTo>
-                  <a:lnTo>
-                    <a:pt x="8060" y="11846"/>
-                  </a:lnTo>
-                  <a:lnTo>
-                    <a:pt x="8157" y="11870"/>
-                  </a:lnTo>
-                  <a:lnTo>
-                    <a:pt x="8377" y="11870"/>
-                  </a:lnTo>
-                  <a:lnTo>
-                    <a:pt x="8475" y="11846"/>
-                  </a:lnTo>
-                  <a:lnTo>
-                    <a:pt x="8573" y="11797"/>
-                  </a:lnTo>
-                  <a:lnTo>
-                    <a:pt x="8646" y="11724"/>
-                  </a:lnTo>
-                  <a:lnTo>
-                    <a:pt x="8866" y="11455"/>
-                  </a:lnTo>
-                  <a:lnTo>
-                    <a:pt x="9061" y="11162"/>
-                  </a:lnTo>
-                  <a:lnTo>
-                    <a:pt x="9183" y="10869"/>
-                  </a:lnTo>
-                  <a:lnTo>
-                    <a:pt x="9305" y="10551"/>
-                  </a:lnTo>
-                  <a:lnTo>
-                    <a:pt x="9379" y="10234"/>
-                  </a:lnTo>
-                  <a:lnTo>
-                    <a:pt x="9427" y="9916"/>
-                  </a:lnTo>
-                  <a:lnTo>
-                    <a:pt x="9452" y="9623"/>
-                  </a:lnTo>
-                  <a:lnTo>
-                    <a:pt x="9452" y="9330"/>
-                  </a:lnTo>
-                  <a:lnTo>
-                    <a:pt x="9452" y="9013"/>
-                  </a:lnTo>
-                  <a:lnTo>
-                    <a:pt x="9427" y="8695"/>
-                  </a:lnTo>
-                  <a:lnTo>
-                    <a:pt x="9379" y="8378"/>
-                  </a:lnTo>
-                  <a:lnTo>
-                    <a:pt x="9305" y="8060"/>
-                  </a:lnTo>
-                  <a:lnTo>
-                    <a:pt x="9256" y="7767"/>
-                  </a:lnTo>
-                  <a:lnTo>
-                    <a:pt x="9159" y="7474"/>
-                  </a:lnTo>
-                  <a:lnTo>
-                    <a:pt x="9061" y="7230"/>
-                  </a:lnTo>
-                  <a:lnTo>
-                    <a:pt x="8963" y="6986"/>
-                  </a:lnTo>
-                  <a:lnTo>
-                    <a:pt x="11870" y="4104"/>
-                  </a:lnTo>
-                  <a:lnTo>
-                    <a:pt x="7767" y="1"/>
+                    <a:pt x="0" y="7523"/>
+                  </a:lnTo>
+                  <a:lnTo>
+                    <a:pt x="6448" y="3640"/>
+                  </a:lnTo>
+                  <a:lnTo>
+                    <a:pt x="6179" y="3249"/>
+                  </a:lnTo>
+                  <a:lnTo>
+                    <a:pt x="5911" y="2858"/>
+                  </a:lnTo>
+                  <a:lnTo>
+                    <a:pt x="5593" y="2492"/>
+                  </a:lnTo>
+                  <a:lnTo>
+                    <a:pt x="5276" y="2150"/>
+                  </a:lnTo>
+                  <a:lnTo>
+                    <a:pt x="4909" y="1833"/>
+                  </a:lnTo>
+                  <a:lnTo>
+                    <a:pt x="4543" y="1540"/>
+                  </a:lnTo>
+                  <a:lnTo>
+                    <a:pt x="4152" y="1246"/>
+                  </a:lnTo>
+                  <a:lnTo>
+                    <a:pt x="3761" y="1002"/>
+                  </a:lnTo>
+                  <a:lnTo>
+                    <a:pt x="3322" y="782"/>
+                  </a:lnTo>
+                  <a:lnTo>
+                    <a:pt x="2882" y="587"/>
+                  </a:lnTo>
+                  <a:lnTo>
+                    <a:pt x="2443" y="416"/>
+                  </a:lnTo>
+                  <a:lnTo>
+                    <a:pt x="1978" y="270"/>
+                  </a:lnTo>
+                  <a:lnTo>
+                    <a:pt x="1490" y="147"/>
+                  </a:lnTo>
+                  <a:lnTo>
+                    <a:pt x="1002" y="74"/>
+                  </a:lnTo>
+                  <a:lnTo>
+                    <a:pt x="513" y="25"/>
+                  </a:lnTo>
+                  <a:lnTo>
+                    <a:pt x="0" y="1"/>
                   </a:lnTo>
                   <a:close/>
                 </a:path>
@@ -18969,7 +17602,7 @@
       </p:grpSp>
       <p:sp>
         <p:nvSpPr>
-          <p:cNvPr id="142" name="Google Shape;142;p19"/>
+          <p:cNvPr id="192" name="Google Shape;192;p24"/>
           <p:cNvSpPr txBox="1">
             <a:spLocks noGrp="1"/>
           </p:cNvSpPr>
@@ -19003,7 +17636,7 @@
             </a:pPr>
             <a:fld id="{00000000-1234-1234-1234-123412341234}" type="slidenum">
               <a:rPr lang="en"/>
-              <a:t>8</a:t>
+              <a:t>9</a:t>
             </a:fld>
             <a:endParaRPr/>
           </a:p>
@@ -19011,13 +17644,7 @@
       </p:sp>
       <p:pic>
         <p:nvPicPr>
-          <p:cNvPr id="10" name="Picture 9">
-            <a:extLst>
-              <a:ext uri="{FF2B5EF4-FFF2-40B4-BE49-F238E27FC236}">
-                <a16:creationId xmlns:a16="http://schemas.microsoft.com/office/drawing/2014/main" id="{85A298F8-9608-4056-8747-EEE4511588BC}"/>
-              </a:ext>
-            </a:extLst>
-          </p:cNvPr>
+          <p:cNvPr id="2" name="Picture 1"/>
           <p:cNvPicPr>
             <a:picLocks noChangeAspect="1"/>
           </p:cNvPicPr>
@@ -19031,817 +17658,12 @@
         </p:blipFill>
         <p:spPr>
           <a:xfrm>
-            <a:off x="447905" y="1897728"/>
-            <a:ext cx="3870325" cy="2495550"/>
+            <a:off x="1611504" y="1268997"/>
+            <a:ext cx="5589396" cy="3436009"/>
           </a:xfrm>
           <a:prstGeom prst="rect">
             <a:avLst/>
           </a:prstGeom>
-        </p:spPr>
-      </p:pic>
-      <p:pic>
-        <p:nvPicPr>
-          <p:cNvPr id="11" name="Picture 10" descr="https://lh3.googleusercontent.com/7JDNPYd-TLdmccSLRrExqtJhiYhxX0jPgNOmxjAeMO1HdNecmFBNtTUebhxns7-dxmrJxFDEb3vnXJV7WNDBtNyF4rc3lsH2iGTqrzc7f8ZAv9gB_c8Q23UsFBKotJio1zVy07aMgKuHoLXGlw"/>
-          <p:cNvPicPr/>
-          <p:nvPr/>
-        </p:nvPicPr>
-        <p:blipFill>
-          <a:blip r:embed="rId4">
-            <a:extLst>
-              <a:ext uri="{28A0092B-C50C-407E-A947-70E740481C1C}">
-                <a14:useLocalDpi xmlns:a14="http://schemas.microsoft.com/office/drawing/2010/main" val="0"/>
-              </a:ext>
-            </a:extLst>
-          </a:blip>
-          <a:srcRect/>
-          <a:stretch>
-            <a:fillRect/>
-          </a:stretch>
-        </p:blipFill>
-        <p:spPr bwMode="auto">
-          <a:xfrm>
-            <a:off x="4485158" y="1830873"/>
-            <a:ext cx="4063419" cy="2703756"/>
-          </a:xfrm>
-          <a:prstGeom prst="rect">
-            <a:avLst/>
-          </a:prstGeom>
-          <a:noFill/>
-          <a:ln>
-            <a:noFill/>
-          </a:ln>
-        </p:spPr>
-      </p:pic>
-    </p:spTree>
-  </p:cSld>
-  <p:clrMapOvr>
-    <a:masterClrMapping/>
-  </p:clrMapOvr>
-</p:sld>
-</file>
-
-<file path=ppt/slides/slide9.xml><?xml version="1.0" encoding="utf-8"?>
-<p:sld xmlns:a="http://schemas.openxmlformats.org/drawingml/2006/main" xmlns:r="http://schemas.openxmlformats.org/officeDocument/2006/relationships" xmlns:p="http://schemas.openxmlformats.org/presentationml/2006/main">
-  <p:cSld>
-    <p:spTree>
-      <p:nvGrpSpPr>
-        <p:cNvPr id="1" name="Shape 146"/>
-        <p:cNvGrpSpPr/>
-        <p:nvPr/>
-      </p:nvGrpSpPr>
-      <p:grpSpPr>
-        <a:xfrm>
-          <a:off x="0" y="0"/>
-          <a:ext cx="0" cy="0"/>
-          <a:chOff x="0" y="0"/>
-          <a:chExt cx="0" cy="0"/>
-        </a:xfrm>
-      </p:grpSpPr>
-      <p:sp>
-        <p:nvSpPr>
-          <p:cNvPr id="147" name="Google Shape;147;p20"/>
-          <p:cNvSpPr txBox="1">
-            <a:spLocks noGrp="1"/>
-          </p:cNvSpPr>
-          <p:nvPr>
-            <p:ph type="title"/>
-          </p:nvPr>
-        </p:nvSpPr>
-        <p:spPr>
-          <a:xfrm>
-            <a:off x="1092433" y="520995"/>
-            <a:ext cx="5808097" cy="648698"/>
-          </a:xfrm>
-          <a:prstGeom prst="rect">
-            <a:avLst/>
-          </a:prstGeom>
-        </p:spPr>
-        <p:txBody>
-          <a:bodyPr spcFirstLastPara="1" wrap="square" lIns="91425" tIns="91425" rIns="91425" bIns="91425" anchor="b" anchorCtr="0">
-            <a:noAutofit/>
-          </a:bodyPr>
-          <a:lstStyle/>
-          <a:p>
-            <a:pPr marL="0" lvl="0" indent="0" algn="l" rtl="0">
-              <a:spcBef>
-                <a:spcPts val="0"/>
-              </a:spcBef>
-              <a:spcAft>
-                <a:spcPts val="0"/>
-              </a:spcAft>
-              <a:buNone/>
-            </a:pPr>
-            <a:r>
-              <a:rPr lang="en" sz="3200" dirty="0" smtClean="0"/>
-              <a:t>2.3 Biểu đồ mức dưới đỉnh</a:t>
-            </a:r>
-            <a:endParaRPr sz="3200" dirty="0"/>
-          </a:p>
-        </p:txBody>
-      </p:sp>
-      <p:sp>
-        <p:nvSpPr>
-          <p:cNvPr id="148" name="Google Shape;148;p20"/>
-          <p:cNvSpPr txBox="1">
-            <a:spLocks noGrp="1"/>
-          </p:cNvSpPr>
-          <p:nvPr>
-            <p:ph type="body" idx="1"/>
-          </p:nvPr>
-        </p:nvSpPr>
-        <p:spPr>
-          <a:xfrm>
-            <a:off x="938531" y="1073351"/>
-            <a:ext cx="2793497" cy="663428"/>
-          </a:xfrm>
-          <a:prstGeom prst="rect">
-            <a:avLst/>
-          </a:prstGeom>
-        </p:spPr>
-        <p:txBody>
-          <a:bodyPr spcFirstLastPara="1" wrap="square" lIns="91425" tIns="91425" rIns="91425" bIns="91425" anchor="t" anchorCtr="0">
-            <a:noAutofit/>
-          </a:bodyPr>
-          <a:lstStyle/>
-          <a:p>
-            <a:pPr marL="0" lvl="0" indent="0" algn="ctr" rtl="0">
-              <a:spcBef>
-                <a:spcPts val="600"/>
-              </a:spcBef>
-              <a:spcAft>
-                <a:spcPts val="0"/>
-              </a:spcAft>
-              <a:buNone/>
-            </a:pPr>
-            <a:r>
-              <a:rPr lang="en-US" dirty="0" smtClean="0">
-                <a:latin typeface="Work Sans"/>
-                <a:ea typeface="Work Sans"/>
-                <a:cs typeface="Work Sans"/>
-                <a:sym typeface="Work Sans"/>
-              </a:rPr>
-              <a:t>Biểu đồ định nghĩa chức năng (Quản lý danh mục)</a:t>
-            </a:r>
-            <a:endParaRPr dirty="0"/>
-          </a:p>
-        </p:txBody>
-      </p:sp>
-      <p:sp>
-        <p:nvSpPr>
-          <p:cNvPr id="149" name="Google Shape;149;p20"/>
-          <p:cNvSpPr txBox="1">
-            <a:spLocks noGrp="1"/>
-          </p:cNvSpPr>
-          <p:nvPr>
-            <p:ph type="body" idx="2"/>
-          </p:nvPr>
-        </p:nvSpPr>
-        <p:spPr>
-          <a:xfrm>
-            <a:off x="4625163" y="1073351"/>
-            <a:ext cx="2961659" cy="663428"/>
-          </a:xfrm>
-          <a:prstGeom prst="rect">
-            <a:avLst/>
-          </a:prstGeom>
-        </p:spPr>
-        <p:txBody>
-          <a:bodyPr spcFirstLastPara="1" wrap="square" lIns="91425" tIns="91425" rIns="91425" bIns="91425" anchor="t" anchorCtr="0">
-            <a:noAutofit/>
-          </a:bodyPr>
-          <a:lstStyle/>
-          <a:p>
-            <a:pPr marL="0" lvl="0" indent="0" algn="ctr" rtl="0">
-              <a:spcBef>
-                <a:spcPts val="600"/>
-              </a:spcBef>
-              <a:spcAft>
-                <a:spcPts val="0"/>
-              </a:spcAft>
-              <a:buNone/>
-            </a:pPr>
-            <a:r>
-              <a:rPr lang="en-US" dirty="0" smtClean="0">
-                <a:latin typeface="Work Sans"/>
-                <a:ea typeface="Work Sans"/>
-                <a:cs typeface="Work Sans"/>
-                <a:sym typeface="Work Sans"/>
-              </a:rPr>
-              <a:t>Biểu đồ định nghĩa chức năng (Quản lý đơn hàng)</a:t>
-            </a:r>
-            <a:r>
-              <a:rPr lang="en" dirty="0" smtClean="0"/>
-              <a:t>.</a:t>
-            </a:r>
-            <a:endParaRPr dirty="0"/>
-          </a:p>
-        </p:txBody>
-      </p:sp>
-      <p:grpSp>
-        <p:nvGrpSpPr>
-          <p:cNvPr id="151" name="Google Shape;151;p20"/>
-          <p:cNvGrpSpPr/>
-          <p:nvPr/>
-        </p:nvGrpSpPr>
-        <p:grpSpPr>
-          <a:xfrm>
-            <a:off x="7793665" y="520995"/>
-            <a:ext cx="903434" cy="903434"/>
-            <a:chOff x="2594325" y="1627175"/>
-            <a:chExt cx="440850" cy="440850"/>
-          </a:xfrm>
-        </p:grpSpPr>
-        <p:sp>
-          <p:nvSpPr>
-            <p:cNvPr id="152" name="Google Shape;152;p20"/>
-            <p:cNvSpPr/>
-            <p:nvPr/>
-          </p:nvSpPr>
-          <p:spPr>
-            <a:xfrm>
-              <a:off x="2594325" y="1890950"/>
-              <a:ext cx="177075" cy="177075"/>
-            </a:xfrm>
-            <a:custGeom>
-              <a:avLst/>
-              <a:gdLst/>
-              <a:ahLst/>
-              <a:cxnLst/>
-              <a:rect l="l" t="t" r="r" b="b"/>
-              <a:pathLst>
-                <a:path w="7083" h="7083" extrusionOk="0">
-                  <a:moveTo>
-                    <a:pt x="5544" y="0"/>
-                  </a:moveTo>
-                  <a:lnTo>
-                    <a:pt x="538" y="5984"/>
-                  </a:lnTo>
-                  <a:lnTo>
-                    <a:pt x="0" y="7083"/>
-                  </a:lnTo>
-                  <a:lnTo>
-                    <a:pt x="1099" y="6546"/>
-                  </a:lnTo>
-                  <a:lnTo>
-                    <a:pt x="7083" y="1539"/>
-                  </a:lnTo>
-                  <a:lnTo>
-                    <a:pt x="5544" y="0"/>
-                  </a:lnTo>
-                  <a:close/>
-                </a:path>
-              </a:pathLst>
-            </a:custGeom>
-            <a:solidFill>
-              <a:srgbClr val="000000"/>
-            </a:solidFill>
-            <a:ln>
-              <a:noFill/>
-            </a:ln>
-          </p:spPr>
-          <p:txBody>
-            <a:bodyPr spcFirstLastPara="1" wrap="square" lIns="91425" tIns="91425" rIns="91425" bIns="91425" anchor="ctr" anchorCtr="0">
-              <a:noAutofit/>
-            </a:bodyPr>
-            <a:lstStyle/>
-            <a:p>
-              <a:pPr marL="0" lvl="0" indent="0" algn="l" rtl="0">
-                <a:spcBef>
-                  <a:spcPts val="0"/>
-                </a:spcBef>
-                <a:spcAft>
-                  <a:spcPts val="0"/>
-                </a:spcAft>
-                <a:buNone/>
-              </a:pPr>
-              <a:endParaRPr/>
-            </a:p>
-          </p:txBody>
-        </p:sp>
-        <p:sp>
-          <p:nvSpPr>
-            <p:cNvPr id="153" name="Google Shape;153;p20"/>
-            <p:cNvSpPr/>
-            <p:nvPr/>
-          </p:nvSpPr>
-          <p:spPr>
-            <a:xfrm>
-              <a:off x="2858700" y="1627175"/>
-              <a:ext cx="176475" cy="176475"/>
-            </a:xfrm>
-            <a:custGeom>
-              <a:avLst/>
-              <a:gdLst/>
-              <a:ahLst/>
-              <a:cxnLst/>
-              <a:rect l="l" t="t" r="r" b="b"/>
-              <a:pathLst>
-                <a:path w="7059" h="7059" extrusionOk="0">
-                  <a:moveTo>
-                    <a:pt x="904" y="1"/>
-                  </a:moveTo>
-                  <a:lnTo>
-                    <a:pt x="782" y="25"/>
-                  </a:lnTo>
-                  <a:lnTo>
-                    <a:pt x="684" y="98"/>
-                  </a:lnTo>
-                  <a:lnTo>
-                    <a:pt x="611" y="147"/>
-                  </a:lnTo>
-                  <a:lnTo>
-                    <a:pt x="489" y="294"/>
-                  </a:lnTo>
-                  <a:lnTo>
-                    <a:pt x="367" y="440"/>
-                  </a:lnTo>
-                  <a:lnTo>
-                    <a:pt x="294" y="587"/>
-                  </a:lnTo>
-                  <a:lnTo>
-                    <a:pt x="196" y="733"/>
-                  </a:lnTo>
-                  <a:lnTo>
-                    <a:pt x="74" y="1051"/>
-                  </a:lnTo>
-                  <a:lnTo>
-                    <a:pt x="0" y="1393"/>
-                  </a:lnTo>
-                  <a:lnTo>
-                    <a:pt x="0" y="1735"/>
-                  </a:lnTo>
-                  <a:lnTo>
-                    <a:pt x="25" y="2052"/>
-                  </a:lnTo>
-                  <a:lnTo>
-                    <a:pt x="123" y="2394"/>
-                  </a:lnTo>
-                  <a:lnTo>
-                    <a:pt x="269" y="2711"/>
-                  </a:lnTo>
-                  <a:lnTo>
-                    <a:pt x="4348" y="6790"/>
-                  </a:lnTo>
-                  <a:lnTo>
-                    <a:pt x="4665" y="6937"/>
-                  </a:lnTo>
-                  <a:lnTo>
-                    <a:pt x="5007" y="7034"/>
-                  </a:lnTo>
-                  <a:lnTo>
-                    <a:pt x="5325" y="7059"/>
-                  </a:lnTo>
-                  <a:lnTo>
-                    <a:pt x="5667" y="7059"/>
-                  </a:lnTo>
-                  <a:lnTo>
-                    <a:pt x="6008" y="6986"/>
-                  </a:lnTo>
-                  <a:lnTo>
-                    <a:pt x="6326" y="6863"/>
-                  </a:lnTo>
-                  <a:lnTo>
-                    <a:pt x="6473" y="6766"/>
-                  </a:lnTo>
-                  <a:lnTo>
-                    <a:pt x="6619" y="6692"/>
-                  </a:lnTo>
-                  <a:lnTo>
-                    <a:pt x="6766" y="6570"/>
-                  </a:lnTo>
-                  <a:lnTo>
-                    <a:pt x="6912" y="6448"/>
-                  </a:lnTo>
-                  <a:lnTo>
-                    <a:pt x="6961" y="6375"/>
-                  </a:lnTo>
-                  <a:lnTo>
-                    <a:pt x="7034" y="6277"/>
-                  </a:lnTo>
-                  <a:lnTo>
-                    <a:pt x="7059" y="6155"/>
-                  </a:lnTo>
-                  <a:lnTo>
-                    <a:pt x="7059" y="6057"/>
-                  </a:lnTo>
-                  <a:lnTo>
-                    <a:pt x="7059" y="5960"/>
-                  </a:lnTo>
-                  <a:lnTo>
-                    <a:pt x="7034" y="5862"/>
-                  </a:lnTo>
-                  <a:lnTo>
-                    <a:pt x="6961" y="5764"/>
-                  </a:lnTo>
-                  <a:lnTo>
-                    <a:pt x="6912" y="5667"/>
-                  </a:lnTo>
-                  <a:lnTo>
-                    <a:pt x="1393" y="147"/>
-                  </a:lnTo>
-                  <a:lnTo>
-                    <a:pt x="1295" y="98"/>
-                  </a:lnTo>
-                  <a:lnTo>
-                    <a:pt x="1197" y="25"/>
-                  </a:lnTo>
-                  <a:lnTo>
-                    <a:pt x="1099" y="1"/>
-                  </a:lnTo>
-                  <a:close/>
-                </a:path>
-              </a:pathLst>
-            </a:custGeom>
-            <a:solidFill>
-              <a:srgbClr val="000000"/>
-            </a:solidFill>
-            <a:ln>
-              <a:noFill/>
-            </a:ln>
-          </p:spPr>
-          <p:txBody>
-            <a:bodyPr spcFirstLastPara="1" wrap="square" lIns="91425" tIns="91425" rIns="91425" bIns="91425" anchor="ctr" anchorCtr="0">
-              <a:noAutofit/>
-            </a:bodyPr>
-            <a:lstStyle/>
-            <a:p>
-              <a:pPr marL="0" lvl="0" indent="0" algn="l" rtl="0">
-                <a:spcBef>
-                  <a:spcPts val="0"/>
-                </a:spcBef>
-                <a:spcAft>
-                  <a:spcPts val="0"/>
-                </a:spcAft>
-                <a:buNone/>
-              </a:pPr>
-              <a:endParaRPr/>
-            </a:p>
-          </p:txBody>
-        </p:sp>
-        <p:sp>
-          <p:nvSpPr>
-            <p:cNvPr id="154" name="Google Shape;154;p20"/>
-            <p:cNvSpPr/>
-            <p:nvPr/>
-          </p:nvSpPr>
-          <p:spPr>
-            <a:xfrm>
-              <a:off x="2663325" y="1702275"/>
-              <a:ext cx="296750" cy="296775"/>
-            </a:xfrm>
-            <a:custGeom>
-              <a:avLst/>
-              <a:gdLst/>
-              <a:ahLst/>
-              <a:cxnLst/>
-              <a:rect l="l" t="t" r="r" b="b"/>
-              <a:pathLst>
-                <a:path w="11870" h="11871" extrusionOk="0">
-                  <a:moveTo>
-                    <a:pt x="7718" y="1295"/>
-                  </a:moveTo>
-                  <a:lnTo>
-                    <a:pt x="7815" y="1319"/>
-                  </a:lnTo>
-                  <a:lnTo>
-                    <a:pt x="7889" y="1368"/>
-                  </a:lnTo>
-                  <a:lnTo>
-                    <a:pt x="7938" y="1442"/>
-                  </a:lnTo>
-                  <a:lnTo>
-                    <a:pt x="7938" y="1515"/>
-                  </a:lnTo>
-                  <a:lnTo>
-                    <a:pt x="7938" y="1588"/>
-                  </a:lnTo>
-                  <a:lnTo>
-                    <a:pt x="7889" y="1661"/>
-                  </a:lnTo>
-                  <a:lnTo>
-                    <a:pt x="5862" y="3664"/>
-                  </a:lnTo>
-                  <a:lnTo>
-                    <a:pt x="5788" y="3713"/>
-                  </a:lnTo>
-                  <a:lnTo>
-                    <a:pt x="5715" y="3737"/>
-                  </a:lnTo>
-                  <a:lnTo>
-                    <a:pt x="5642" y="3713"/>
-                  </a:lnTo>
-                  <a:lnTo>
-                    <a:pt x="5569" y="3664"/>
-                  </a:lnTo>
-                  <a:lnTo>
-                    <a:pt x="5520" y="3591"/>
-                  </a:lnTo>
-                  <a:lnTo>
-                    <a:pt x="5495" y="3517"/>
-                  </a:lnTo>
-                  <a:lnTo>
-                    <a:pt x="5520" y="3444"/>
-                  </a:lnTo>
-                  <a:lnTo>
-                    <a:pt x="5569" y="3371"/>
-                  </a:lnTo>
-                  <a:lnTo>
-                    <a:pt x="7571" y="1368"/>
-                  </a:lnTo>
-                  <a:lnTo>
-                    <a:pt x="7644" y="1319"/>
-                  </a:lnTo>
-                  <a:lnTo>
-                    <a:pt x="7718" y="1295"/>
-                  </a:lnTo>
-                  <a:close/>
-                  <a:moveTo>
-                    <a:pt x="7767" y="1"/>
-                  </a:moveTo>
-                  <a:lnTo>
-                    <a:pt x="4885" y="2907"/>
-                  </a:lnTo>
-                  <a:lnTo>
-                    <a:pt x="4640" y="2809"/>
-                  </a:lnTo>
-                  <a:lnTo>
-                    <a:pt x="4396" y="2712"/>
-                  </a:lnTo>
-                  <a:lnTo>
-                    <a:pt x="4103" y="2614"/>
-                  </a:lnTo>
-                  <a:lnTo>
-                    <a:pt x="3810" y="2565"/>
-                  </a:lnTo>
-                  <a:lnTo>
-                    <a:pt x="3493" y="2492"/>
-                  </a:lnTo>
-                  <a:lnTo>
-                    <a:pt x="3175" y="2443"/>
-                  </a:lnTo>
-                  <a:lnTo>
-                    <a:pt x="2858" y="2418"/>
-                  </a:lnTo>
-                  <a:lnTo>
-                    <a:pt x="2247" y="2418"/>
-                  </a:lnTo>
-                  <a:lnTo>
-                    <a:pt x="1954" y="2443"/>
-                  </a:lnTo>
-                  <a:lnTo>
-                    <a:pt x="1636" y="2492"/>
-                  </a:lnTo>
-                  <a:lnTo>
-                    <a:pt x="1319" y="2565"/>
-                  </a:lnTo>
-                  <a:lnTo>
-                    <a:pt x="1001" y="2687"/>
-                  </a:lnTo>
-                  <a:lnTo>
-                    <a:pt x="708" y="2809"/>
-                  </a:lnTo>
-                  <a:lnTo>
-                    <a:pt x="415" y="3005"/>
-                  </a:lnTo>
-                  <a:lnTo>
-                    <a:pt x="147" y="3224"/>
-                  </a:lnTo>
-                  <a:lnTo>
-                    <a:pt x="73" y="3298"/>
-                  </a:lnTo>
-                  <a:lnTo>
-                    <a:pt x="24" y="3395"/>
-                  </a:lnTo>
-                  <a:lnTo>
-                    <a:pt x="0" y="3493"/>
-                  </a:lnTo>
-                  <a:lnTo>
-                    <a:pt x="0" y="3615"/>
-                  </a:lnTo>
-                  <a:lnTo>
-                    <a:pt x="0" y="3713"/>
-                  </a:lnTo>
-                  <a:lnTo>
-                    <a:pt x="24" y="3811"/>
-                  </a:lnTo>
-                  <a:lnTo>
-                    <a:pt x="73" y="3908"/>
-                  </a:lnTo>
-                  <a:lnTo>
-                    <a:pt x="147" y="4006"/>
-                  </a:lnTo>
-                  <a:lnTo>
-                    <a:pt x="7864" y="11724"/>
-                  </a:lnTo>
-                  <a:lnTo>
-                    <a:pt x="7962" y="11797"/>
-                  </a:lnTo>
-                  <a:lnTo>
-                    <a:pt x="8060" y="11846"/>
-                  </a:lnTo>
-                  <a:lnTo>
-                    <a:pt x="8157" y="11870"/>
-                  </a:lnTo>
-                  <a:lnTo>
-                    <a:pt x="8377" y="11870"/>
-                  </a:lnTo>
-                  <a:lnTo>
-                    <a:pt x="8475" y="11846"/>
-                  </a:lnTo>
-                  <a:lnTo>
-                    <a:pt x="8573" y="11797"/>
-                  </a:lnTo>
-                  <a:lnTo>
-                    <a:pt x="8646" y="11724"/>
-                  </a:lnTo>
-                  <a:lnTo>
-                    <a:pt x="8866" y="11455"/>
-                  </a:lnTo>
-                  <a:lnTo>
-                    <a:pt x="9061" y="11162"/>
-                  </a:lnTo>
-                  <a:lnTo>
-                    <a:pt x="9183" y="10869"/>
-                  </a:lnTo>
-                  <a:lnTo>
-                    <a:pt x="9305" y="10551"/>
-                  </a:lnTo>
-                  <a:lnTo>
-                    <a:pt x="9379" y="10234"/>
-                  </a:lnTo>
-                  <a:lnTo>
-                    <a:pt x="9427" y="9916"/>
-                  </a:lnTo>
-                  <a:lnTo>
-                    <a:pt x="9452" y="9623"/>
-                  </a:lnTo>
-                  <a:lnTo>
-                    <a:pt x="9452" y="9330"/>
-                  </a:lnTo>
-                  <a:lnTo>
-                    <a:pt x="9452" y="9013"/>
-                  </a:lnTo>
-                  <a:lnTo>
-                    <a:pt x="9427" y="8695"/>
-                  </a:lnTo>
-                  <a:lnTo>
-                    <a:pt x="9379" y="8378"/>
-                  </a:lnTo>
-                  <a:lnTo>
-                    <a:pt x="9305" y="8060"/>
-                  </a:lnTo>
-                  <a:lnTo>
-                    <a:pt x="9256" y="7767"/>
-                  </a:lnTo>
-                  <a:lnTo>
-                    <a:pt x="9159" y="7474"/>
-                  </a:lnTo>
-                  <a:lnTo>
-                    <a:pt x="9061" y="7230"/>
-                  </a:lnTo>
-                  <a:lnTo>
-                    <a:pt x="8963" y="6986"/>
-                  </a:lnTo>
-                  <a:lnTo>
-                    <a:pt x="11870" y="4104"/>
-                  </a:lnTo>
-                  <a:lnTo>
-                    <a:pt x="7767" y="1"/>
-                  </a:lnTo>
-                  <a:close/>
-                </a:path>
-              </a:pathLst>
-            </a:custGeom>
-            <a:solidFill>
-              <a:srgbClr val="000000"/>
-            </a:solidFill>
-            <a:ln>
-              <a:noFill/>
-            </a:ln>
-          </p:spPr>
-          <p:txBody>
-            <a:bodyPr spcFirstLastPara="1" wrap="square" lIns="91425" tIns="91425" rIns="91425" bIns="91425" anchor="ctr" anchorCtr="0">
-              <a:noAutofit/>
-            </a:bodyPr>
-            <a:lstStyle/>
-            <a:p>
-              <a:pPr marL="0" lvl="0" indent="0" algn="l" rtl="0">
-                <a:spcBef>
-                  <a:spcPts val="0"/>
-                </a:spcBef>
-                <a:spcAft>
-                  <a:spcPts val="0"/>
-                </a:spcAft>
-                <a:buNone/>
-              </a:pPr>
-              <a:endParaRPr/>
-            </a:p>
-          </p:txBody>
-        </p:sp>
-      </p:grpSp>
-      <p:sp>
-        <p:nvSpPr>
-          <p:cNvPr id="155" name="Google Shape;155;p20"/>
-          <p:cNvSpPr txBox="1">
-            <a:spLocks noGrp="1"/>
-          </p:cNvSpPr>
-          <p:nvPr>
-            <p:ph type="sldNum" idx="12"/>
-          </p:nvPr>
-        </p:nvSpPr>
-        <p:spPr>
-          <a:xfrm>
-            <a:off x="8159499" y="4393278"/>
-            <a:ext cx="548700" cy="393600"/>
-          </a:xfrm>
-          <a:prstGeom prst="rect">
-            <a:avLst/>
-          </a:prstGeom>
-        </p:spPr>
-        <p:txBody>
-          <a:bodyPr spcFirstLastPara="1" wrap="square" lIns="91425" tIns="91425" rIns="91425" bIns="91425" anchor="ctr" anchorCtr="0">
-            <a:noAutofit/>
-          </a:bodyPr>
-          <a:lstStyle/>
-          <a:p>
-            <a:pPr marL="0" lvl="0" indent="0" algn="r" rtl="0">
-              <a:spcBef>
-                <a:spcPts val="0"/>
-              </a:spcBef>
-              <a:spcAft>
-                <a:spcPts val="0"/>
-              </a:spcAft>
-              <a:buNone/>
-            </a:pPr>
-            <a:fld id="{00000000-1234-1234-1234-123412341234}" type="slidenum">
-              <a:rPr lang="en"/>
-              <a:t>9</a:t>
-            </a:fld>
-            <a:endParaRPr/>
-          </a:p>
-        </p:txBody>
-      </p:sp>
-      <p:pic>
-        <p:nvPicPr>
-          <p:cNvPr id="12" name="Picture 11">
-            <a:extLst>
-              <a:ext uri="{FF2B5EF4-FFF2-40B4-BE49-F238E27FC236}">
-                <a16:creationId xmlns:a16="http://schemas.microsoft.com/office/drawing/2014/main" id="{C87F7CA9-248A-4D78-A11B-E66A650D9301}"/>
-              </a:ext>
-            </a:extLst>
-          </p:cNvPr>
-          <p:cNvPicPr>
-            <a:picLocks noChangeAspect="1"/>
-          </p:cNvPicPr>
-          <p:nvPr/>
-        </p:nvPicPr>
-        <p:blipFill>
-          <a:blip r:embed="rId3"/>
-          <a:stretch>
-            <a:fillRect/>
-          </a:stretch>
-        </p:blipFill>
-        <p:spPr>
-          <a:xfrm>
-            <a:off x="462516" y="1952250"/>
-            <a:ext cx="3439315" cy="2247610"/>
-          </a:xfrm>
-          <a:prstGeom prst="rect">
-            <a:avLst/>
-          </a:prstGeom>
-        </p:spPr>
-      </p:pic>
-      <p:pic>
-        <p:nvPicPr>
-          <p:cNvPr id="13" name="Picture 12" descr="https://lh6.googleusercontent.com/p16dr8zh4tMSGsfr4E967U9d3JIXWKP6jb0FBQSTXjgOTVANq2YM-Txp7gQGs1u_HJUCOJTnBH-0xFS631Kmr1R75jSlBP9eEXUj3CXFU-MgYDrgFxWRGAnR1cOB6Emb7A8tHPkQWTHB9wMETg"/>
-          <p:cNvPicPr/>
-          <p:nvPr/>
-        </p:nvPicPr>
-        <p:blipFill>
-          <a:blip r:embed="rId4">
-            <a:extLst>
-              <a:ext uri="{28A0092B-C50C-407E-A947-70E740481C1C}">
-                <a14:useLocalDpi xmlns:a14="http://schemas.microsoft.com/office/drawing/2010/main" val="0"/>
-              </a:ext>
-            </a:extLst>
-          </a:blip>
-          <a:srcRect/>
-          <a:stretch>
-            <a:fillRect/>
-          </a:stretch>
-        </p:blipFill>
-        <p:spPr bwMode="auto">
-          <a:xfrm>
-            <a:off x="4311611" y="1736779"/>
-            <a:ext cx="3847888" cy="2919494"/>
-          </a:xfrm>
-          <a:prstGeom prst="rect">
-            <a:avLst/>
-          </a:prstGeom>
-          <a:noFill/>
-          <a:ln>
-            <a:noFill/>
-          </a:ln>
         </p:spPr>
       </p:pic>
     </p:spTree>
